--- a/data/prezentacije/organizacija/005_Podjela_ugostiteljstva.pptx
+++ b/data/prezentacije/organizacija/005_Podjela_ugostiteljstva.pptx
@@ -5,10 +5,10 @@
     <p:sldMasterId id="2147483660" r:id="rId1"/>
   </p:sldMasterIdLst>
   <p:notesMasterIdLst>
-    <p:notesMasterId r:id="rId14"/>
+    <p:notesMasterId r:id="rId16"/>
   </p:notesMasterIdLst>
   <p:handoutMasterIdLst>
-    <p:handoutMasterId r:id="rId15"/>
+    <p:handoutMasterId r:id="rId17"/>
   </p:handoutMasterIdLst>
   <p:sldIdLst>
     <p:sldId id="462" r:id="rId2"/>
@@ -21,8 +21,10 @@
     <p:sldId id="459" r:id="rId9"/>
     <p:sldId id="460" r:id="rId10"/>
     <p:sldId id="461" r:id="rId11"/>
-    <p:sldId id="452" r:id="rId12"/>
-    <p:sldId id="453" r:id="rId13"/>
+    <p:sldId id="463" r:id="rId12"/>
+    <p:sldId id="464" r:id="rId13"/>
+    <p:sldId id="452" r:id="rId14"/>
+    <p:sldId id="453" r:id="rId15"/>
   </p:sldIdLst>
   <p:sldSz cx="9144000" cy="6858000" type="screen4x3"/>
   <p:notesSz cx="6858000" cy="9144000"/>
@@ -123,7 +125,7 @@
   </p:defaultTextStyle>
   <p:extLst>
     <p:ext uri="{EFAFB233-063F-42B5-8137-9DF3F51BA10A}">
-      <p15:sldGuideLst xmlns:p15="http://schemas.microsoft.com/office/powerpoint/2012/main" xmlns="">
+      <p15:sldGuideLst xmlns="" xmlns:p15="http://schemas.microsoft.com/office/powerpoint/2012/main">
         <p15:guide id="1" orient="horz" pos="2160">
           <p15:clr>
             <a:srgbClr val="A4A3A4"/>
@@ -137,7 +139,7 @@
       </p15:sldGuideLst>
     </p:ext>
     <p:ext uri="{2D200454-40CA-4A62-9FC3-DE9A4176ACB9}">
-      <p15:notesGuideLst xmlns:p15="http://schemas.microsoft.com/office/powerpoint/2012/main" xmlns="">
+      <p15:notesGuideLst xmlns="" xmlns:p15="http://schemas.microsoft.com/office/powerpoint/2012/main">
         <p15:guide id="1" orient="horz" pos="2880">
           <p15:clr>
             <a:srgbClr val="A4A3A4"/>
@@ -237,7 +239,7 @@
             <a:fld id="{FCB922A3-0C2E-4D94-AFF5-90A2C0AB44AC}" type="datetimeFigureOut">
               <a:rPr lang="hr-HR" smtClean="0"/>
               <a:pPr/>
-              <a:t>3.10.2017.</a:t>
+              <a:t>9.10.2017.</a:t>
             </a:fld>
             <a:endParaRPr lang="hr-HR"/>
           </a:p>
@@ -404,7 +406,7 @@
             <a:fld id="{1542121D-D7BC-4175-A702-9B7BBD6019B1}" type="datetimeFigureOut">
               <a:rPr lang="sr-Latn-CS" smtClean="0"/>
               <a:pPr/>
-              <a:t>3.10.2017.</a:t>
+              <a:t>9.10.2017.</a:t>
             </a:fld>
             <a:endParaRPr lang="hr-HR"/>
           </a:p>
@@ -865,7 +867,7 @@
             <a:fld id="{FDC1A071-2A74-455A-A49A-8BB21E4AC2F6}" type="datetimeFigureOut">
               <a:rPr lang="sr-Latn-CS" smtClean="0"/>
               <a:pPr/>
-              <a:t>3.10.2017.</a:t>
+              <a:t>9.10.2017.</a:t>
             </a:fld>
             <a:endParaRPr lang="hr-HR"/>
           </a:p>
@@ -1143,7 +1145,7 @@
             <a:fld id="{FDC1A071-2A74-455A-A49A-8BB21E4AC2F6}" type="datetimeFigureOut">
               <a:rPr lang="sr-Latn-CS" smtClean="0"/>
               <a:pPr/>
-              <a:t>3.10.2017.</a:t>
+              <a:t>9.10.2017.</a:t>
             </a:fld>
             <a:endParaRPr lang="hr-HR"/>
           </a:p>
@@ -1334,7 +1336,7 @@
             <a:fld id="{FDC1A071-2A74-455A-A49A-8BB21E4AC2F6}" type="datetimeFigureOut">
               <a:rPr lang="sr-Latn-CS" smtClean="0"/>
               <a:pPr/>
-              <a:t>3.10.2017.</a:t>
+              <a:t>9.10.2017.</a:t>
             </a:fld>
             <a:endParaRPr lang="hr-HR"/>
           </a:p>
@@ -1535,7 +1537,7 @@
             <a:fld id="{FDC1A071-2A74-455A-A49A-8BB21E4AC2F6}" type="datetimeFigureOut">
               <a:rPr lang="sr-Latn-CS" smtClean="0"/>
               <a:pPr/>
-              <a:t>3.10.2017.</a:t>
+              <a:t>9.10.2017.</a:t>
             </a:fld>
             <a:endParaRPr lang="hr-HR"/>
           </a:p>
@@ -2165,7 +2167,7 @@
             <a:fld id="{FDC1A071-2A74-455A-A49A-8BB21E4AC2F6}" type="datetimeFigureOut">
               <a:rPr lang="sr-Latn-CS" smtClean="0"/>
               <a:pPr/>
-              <a:t>3.10.2017.</a:t>
+              <a:t>9.10.2017.</a:t>
             </a:fld>
             <a:endParaRPr lang="hr-HR"/>
           </a:p>
@@ -2474,7 +2476,7 @@
             <a:fld id="{FDC1A071-2A74-455A-A49A-8BB21E4AC2F6}" type="datetimeFigureOut">
               <a:rPr lang="sr-Latn-CS" smtClean="0"/>
               <a:pPr/>
-              <a:t>3.10.2017.</a:t>
+              <a:t>9.10.2017.</a:t>
             </a:fld>
             <a:endParaRPr lang="hr-HR"/>
           </a:p>
@@ -2917,7 +2919,7 @@
             <a:fld id="{FDC1A071-2A74-455A-A49A-8BB21E4AC2F6}" type="datetimeFigureOut">
               <a:rPr lang="sr-Latn-CS" smtClean="0"/>
               <a:pPr/>
-              <a:t>3.10.2017.</a:t>
+              <a:t>9.10.2017.</a:t>
             </a:fld>
             <a:endParaRPr lang="hr-HR"/>
           </a:p>
@@ -3056,7 +3058,7 @@
             <a:fld id="{FDC1A071-2A74-455A-A49A-8BB21E4AC2F6}" type="datetimeFigureOut">
               <a:rPr lang="sr-Latn-CS" smtClean="0"/>
               <a:pPr/>
-              <a:t>3.10.2017.</a:t>
+              <a:t>9.10.2017.</a:t>
             </a:fld>
             <a:endParaRPr lang="hr-HR"/>
           </a:p>
@@ -3172,7 +3174,7 @@
             <a:fld id="{FDC1A071-2A74-455A-A49A-8BB21E4AC2F6}" type="datetimeFigureOut">
               <a:rPr lang="sr-Latn-CS" smtClean="0"/>
               <a:pPr/>
-              <a:t>3.10.2017.</a:t>
+              <a:t>9.10.2017.</a:t>
             </a:fld>
             <a:endParaRPr lang="hr-HR"/>
           </a:p>
@@ -3470,7 +3472,7 @@
             <a:fld id="{FDC1A071-2A74-455A-A49A-8BB21E4AC2F6}" type="datetimeFigureOut">
               <a:rPr lang="sr-Latn-CS" smtClean="0"/>
               <a:pPr/>
-              <a:t>3.10.2017.</a:t>
+              <a:t>9.10.2017.</a:t>
             </a:fld>
             <a:endParaRPr lang="hr-HR"/>
           </a:p>
@@ -6371,14 +6373,23 @@
             <p:ph type="title"/>
           </p:nvPr>
         </p:nvSpPr>
-        <p:spPr/>
+        <p:spPr>
+          <a:xfrm>
+            <a:off x="142844" y="-22254"/>
+            <a:ext cx="8858312" cy="642942"/>
+          </a:xfrm>
+        </p:spPr>
         <p:txBody>
           <a:bodyPr/>
           <a:lstStyle/>
           <a:p>
             <a:r>
               <a:rPr lang="hr-HR" sz="3200" dirty="0" smtClean="0"/>
-              <a:t>Animacija gostiju</a:t>
+              <a:t>Restauracija </a:t>
+            </a:r>
+            <a:r>
+              <a:rPr lang="hr-HR" sz="3200" dirty="0" smtClean="0"/>
+              <a:t>bar</a:t>
             </a:r>
             <a:endParaRPr lang="hr-HR" sz="3400" b="1" i="1" dirty="0"/>
           </a:p>
@@ -6396,8 +6407,8 @@
         </p:nvSpPr>
         <p:spPr>
           <a:xfrm>
-            <a:off x="0" y="551556"/>
-            <a:ext cx="9144000" cy="6381328"/>
+            <a:off x="0" y="623564"/>
+            <a:ext cx="9144000" cy="2805436"/>
           </a:xfrm>
         </p:spPr>
         <p:txBody>
@@ -6406,39 +6417,26 @@
           </a:bodyPr>
           <a:lstStyle/>
           <a:p>
-            <a:r>
-              <a:rPr lang="hr-HR" dirty="0" smtClean="0"/>
-              <a:t>ANIMIRATI – oraspoložiti, zabaviti  i </a:t>
-            </a:r>
-            <a:r>
-              <a:rPr lang="hr-HR" dirty="0" err="1" smtClean="0"/>
-              <a:t>sl</a:t>
-            </a:r>
-            <a:r>
-              <a:rPr lang="hr-HR" dirty="0" smtClean="0"/>
-              <a:t>.</a:t>
-            </a:r>
-          </a:p>
-          <a:p>
-            <a:r>
-              <a:rPr lang="hr-HR" b="1" dirty="0" smtClean="0">
+            <a:pPr>
+              <a:spcBef>
+                <a:spcPts val="600"/>
+              </a:spcBef>
+            </a:pPr>
+            <a:r>
+              <a:rPr lang="hr-HR" sz="2800" b="1" dirty="0" smtClean="0">
                 <a:solidFill>
                   <a:srgbClr val="FF0000"/>
                 </a:solidFill>
               </a:rPr>
-              <a:t>ANIMACIJA</a:t>
-            </a:r>
-            <a:r>
-              <a:rPr lang="hr-HR" dirty="0" smtClean="0">
-                <a:solidFill>
-                  <a:srgbClr val="FF0000"/>
-                </a:solidFill>
-              </a:rPr>
-              <a:t> </a:t>
+              <a:t>RESTAURACIJA BAR </a:t>
             </a:r>
             <a:r>
               <a:rPr lang="hr-HR" dirty="0" smtClean="0"/>
-              <a:t>– organiziranje raznih kulturnih, zabavnih, sportskih i drugih aktivnosti </a:t>
+              <a:t>– vrsta bara koji </a:t>
+            </a:r>
+            <a:r>
+              <a:rPr lang="hr-HR" dirty="0" smtClean="0"/>
+              <a:t>se nalazi </a:t>
             </a:r>
             <a:r>
               <a:rPr lang="hr-HR" dirty="0">
@@ -6448,18 +6446,26 @@
                 <a:ea typeface="Calibri"/>
                 <a:cs typeface="Times New Roman"/>
               </a:rPr>
-              <a:t>u kojima gosti aktivno sudjeluju po svojoj želji</a:t>
-            </a:r>
-          </a:p>
-          <a:p>
-            <a:pPr lvl="1"/>
+              <a:t>u dijelu </a:t>
+            </a:r>
+            <a:r>
+              <a:rPr lang="hr-HR" dirty="0" smtClean="0">
+                <a:highlight>
+                  <a:srgbClr val="FFFF00"/>
+                </a:highlight>
+                <a:ea typeface="Calibri"/>
+                <a:cs typeface="Times New Roman"/>
+              </a:rPr>
+              <a:t>blagovaonice</a:t>
+            </a:r>
+            <a:r>
+              <a:rPr lang="hr-HR" dirty="0"/>
+              <a:t> </a:t>
+            </a:r>
             <a:r>
               <a:rPr lang="hr-HR" dirty="0" smtClean="0"/>
-              <a:t>animacija je briga o gostima, njihovim željama i potrebama za aktivnim ili pasivnim oblicima razonode</a:t>
-            </a:r>
-          </a:p>
-          <a:p>
-            <a:pPr lvl="1"/>
+              <a:t>ili na </a:t>
+            </a:r>
             <a:r>
               <a:rPr lang="hr-HR" dirty="0">
                 <a:highlight>
@@ -6468,72 +6474,830 @@
                 <a:ea typeface="Calibri"/>
                 <a:cs typeface="Times New Roman"/>
               </a:rPr>
-              <a:t>animacija je dopunska djelatnost suvremenog hotelijerstva</a:t>
-            </a:r>
-          </a:p>
-          <a:p>
-            <a:r>
-              <a:rPr lang="hr-HR" b="1" dirty="0" smtClean="0">
+              <a:t>putu između kuhinje i </a:t>
+            </a:r>
+            <a:r>
+              <a:rPr lang="hr-HR" dirty="0" err="1">
+                <a:highlight>
+                  <a:srgbClr val="FFFF00"/>
+                </a:highlight>
+                <a:ea typeface="Calibri"/>
+                <a:cs typeface="Times New Roman"/>
+              </a:rPr>
+              <a:t>blagavaonice</a:t>
+            </a:r>
+            <a:endParaRPr lang="hr-HR" dirty="0">
+              <a:highlight>
+                <a:srgbClr val="FFFF00"/>
+              </a:highlight>
+              <a:ea typeface="Calibri"/>
+              <a:cs typeface="Times New Roman"/>
+            </a:endParaRPr>
+          </a:p>
+          <a:p>
+            <a:pPr lvl="1">
+              <a:spcBef>
+                <a:spcPts val="600"/>
+              </a:spcBef>
+            </a:pPr>
+            <a:r>
+              <a:rPr lang="hr-HR" dirty="0" smtClean="0"/>
+              <a:t>nudi aperitive i dižestive, vina, kavu i sl.</a:t>
+            </a:r>
+          </a:p>
+          <a:p>
+            <a:pPr>
+              <a:spcBef>
+                <a:spcPts val="600"/>
+              </a:spcBef>
+            </a:pPr>
+            <a:r>
+              <a:rPr lang="hr-HR" dirty="0" smtClean="0"/>
+              <a:t>zamjenjuje točionicu pića</a:t>
+            </a:r>
+          </a:p>
+          <a:p>
+            <a:pPr>
+              <a:spcBef>
+                <a:spcPts val="600"/>
+              </a:spcBef>
+            </a:pPr>
+            <a:r>
+              <a:rPr lang="hr-HR" dirty="0" smtClean="0"/>
+              <a:t>pogodan je kao mjesto za pričekati dok se ne oslobodi stol u blagovaonici</a:t>
+            </a:r>
+            <a:endParaRPr lang="hr-HR" dirty="0" smtClean="0"/>
+          </a:p>
+          <a:p>
+            <a:pPr>
+              <a:spcBef>
+                <a:spcPts val="600"/>
+              </a:spcBef>
+            </a:pPr>
+            <a:r>
+              <a:rPr lang="hr-HR" dirty="0" smtClean="0"/>
+              <a:t>radno </a:t>
+            </a:r>
+            <a:r>
+              <a:rPr lang="hr-HR" dirty="0" smtClean="0"/>
+              <a:t>vrijeme </a:t>
+            </a:r>
+            <a:r>
+              <a:rPr lang="hr-HR" dirty="0">
+                <a:highlight>
+                  <a:srgbClr val="FFFF00"/>
+                </a:highlight>
+                <a:ea typeface="Calibri"/>
+                <a:cs typeface="Times New Roman"/>
+              </a:rPr>
+              <a:t>od </a:t>
+            </a:r>
+            <a:r>
+              <a:rPr lang="hr-HR" dirty="0" smtClean="0">
+                <a:highlight>
+                  <a:srgbClr val="FFFF00"/>
+                </a:highlight>
+                <a:ea typeface="Calibri"/>
+                <a:cs typeface="Times New Roman"/>
+              </a:rPr>
+              <a:t>11 </a:t>
+            </a:r>
+            <a:r>
+              <a:rPr lang="hr-HR" dirty="0">
+                <a:highlight>
+                  <a:srgbClr val="FFFF00"/>
+                </a:highlight>
+                <a:ea typeface="Calibri"/>
+                <a:cs typeface="Times New Roman"/>
+              </a:rPr>
+              <a:t>do </a:t>
+            </a:r>
+            <a:r>
+              <a:rPr lang="hr-HR" dirty="0" smtClean="0">
+                <a:highlight>
+                  <a:srgbClr val="FFFF00"/>
+                </a:highlight>
+                <a:ea typeface="Calibri"/>
+                <a:cs typeface="Times New Roman"/>
+              </a:rPr>
+              <a:t>22 </a:t>
+            </a:r>
+            <a:r>
+              <a:rPr lang="hr-HR" dirty="0">
+                <a:highlight>
+                  <a:srgbClr val="FFFF00"/>
+                </a:highlight>
+                <a:ea typeface="Calibri"/>
+                <a:cs typeface="Times New Roman"/>
+              </a:rPr>
+              <a:t>sata</a:t>
+            </a:r>
+          </a:p>
+        </p:txBody>
+      </p:sp>
+      <p:pic>
+        <p:nvPicPr>
+          <p:cNvPr id="1026" name="Picture 2" descr="https://media-cdn.tripadvisor.com/media/photo-s/07/fd/59/45/hotel-du-viscos.jpg"/>
+          <p:cNvPicPr>
+            <a:picLocks noChangeAspect="1" noChangeArrowheads="1"/>
+          </p:cNvPicPr>
+          <p:nvPr/>
+        </p:nvPicPr>
+        <p:blipFill>
+          <a:blip r:embed="rId2">
+            <a:extLst>
+              <a:ext uri="{28A0092B-C50C-407E-A947-70E740481C1C}">
+                <a14:useLocalDpi xmlns:a14="http://schemas.microsoft.com/office/drawing/2010/main" val="0"/>
+              </a:ext>
+            </a:extLst>
+          </a:blip>
+          <a:srcRect/>
+          <a:stretch>
+            <a:fillRect/>
+          </a:stretch>
+        </p:blipFill>
+        <p:spPr bwMode="auto">
+          <a:xfrm>
+            <a:off x="1259632" y="2301094"/>
+            <a:ext cx="7759030" cy="4359164"/>
+          </a:xfrm>
+          <a:prstGeom prst="rect">
+            <a:avLst/>
+          </a:prstGeom>
+          <a:noFill/>
+          <a:ln w="57150">
+            <a:solidFill>
+              <a:schemeClr val="bg1"/>
+            </a:solidFill>
+          </a:ln>
+          <a:effectLst>
+            <a:outerShdw blurRad="50800" dist="38100" dir="2700000" algn="tl" rotWithShape="0">
+              <a:prstClr val="black">
+                <a:alpha val="40000"/>
+              </a:prstClr>
+            </a:outerShdw>
+          </a:effectLst>
+          <a:extLst>
+            <a:ext uri="{909E8E84-426E-40DD-AFC4-6F175D3DCCD1}">
+              <a14:hiddenFill xmlns:a14="http://schemas.microsoft.com/office/drawing/2010/main">
+                <a:solidFill>
+                  <a:srgbClr val="FFFFFF"/>
+                </a:solidFill>
+              </a14:hiddenFill>
+            </a:ext>
+          </a:extLst>
+        </p:spPr>
+      </p:pic>
+      <p:grpSp>
+        <p:nvGrpSpPr>
+          <p:cNvPr id="5" name="Group 4"/>
+          <p:cNvGrpSpPr/>
+          <p:nvPr/>
+        </p:nvGrpSpPr>
+        <p:grpSpPr>
+          <a:xfrm>
+            <a:off x="74411" y="1628800"/>
+            <a:ext cx="8953225" cy="5256584"/>
+            <a:chOff x="755576" y="620688"/>
+            <a:chExt cx="7620000" cy="4473826"/>
+          </a:xfrm>
+        </p:grpSpPr>
+        <p:pic>
+          <p:nvPicPr>
+            <p:cNvPr id="1028" name="Picture 4" descr="https://i.pinimg.com/originals/9e/e1/8b/9ee18bcd5b8e91f5a0f4eb4534753861.jpg"/>
+            <p:cNvPicPr>
+              <a:picLocks noChangeAspect="1" noChangeArrowheads="1"/>
+            </p:cNvPicPr>
+            <p:nvPr/>
+          </p:nvPicPr>
+          <p:blipFill rotWithShape="1">
+            <a:blip r:embed="rId3">
+              <a:extLst>
+                <a:ext uri="{28A0092B-C50C-407E-A947-70E740481C1C}">
+                  <a14:useLocalDpi xmlns:a14="http://schemas.microsoft.com/office/drawing/2010/main" val="0"/>
+                </a:ext>
+              </a:extLst>
+            </a:blip>
+            <a:srcRect b="21587"/>
+            <a:stretch/>
+          </p:blipFill>
+          <p:spPr bwMode="auto">
+            <a:xfrm>
+              <a:off x="755576" y="620688"/>
+              <a:ext cx="7620000" cy="4473826"/>
+            </a:xfrm>
+            <a:prstGeom prst="rect">
+              <a:avLst/>
+            </a:prstGeom>
+            <a:noFill/>
+            <a:extLst>
+              <a:ext uri="{909E8E84-426E-40DD-AFC4-6F175D3DCCD1}">
+                <a14:hiddenFill xmlns:a14="http://schemas.microsoft.com/office/drawing/2010/main">
+                  <a:solidFill>
+                    <a:srgbClr val="FFFFFF"/>
+                  </a:solidFill>
+                </a14:hiddenFill>
+              </a:ext>
+            </a:extLst>
+          </p:spPr>
+        </p:pic>
+        <p:sp>
+          <p:nvSpPr>
+            <p:cNvPr id="4" name="Rectangle 3"/>
+            <p:cNvSpPr/>
+            <p:nvPr/>
+          </p:nvSpPr>
+          <p:spPr>
+            <a:xfrm>
+              <a:off x="4355976" y="3865640"/>
+              <a:ext cx="783171" cy="288032"/>
+            </a:xfrm>
+            <a:prstGeom prst="rect">
+              <a:avLst/>
+            </a:prstGeom>
+            <a:solidFill>
+              <a:schemeClr val="bg1"/>
+            </a:solidFill>
+            <a:ln w="9525">
+              <a:noFill/>
+            </a:ln>
+          </p:spPr>
+          <p:style>
+            <a:lnRef idx="2">
+              <a:schemeClr val="accent1">
+                <a:shade val="50000"/>
+              </a:schemeClr>
+            </a:lnRef>
+            <a:fillRef idx="1">
+              <a:schemeClr val="accent1"/>
+            </a:fillRef>
+            <a:effectRef idx="0">
+              <a:schemeClr val="accent1"/>
+            </a:effectRef>
+            <a:fontRef idx="minor">
+              <a:schemeClr val="lt1"/>
+            </a:fontRef>
+          </p:style>
+          <p:txBody>
+            <a:bodyPr rtlCol="0" anchor="ctr"/>
+            <a:lstStyle/>
+            <a:p>
+              <a:pPr algn="ctr"/>
+              <a:endParaRPr lang="hr-HR" dirty="0" smtClean="0">
+                <a:solidFill>
+                  <a:schemeClr val="tx1"/>
+                </a:solidFill>
+              </a:endParaRPr>
+            </a:p>
+          </p:txBody>
+        </p:sp>
+      </p:grpSp>
+      <p:sp>
+        <p:nvSpPr>
+          <p:cNvPr id="10" name="Rectangle 9"/>
+          <p:cNvSpPr/>
+          <p:nvPr/>
+        </p:nvSpPr>
+        <p:spPr>
+          <a:xfrm>
+            <a:off x="96363" y="2015867"/>
+            <a:ext cx="5830910" cy="4482501"/>
+          </a:xfrm>
+          <a:prstGeom prst="rect">
+            <a:avLst/>
+          </a:prstGeom>
+          <a:noFill/>
+          <a:ln w="76200">
+            <a:solidFill>
+              <a:srgbClr val="0070C0"/>
+            </a:solidFill>
+          </a:ln>
+        </p:spPr>
+        <p:style>
+          <a:lnRef idx="2">
+            <a:schemeClr val="accent1">
+              <a:shade val="50000"/>
+            </a:schemeClr>
+          </a:lnRef>
+          <a:fillRef idx="1">
+            <a:schemeClr val="accent1"/>
+          </a:fillRef>
+          <a:effectRef idx="0">
+            <a:schemeClr val="accent1"/>
+          </a:effectRef>
+          <a:fontRef idx="minor">
+            <a:schemeClr val="lt1"/>
+          </a:fontRef>
+        </p:style>
+        <p:txBody>
+          <a:bodyPr rtlCol="0" anchor="ctr"/>
+          <a:lstStyle/>
+          <a:p>
+            <a:pPr algn="ctr"/>
+            <a:endParaRPr lang="hr-HR" dirty="0" smtClean="0">
+              <a:solidFill>
+                <a:schemeClr val="tx1"/>
+              </a:solidFill>
+            </a:endParaRPr>
+          </a:p>
+        </p:txBody>
+      </p:sp>
+      <p:sp>
+        <p:nvSpPr>
+          <p:cNvPr id="11" name="Rectangle 10"/>
+          <p:cNvSpPr/>
+          <p:nvPr/>
+        </p:nvSpPr>
+        <p:spPr>
+          <a:xfrm>
+            <a:off x="1643228" y="3748168"/>
+            <a:ext cx="3162807" cy="604806"/>
+          </a:xfrm>
+          <a:prstGeom prst="rect">
+            <a:avLst/>
+          </a:prstGeom>
+          <a:solidFill>
+            <a:schemeClr val="bg1"/>
+          </a:solidFill>
+          <a:ln w="9525">
+            <a:solidFill>
+              <a:schemeClr val="bg1">
+                <a:lumMod val="85000"/>
+              </a:schemeClr>
+            </a:solidFill>
+          </a:ln>
+          <a:effectLst>
+            <a:outerShdw blurRad="50800" dist="38100" dir="2700000" algn="tl" rotWithShape="0">
+              <a:prstClr val="black">
+                <a:alpha val="40000"/>
+              </a:prstClr>
+            </a:outerShdw>
+          </a:effectLst>
+        </p:spPr>
+        <p:style>
+          <a:lnRef idx="2">
+            <a:schemeClr val="accent1">
+              <a:shade val="50000"/>
+            </a:schemeClr>
+          </a:lnRef>
+          <a:fillRef idx="1">
+            <a:schemeClr val="accent1"/>
+          </a:fillRef>
+          <a:effectRef idx="0">
+            <a:schemeClr val="accent1"/>
+          </a:effectRef>
+          <a:fontRef idx="minor">
+            <a:schemeClr val="lt1"/>
+          </a:fontRef>
+        </p:style>
+        <p:txBody>
+          <a:bodyPr rtlCol="0" anchor="ctr"/>
+          <a:lstStyle/>
+          <a:p>
+            <a:pPr algn="ctr"/>
+            <a:r>
+              <a:rPr lang="hr-HR" sz="3200" b="1" dirty="0" smtClean="0">
+                <a:solidFill>
+                  <a:srgbClr val="0070C0"/>
+                </a:solidFill>
+                <a:latin typeface="+mj-lt"/>
+              </a:rPr>
+              <a:t>BLAGOVAONICA</a:t>
+            </a:r>
+            <a:endParaRPr lang="hr-HR" sz="3200" b="1" dirty="0" smtClean="0">
+              <a:solidFill>
+                <a:srgbClr val="0070C0"/>
+              </a:solidFill>
+              <a:latin typeface="+mj-lt"/>
+            </a:endParaRPr>
+          </a:p>
+        </p:txBody>
+      </p:sp>
+      <p:sp>
+        <p:nvSpPr>
+          <p:cNvPr id="16" name="Rectangle 15"/>
+          <p:cNvSpPr/>
+          <p:nvPr/>
+        </p:nvSpPr>
+        <p:spPr>
+          <a:xfrm>
+            <a:off x="7441760" y="3501008"/>
+            <a:ext cx="1623021" cy="413091"/>
+          </a:xfrm>
+          <a:prstGeom prst="rect">
+            <a:avLst/>
+          </a:prstGeom>
+          <a:solidFill>
+            <a:schemeClr val="bg1"/>
+          </a:solidFill>
+          <a:ln w="9525">
+            <a:solidFill>
+              <a:schemeClr val="bg1">
+                <a:lumMod val="85000"/>
+              </a:schemeClr>
+            </a:solidFill>
+          </a:ln>
+          <a:effectLst>
+            <a:outerShdw blurRad="50800" dist="38100" dir="2700000" algn="tl" rotWithShape="0">
+              <a:prstClr val="black">
+                <a:alpha val="40000"/>
+              </a:prstClr>
+            </a:outerShdw>
+          </a:effectLst>
+        </p:spPr>
+        <p:style>
+          <a:lnRef idx="2">
+            <a:schemeClr val="accent1">
+              <a:shade val="50000"/>
+            </a:schemeClr>
+          </a:lnRef>
+          <a:fillRef idx="1">
+            <a:schemeClr val="accent1"/>
+          </a:fillRef>
+          <a:effectRef idx="0">
+            <a:schemeClr val="accent1"/>
+          </a:effectRef>
+          <a:fontRef idx="minor">
+            <a:schemeClr val="lt1"/>
+          </a:fontRef>
+        </p:style>
+        <p:txBody>
+          <a:bodyPr rtlCol="0" anchor="ctr"/>
+          <a:lstStyle/>
+          <a:p>
+            <a:pPr algn="ctr"/>
+            <a:r>
+              <a:rPr lang="hr-HR" sz="2800" b="1" dirty="0" smtClean="0">
+                <a:solidFill>
+                  <a:srgbClr val="37870B"/>
+                </a:solidFill>
+                <a:latin typeface="+mj-lt"/>
+              </a:rPr>
+              <a:t>KUHINJA</a:t>
+            </a:r>
+            <a:endParaRPr lang="hr-HR" sz="2800" b="1" dirty="0" smtClean="0">
+              <a:solidFill>
+                <a:srgbClr val="37870B"/>
+              </a:solidFill>
+              <a:latin typeface="+mj-lt"/>
+            </a:endParaRPr>
+          </a:p>
+        </p:txBody>
+      </p:sp>
+      <p:sp>
+        <p:nvSpPr>
+          <p:cNvPr id="12" name="Rectangle 11"/>
+          <p:cNvSpPr/>
+          <p:nvPr/>
+        </p:nvSpPr>
+        <p:spPr>
+          <a:xfrm>
+            <a:off x="7400804" y="2015867"/>
+            <a:ext cx="1691680" cy="4482501"/>
+          </a:xfrm>
+          <a:prstGeom prst="rect">
+            <a:avLst/>
+          </a:prstGeom>
+          <a:noFill/>
+          <a:ln w="76200">
+            <a:solidFill>
+              <a:srgbClr val="37870B"/>
+            </a:solidFill>
+          </a:ln>
+        </p:spPr>
+        <p:style>
+          <a:lnRef idx="2">
+            <a:schemeClr val="accent1">
+              <a:shade val="50000"/>
+            </a:schemeClr>
+          </a:lnRef>
+          <a:fillRef idx="1">
+            <a:schemeClr val="accent1"/>
+          </a:fillRef>
+          <a:effectRef idx="0">
+            <a:schemeClr val="accent1"/>
+          </a:effectRef>
+          <a:fontRef idx="minor">
+            <a:schemeClr val="lt1"/>
+          </a:fontRef>
+        </p:style>
+        <p:txBody>
+          <a:bodyPr rtlCol="0" anchor="ctr"/>
+          <a:lstStyle/>
+          <a:p>
+            <a:pPr algn="ctr"/>
+            <a:endParaRPr lang="hr-HR" dirty="0" smtClean="0">
+              <a:solidFill>
+                <a:schemeClr val="tx1"/>
+              </a:solidFill>
+            </a:endParaRPr>
+          </a:p>
+        </p:txBody>
+      </p:sp>
+      <p:sp>
+        <p:nvSpPr>
+          <p:cNvPr id="9" name="Freeform 8"/>
+          <p:cNvSpPr/>
+          <p:nvPr/>
+        </p:nvSpPr>
+        <p:spPr>
+          <a:xfrm>
+            <a:off x="5963631" y="3180057"/>
+            <a:ext cx="1148915" cy="3402759"/>
+          </a:xfrm>
+          <a:custGeom>
+            <a:avLst/>
+            <a:gdLst>
+              <a:gd name="connsiteX0" fmla="*/ 849293 w 1148915"/>
+              <a:gd name="connsiteY0" fmla="*/ 1314670 h 3402759"/>
+              <a:gd name="connsiteX1" fmla="*/ 823535 w 1148915"/>
+              <a:gd name="connsiteY1" fmla="*/ 954061 h 3402759"/>
+              <a:gd name="connsiteX2" fmla="*/ 990961 w 1148915"/>
+              <a:gd name="connsiteY2" fmla="*/ 529058 h 3402759"/>
+              <a:gd name="connsiteX3" fmla="*/ 939445 w 1148915"/>
+              <a:gd name="connsiteY3" fmla="*/ 219966 h 3402759"/>
+              <a:gd name="connsiteX4" fmla="*/ 540200 w 1148915"/>
+              <a:gd name="connsiteY4" fmla="*/ 13904 h 3402759"/>
+              <a:gd name="connsiteX5" fmla="*/ 218228 w 1148915"/>
+              <a:gd name="connsiteY5" fmla="*/ 91177 h 3402759"/>
+              <a:gd name="connsiteX6" fmla="*/ 12166 w 1148915"/>
+              <a:gd name="connsiteY6" fmla="*/ 670726 h 3402759"/>
+              <a:gd name="connsiteX7" fmla="*/ 37924 w 1148915"/>
+              <a:gd name="connsiteY7" fmla="*/ 1250275 h 3402759"/>
+              <a:gd name="connsiteX8" fmla="*/ 153834 w 1148915"/>
+              <a:gd name="connsiteY8" fmla="*/ 1829825 h 3402759"/>
+              <a:gd name="connsiteX9" fmla="*/ 347017 w 1148915"/>
+              <a:gd name="connsiteY9" fmla="*/ 2370737 h 3402759"/>
+              <a:gd name="connsiteX10" fmla="*/ 308380 w 1148915"/>
+              <a:gd name="connsiteY10" fmla="*/ 2795740 h 3402759"/>
+              <a:gd name="connsiteX11" fmla="*/ 295501 w 1148915"/>
+              <a:gd name="connsiteY11" fmla="*/ 3169228 h 3402759"/>
+              <a:gd name="connsiteX12" fmla="*/ 501563 w 1148915"/>
+              <a:gd name="connsiteY12" fmla="*/ 3349532 h 3402759"/>
+              <a:gd name="connsiteX13" fmla="*/ 875051 w 1148915"/>
+              <a:gd name="connsiteY13" fmla="*/ 3349532 h 3402759"/>
+              <a:gd name="connsiteX14" fmla="*/ 1132628 w 1148915"/>
+              <a:gd name="connsiteY14" fmla="*/ 2731346 h 3402759"/>
+              <a:gd name="connsiteX15" fmla="*/ 1093992 w 1148915"/>
+              <a:gd name="connsiteY15" fmla="*/ 1971492 h 3402759"/>
+              <a:gd name="connsiteX16" fmla="*/ 849293 w 1148915"/>
+              <a:gd name="connsiteY16" fmla="*/ 1314670 h 3402759"/>
+            </a:gdLst>
+            <a:ahLst/>
+            <a:cxnLst>
+              <a:cxn ang="0">
+                <a:pos x="connsiteX0" y="connsiteY0"/>
+              </a:cxn>
+              <a:cxn ang="0">
+                <a:pos x="connsiteX1" y="connsiteY1"/>
+              </a:cxn>
+              <a:cxn ang="0">
+                <a:pos x="connsiteX2" y="connsiteY2"/>
+              </a:cxn>
+              <a:cxn ang="0">
+                <a:pos x="connsiteX3" y="connsiteY3"/>
+              </a:cxn>
+              <a:cxn ang="0">
+                <a:pos x="connsiteX4" y="connsiteY4"/>
+              </a:cxn>
+              <a:cxn ang="0">
+                <a:pos x="connsiteX5" y="connsiteY5"/>
+              </a:cxn>
+              <a:cxn ang="0">
+                <a:pos x="connsiteX6" y="connsiteY6"/>
+              </a:cxn>
+              <a:cxn ang="0">
+                <a:pos x="connsiteX7" y="connsiteY7"/>
+              </a:cxn>
+              <a:cxn ang="0">
+                <a:pos x="connsiteX8" y="connsiteY8"/>
+              </a:cxn>
+              <a:cxn ang="0">
+                <a:pos x="connsiteX9" y="connsiteY9"/>
+              </a:cxn>
+              <a:cxn ang="0">
+                <a:pos x="connsiteX10" y="connsiteY10"/>
+              </a:cxn>
+              <a:cxn ang="0">
+                <a:pos x="connsiteX11" y="connsiteY11"/>
+              </a:cxn>
+              <a:cxn ang="0">
+                <a:pos x="connsiteX12" y="connsiteY12"/>
+              </a:cxn>
+              <a:cxn ang="0">
+                <a:pos x="connsiteX13" y="connsiteY13"/>
+              </a:cxn>
+              <a:cxn ang="0">
+                <a:pos x="connsiteX14" y="connsiteY14"/>
+              </a:cxn>
+              <a:cxn ang="0">
+                <a:pos x="connsiteX15" y="connsiteY15"/>
+              </a:cxn>
+              <a:cxn ang="0">
+                <a:pos x="connsiteX16" y="connsiteY16"/>
+              </a:cxn>
+            </a:cxnLst>
+            <a:rect l="l" t="t" r="r" b="b"/>
+            <a:pathLst>
+              <a:path w="1148915" h="3402759">
+                <a:moveTo>
+                  <a:pt x="849293" y="1314670"/>
+                </a:moveTo>
+                <a:cubicBezTo>
+                  <a:pt x="804217" y="1145098"/>
+                  <a:pt x="799924" y="1084996"/>
+                  <a:pt x="823535" y="954061"/>
+                </a:cubicBezTo>
+                <a:cubicBezTo>
+                  <a:pt x="847146" y="823126"/>
+                  <a:pt x="971643" y="651407"/>
+                  <a:pt x="990961" y="529058"/>
+                </a:cubicBezTo>
+                <a:cubicBezTo>
+                  <a:pt x="1010279" y="406709"/>
+                  <a:pt x="1014572" y="305825"/>
+                  <a:pt x="939445" y="219966"/>
+                </a:cubicBezTo>
+                <a:cubicBezTo>
+                  <a:pt x="864318" y="134107"/>
+                  <a:pt x="660403" y="35369"/>
+                  <a:pt x="540200" y="13904"/>
+                </a:cubicBezTo>
+                <a:cubicBezTo>
+                  <a:pt x="419997" y="-7561"/>
+                  <a:pt x="306234" y="-18293"/>
+                  <a:pt x="218228" y="91177"/>
+                </a:cubicBezTo>
+                <a:cubicBezTo>
+                  <a:pt x="130222" y="200647"/>
+                  <a:pt x="42217" y="477543"/>
+                  <a:pt x="12166" y="670726"/>
+                </a:cubicBezTo>
+                <a:cubicBezTo>
+                  <a:pt x="-17885" y="863909"/>
+                  <a:pt x="14313" y="1057092"/>
+                  <a:pt x="37924" y="1250275"/>
+                </a:cubicBezTo>
+                <a:cubicBezTo>
+                  <a:pt x="61535" y="1443458"/>
+                  <a:pt x="102318" y="1643081"/>
+                  <a:pt x="153834" y="1829825"/>
+                </a:cubicBezTo>
+                <a:cubicBezTo>
+                  <a:pt x="205350" y="2016569"/>
+                  <a:pt x="321259" y="2209751"/>
+                  <a:pt x="347017" y="2370737"/>
+                </a:cubicBezTo>
+                <a:cubicBezTo>
+                  <a:pt x="372775" y="2531723"/>
+                  <a:pt x="316966" y="2662658"/>
+                  <a:pt x="308380" y="2795740"/>
+                </a:cubicBezTo>
+                <a:cubicBezTo>
+                  <a:pt x="299794" y="2928822"/>
+                  <a:pt x="263304" y="3076929"/>
+                  <a:pt x="295501" y="3169228"/>
+                </a:cubicBezTo>
+                <a:cubicBezTo>
+                  <a:pt x="327698" y="3261527"/>
+                  <a:pt x="404971" y="3319481"/>
+                  <a:pt x="501563" y="3349532"/>
+                </a:cubicBezTo>
+                <a:cubicBezTo>
+                  <a:pt x="598155" y="3379583"/>
+                  <a:pt x="769874" y="3452563"/>
+                  <a:pt x="875051" y="3349532"/>
+                </a:cubicBezTo>
+                <a:cubicBezTo>
+                  <a:pt x="980228" y="3246501"/>
+                  <a:pt x="1096138" y="2961019"/>
+                  <a:pt x="1132628" y="2731346"/>
+                </a:cubicBezTo>
+                <a:cubicBezTo>
+                  <a:pt x="1169118" y="2501673"/>
+                  <a:pt x="1139068" y="2209751"/>
+                  <a:pt x="1093992" y="1971492"/>
+                </a:cubicBezTo>
+                <a:cubicBezTo>
+                  <a:pt x="1048916" y="1733233"/>
+                  <a:pt x="894369" y="1484242"/>
+                  <a:pt x="849293" y="1314670"/>
+                </a:cubicBezTo>
+                <a:close/>
+              </a:path>
+            </a:pathLst>
+          </a:custGeom>
+          <a:noFill/>
+          <a:ln w="76200">
+            <a:solidFill>
+              <a:srgbClr val="FF0000"/>
+            </a:solidFill>
+          </a:ln>
+        </p:spPr>
+        <p:style>
+          <a:lnRef idx="2">
+            <a:schemeClr val="accent1">
+              <a:shade val="50000"/>
+            </a:schemeClr>
+          </a:lnRef>
+          <a:fillRef idx="1">
+            <a:schemeClr val="accent1"/>
+          </a:fillRef>
+          <a:effectRef idx="0">
+            <a:schemeClr val="accent1"/>
+          </a:effectRef>
+          <a:fontRef idx="minor">
+            <a:schemeClr val="lt1"/>
+          </a:fontRef>
+        </p:style>
+        <p:txBody>
+          <a:bodyPr rtlCol="0" anchor="ctr"/>
+          <a:lstStyle/>
+          <a:p>
+            <a:pPr algn="ctr"/>
+            <a:endParaRPr lang="hr-HR" dirty="0" smtClean="0">
+              <a:solidFill>
+                <a:schemeClr val="tx1"/>
+              </a:solidFill>
+            </a:endParaRPr>
+          </a:p>
+        </p:txBody>
+      </p:sp>
+      <p:sp>
+        <p:nvSpPr>
+          <p:cNvPr id="18" name="Rectangle 17"/>
+          <p:cNvSpPr/>
+          <p:nvPr/>
+        </p:nvSpPr>
+        <p:spPr>
+          <a:xfrm rot="21480000">
+            <a:off x="6738602" y="4288955"/>
+            <a:ext cx="625746" cy="375537"/>
+          </a:xfrm>
+          <a:prstGeom prst="rect">
+            <a:avLst/>
+          </a:prstGeom>
+          <a:solidFill>
+            <a:schemeClr val="bg1"/>
+          </a:solidFill>
+          <a:ln w="9525">
+            <a:solidFill>
+              <a:schemeClr val="bg1">
+                <a:lumMod val="85000"/>
+              </a:schemeClr>
+            </a:solidFill>
+          </a:ln>
+          <a:effectLst>
+            <a:outerShdw blurRad="50800" dist="38100" dir="2700000" algn="tl" rotWithShape="0">
+              <a:prstClr val="black">
+                <a:alpha val="40000"/>
+              </a:prstClr>
+            </a:outerShdw>
+          </a:effectLst>
+        </p:spPr>
+        <p:style>
+          <a:lnRef idx="2">
+            <a:schemeClr val="accent1">
+              <a:shade val="50000"/>
+            </a:schemeClr>
+          </a:lnRef>
+          <a:fillRef idx="1">
+            <a:schemeClr val="accent1"/>
+          </a:fillRef>
+          <a:effectRef idx="0">
+            <a:schemeClr val="accent1"/>
+          </a:effectRef>
+          <a:fontRef idx="minor">
+            <a:schemeClr val="lt1"/>
+          </a:fontRef>
+        </p:style>
+        <p:txBody>
+          <a:bodyPr rtlCol="0" anchor="ctr"/>
+          <a:lstStyle/>
+          <a:p>
+            <a:pPr algn="ctr"/>
+            <a:r>
+              <a:rPr lang="hr-HR" sz="2000" b="1" dirty="0" smtClean="0">
                 <a:solidFill>
                   <a:srgbClr val="FF0000"/>
                 </a:solidFill>
+                <a:latin typeface="+mj-lt"/>
               </a:rPr>
-              <a:t>ANIMATOR</a:t>
-            </a:r>
-            <a:r>
-              <a:rPr lang="hr-HR" dirty="0" smtClean="0"/>
-              <a:t> – osoba koja organizira i s gostima izvodi animacijske aktivnosti</a:t>
-            </a:r>
-          </a:p>
-          <a:p>
-            <a:pPr>
-              <a:spcBef>
-                <a:spcPts val="1800"/>
-              </a:spcBef>
-            </a:pPr>
-            <a:r>
-              <a:rPr lang="hr-HR" b="1" dirty="0" smtClean="0">
-                <a:solidFill>
-                  <a:srgbClr val="FF0000"/>
-                </a:solidFill>
-              </a:rPr>
-              <a:t>VRSTE ANIMACIJE:</a:t>
-            </a:r>
-          </a:p>
-          <a:p>
-            <a:pPr lvl="1"/>
-            <a:r>
-              <a:rPr lang="hr-HR" dirty="0" smtClean="0"/>
-              <a:t>kulturne aktivnosti</a:t>
-            </a:r>
-          </a:p>
-          <a:p>
-            <a:pPr lvl="1"/>
-            <a:r>
-              <a:rPr lang="hr-HR" dirty="0" smtClean="0"/>
-              <a:t>zabavne aktivnosti</a:t>
-            </a:r>
-          </a:p>
-          <a:p>
-            <a:pPr lvl="1"/>
-            <a:r>
-              <a:rPr lang="hr-HR" dirty="0" smtClean="0"/>
-              <a:t>sportske aktivnosti</a:t>
-            </a:r>
-          </a:p>
-          <a:p>
-            <a:pPr lvl="1"/>
-            <a:r>
-              <a:rPr lang="hr-HR" dirty="0" smtClean="0"/>
-              <a:t>izleti</a:t>
-            </a:r>
+              <a:t>BAR</a:t>
+            </a:r>
+            <a:endParaRPr lang="hr-HR" sz="2000" b="1" dirty="0" smtClean="0">
+              <a:solidFill>
+                <a:srgbClr val="FF0000"/>
+              </a:solidFill>
+              <a:latin typeface="+mj-lt"/>
+            </a:endParaRPr>
           </a:p>
         </p:txBody>
       </p:sp>
     </p:spTree>
     <p:extLst>
       <p:ext uri="{BB962C8B-B14F-4D97-AF65-F5344CB8AC3E}">
-        <p14:creationId xmlns:p14="http://schemas.microsoft.com/office/powerpoint/2010/main" val="1903337381"/>
+        <p14:creationId xmlns:p14="http://schemas.microsoft.com/office/powerpoint/2010/main" val="3413206876"/>
       </p:ext>
     </p:extLst>
   </p:cSld>
@@ -6670,15 +7434,24 @@
                                   </p:childTnLst>
                                 </p:cTn>
                               </p:par>
+                            </p:childTnLst>
+                          </p:cTn>
+                        </p:par>
+                        <p:par>
+                          <p:cTn id="12" fill="hold">
+                            <p:stCondLst>
+                              <p:cond delay="500"/>
+                            </p:stCondLst>
+                            <p:childTnLst>
                               <p:par>
-                                <p:cTn id="12" presetID="10" presetClass="entr" presetSubtype="0" fill="hold" grpId="0" nodeType="withEffect">
+                                <p:cTn id="13" presetID="10" presetClass="entr" presetSubtype="0" fill="hold" grpId="0" nodeType="afterEffect">
                                   <p:stCondLst>
                                     <p:cond delay="0"/>
                                   </p:stCondLst>
                                   <p:childTnLst>
                                     <p:set>
                                       <p:cBhvr>
-                                        <p:cTn id="13" dur="1" fill="hold">
+                                        <p:cTn id="14" dur="1" fill="hold">
                                           <p:stCondLst>
                                             <p:cond delay="0"/>
                                           </p:stCondLst>
@@ -6700,7 +7473,7 @@
                                     </p:set>
                                     <p:animEffect transition="in" filter="fade">
                                       <p:cBhvr>
-                                        <p:cTn id="14" dur="250"/>
+                                        <p:cTn id="15" dur="250"/>
                                         <p:tgtEl>
                                           <p:spTgt spid="3">
                                             <p:txEl>
@@ -6713,14 +7486,982 @@
                                   </p:childTnLst>
                                 </p:cTn>
                               </p:par>
+                            </p:childTnLst>
+                          </p:cTn>
+                        </p:par>
+                        <p:par>
+                          <p:cTn id="16" fill="hold">
+                            <p:stCondLst>
+                              <p:cond delay="750"/>
+                            </p:stCondLst>
+                            <p:childTnLst>
                               <p:par>
-                                <p:cTn id="15" presetID="10" presetClass="entr" presetSubtype="0" fill="hold" grpId="0" nodeType="withEffect">
+                                <p:cTn id="17" presetID="10" presetClass="entr" presetSubtype="0" fill="hold" grpId="0" nodeType="afterEffect">
                                   <p:stCondLst>
                                     <p:cond delay="0"/>
                                   </p:stCondLst>
                                   <p:childTnLst>
                                     <p:set>
                                       <p:cBhvr>
+                                        <p:cTn id="18" dur="1" fill="hold">
+                                          <p:stCondLst>
+                                            <p:cond delay="0"/>
+                                          </p:stCondLst>
+                                        </p:cTn>
+                                        <p:tgtEl>
+                                          <p:spTgt spid="3">
+                                            <p:txEl>
+                                              <p:pRg st="3" end="3"/>
+                                            </p:txEl>
+                                          </p:spTgt>
+                                        </p:tgtEl>
+                                        <p:attrNameLst>
+                                          <p:attrName>style.visibility</p:attrName>
+                                        </p:attrNameLst>
+                                      </p:cBhvr>
+                                      <p:to>
+                                        <p:strVal val="visible"/>
+                                      </p:to>
+                                    </p:set>
+                                    <p:animEffect transition="in" filter="fade">
+                                      <p:cBhvr>
+                                        <p:cTn id="19" dur="250"/>
+                                        <p:tgtEl>
+                                          <p:spTgt spid="3">
+                                            <p:txEl>
+                                              <p:pRg st="3" end="3"/>
+                                            </p:txEl>
+                                          </p:spTgt>
+                                        </p:tgtEl>
+                                      </p:cBhvr>
+                                    </p:animEffect>
+                                  </p:childTnLst>
+                                </p:cTn>
+                              </p:par>
+                            </p:childTnLst>
+                          </p:cTn>
+                        </p:par>
+                        <p:par>
+                          <p:cTn id="20" fill="hold">
+                            <p:stCondLst>
+                              <p:cond delay="1000"/>
+                            </p:stCondLst>
+                            <p:childTnLst>
+                              <p:par>
+                                <p:cTn id="21" presetID="10" presetClass="entr" presetSubtype="0" fill="hold" grpId="0" nodeType="afterEffect">
+                                  <p:stCondLst>
+                                    <p:cond delay="0"/>
+                                  </p:stCondLst>
+                                  <p:childTnLst>
+                                    <p:set>
+                                      <p:cBhvr>
+                                        <p:cTn id="22" dur="1" fill="hold">
+                                          <p:stCondLst>
+                                            <p:cond delay="0"/>
+                                          </p:stCondLst>
+                                        </p:cTn>
+                                        <p:tgtEl>
+                                          <p:spTgt spid="3">
+                                            <p:txEl>
+                                              <p:pRg st="4" end="4"/>
+                                            </p:txEl>
+                                          </p:spTgt>
+                                        </p:tgtEl>
+                                        <p:attrNameLst>
+                                          <p:attrName>style.visibility</p:attrName>
+                                        </p:attrNameLst>
+                                      </p:cBhvr>
+                                      <p:to>
+                                        <p:strVal val="visible"/>
+                                      </p:to>
+                                    </p:set>
+                                    <p:animEffect transition="in" filter="fade">
+                                      <p:cBhvr>
+                                        <p:cTn id="23" dur="250"/>
+                                        <p:tgtEl>
+                                          <p:spTgt spid="3">
+                                            <p:txEl>
+                                              <p:pRg st="4" end="4"/>
+                                            </p:txEl>
+                                          </p:spTgt>
+                                        </p:tgtEl>
+                                      </p:cBhvr>
+                                    </p:animEffect>
+                                  </p:childTnLst>
+                                </p:cTn>
+                              </p:par>
+                            </p:childTnLst>
+                          </p:cTn>
+                        </p:par>
+                      </p:childTnLst>
+                    </p:cTn>
+                  </p:par>
+                  <p:par>
+                    <p:cTn id="24" fill="hold">
+                      <p:stCondLst>
+                        <p:cond delay="indefinite"/>
+                      </p:stCondLst>
+                      <p:childTnLst>
+                        <p:par>
+                          <p:cTn id="25" fill="hold">
+                            <p:stCondLst>
+                              <p:cond delay="0"/>
+                            </p:stCondLst>
+                            <p:childTnLst>
+                              <p:par>
+                                <p:cTn id="26" presetID="10" presetClass="entr" presetSubtype="0" fill="hold" nodeType="clickEffect">
+                                  <p:stCondLst>
+                                    <p:cond delay="0"/>
+                                  </p:stCondLst>
+                                  <p:childTnLst>
+                                    <p:set>
+                                      <p:cBhvr>
+                                        <p:cTn id="27" dur="1" fill="hold">
+                                          <p:stCondLst>
+                                            <p:cond delay="0"/>
+                                          </p:stCondLst>
+                                        </p:cTn>
+                                        <p:tgtEl>
+                                          <p:spTgt spid="1026"/>
+                                        </p:tgtEl>
+                                        <p:attrNameLst>
+                                          <p:attrName>style.visibility</p:attrName>
+                                        </p:attrNameLst>
+                                      </p:cBhvr>
+                                      <p:to>
+                                        <p:strVal val="visible"/>
+                                      </p:to>
+                                    </p:set>
+                                    <p:animEffect transition="in" filter="fade">
+                                      <p:cBhvr>
+                                        <p:cTn id="28" dur="250"/>
+                                        <p:tgtEl>
+                                          <p:spTgt spid="1026"/>
+                                        </p:tgtEl>
+                                      </p:cBhvr>
+                                    </p:animEffect>
+                                  </p:childTnLst>
+                                </p:cTn>
+                              </p:par>
+                            </p:childTnLst>
+                          </p:cTn>
+                        </p:par>
+                      </p:childTnLst>
+                    </p:cTn>
+                  </p:par>
+                  <p:par>
+                    <p:cTn id="29" fill="hold">
+                      <p:stCondLst>
+                        <p:cond delay="indefinite"/>
+                      </p:stCondLst>
+                      <p:childTnLst>
+                        <p:par>
+                          <p:cTn id="30" fill="hold">
+                            <p:stCondLst>
+                              <p:cond delay="0"/>
+                            </p:stCondLst>
+                            <p:childTnLst>
+                              <p:par>
+                                <p:cTn id="31" presetID="10" presetClass="entr" presetSubtype="0" fill="hold" nodeType="clickEffect">
+                                  <p:stCondLst>
+                                    <p:cond delay="0"/>
+                                  </p:stCondLst>
+                                  <p:childTnLst>
+                                    <p:set>
+                                      <p:cBhvr>
+                                        <p:cTn id="32" dur="1" fill="hold">
+                                          <p:stCondLst>
+                                            <p:cond delay="0"/>
+                                          </p:stCondLst>
+                                        </p:cTn>
+                                        <p:tgtEl>
+                                          <p:spTgt spid="5"/>
+                                        </p:tgtEl>
+                                        <p:attrNameLst>
+                                          <p:attrName>style.visibility</p:attrName>
+                                        </p:attrNameLst>
+                                      </p:cBhvr>
+                                      <p:to>
+                                        <p:strVal val="visible"/>
+                                      </p:to>
+                                    </p:set>
+                                    <p:animEffect transition="in" filter="fade">
+                                      <p:cBhvr>
+                                        <p:cTn id="33" dur="250"/>
+                                        <p:tgtEl>
+                                          <p:spTgt spid="5"/>
+                                        </p:tgtEl>
+                                      </p:cBhvr>
+                                    </p:animEffect>
+                                  </p:childTnLst>
+                                </p:cTn>
+                              </p:par>
+                            </p:childTnLst>
+                          </p:cTn>
+                        </p:par>
+                      </p:childTnLst>
+                    </p:cTn>
+                  </p:par>
+                  <p:par>
+                    <p:cTn id="34" fill="hold">
+                      <p:stCondLst>
+                        <p:cond delay="indefinite"/>
+                      </p:stCondLst>
+                      <p:childTnLst>
+                        <p:par>
+                          <p:cTn id="35" fill="hold">
+                            <p:stCondLst>
+                              <p:cond delay="0"/>
+                            </p:stCondLst>
+                            <p:childTnLst>
+                              <p:par>
+                                <p:cTn id="36" presetID="22" presetClass="entr" presetSubtype="8" fill="hold" grpId="0" nodeType="clickEffect">
+                                  <p:stCondLst>
+                                    <p:cond delay="0"/>
+                                  </p:stCondLst>
+                                  <p:childTnLst>
+                                    <p:set>
+                                      <p:cBhvr>
+                                        <p:cTn id="37" dur="1" fill="hold">
+                                          <p:stCondLst>
+                                            <p:cond delay="0"/>
+                                          </p:stCondLst>
+                                        </p:cTn>
+                                        <p:tgtEl>
+                                          <p:spTgt spid="10"/>
+                                        </p:tgtEl>
+                                        <p:attrNameLst>
+                                          <p:attrName>style.visibility</p:attrName>
+                                        </p:attrNameLst>
+                                      </p:cBhvr>
+                                      <p:to>
+                                        <p:strVal val="visible"/>
+                                      </p:to>
+                                    </p:set>
+                                    <p:animEffect transition="in" filter="wipe(left)">
+                                      <p:cBhvr>
+                                        <p:cTn id="38" dur="250"/>
+                                        <p:tgtEl>
+                                          <p:spTgt spid="10"/>
+                                        </p:tgtEl>
+                                      </p:cBhvr>
+                                    </p:animEffect>
+                                  </p:childTnLst>
+                                </p:cTn>
+                              </p:par>
+                            </p:childTnLst>
+                          </p:cTn>
+                        </p:par>
+                        <p:par>
+                          <p:cTn id="39" fill="hold">
+                            <p:stCondLst>
+                              <p:cond delay="250"/>
+                            </p:stCondLst>
+                            <p:childTnLst>
+                              <p:par>
+                                <p:cTn id="40" presetID="10" presetClass="entr" presetSubtype="0" fill="hold" grpId="0" nodeType="afterEffect">
+                                  <p:stCondLst>
+                                    <p:cond delay="0"/>
+                                  </p:stCondLst>
+                                  <p:childTnLst>
+                                    <p:set>
+                                      <p:cBhvr>
+                                        <p:cTn id="41" dur="1" fill="hold">
+                                          <p:stCondLst>
+                                            <p:cond delay="0"/>
+                                          </p:stCondLst>
+                                        </p:cTn>
+                                        <p:tgtEl>
+                                          <p:spTgt spid="11"/>
+                                        </p:tgtEl>
+                                        <p:attrNameLst>
+                                          <p:attrName>style.visibility</p:attrName>
+                                        </p:attrNameLst>
+                                      </p:cBhvr>
+                                      <p:to>
+                                        <p:strVal val="visible"/>
+                                      </p:to>
+                                    </p:set>
+                                    <p:animEffect transition="in" filter="fade">
+                                      <p:cBhvr>
+                                        <p:cTn id="42" dur="250"/>
+                                        <p:tgtEl>
+                                          <p:spTgt spid="11"/>
+                                        </p:tgtEl>
+                                      </p:cBhvr>
+                                    </p:animEffect>
+                                  </p:childTnLst>
+                                </p:cTn>
+                              </p:par>
+                            </p:childTnLst>
+                          </p:cTn>
+                        </p:par>
+                        <p:par>
+                          <p:cTn id="43" fill="hold">
+                            <p:stCondLst>
+                              <p:cond delay="500"/>
+                            </p:stCondLst>
+                            <p:childTnLst>
+                              <p:par>
+                                <p:cTn id="44" presetID="22" presetClass="entr" presetSubtype="8" fill="hold" grpId="0" nodeType="afterEffect">
+                                  <p:stCondLst>
+                                    <p:cond delay="0"/>
+                                  </p:stCondLst>
+                                  <p:childTnLst>
+                                    <p:set>
+                                      <p:cBhvr>
+                                        <p:cTn id="45" dur="1" fill="hold">
+                                          <p:stCondLst>
+                                            <p:cond delay="0"/>
+                                          </p:stCondLst>
+                                        </p:cTn>
+                                        <p:tgtEl>
+                                          <p:spTgt spid="12"/>
+                                        </p:tgtEl>
+                                        <p:attrNameLst>
+                                          <p:attrName>style.visibility</p:attrName>
+                                        </p:attrNameLst>
+                                      </p:cBhvr>
+                                      <p:to>
+                                        <p:strVal val="visible"/>
+                                      </p:to>
+                                    </p:set>
+                                    <p:animEffect transition="in" filter="wipe(left)">
+                                      <p:cBhvr>
+                                        <p:cTn id="46" dur="250"/>
+                                        <p:tgtEl>
+                                          <p:spTgt spid="12"/>
+                                        </p:tgtEl>
+                                      </p:cBhvr>
+                                    </p:animEffect>
+                                  </p:childTnLst>
+                                </p:cTn>
+                              </p:par>
+                            </p:childTnLst>
+                          </p:cTn>
+                        </p:par>
+                        <p:par>
+                          <p:cTn id="47" fill="hold">
+                            <p:stCondLst>
+                              <p:cond delay="750"/>
+                            </p:stCondLst>
+                            <p:childTnLst>
+                              <p:par>
+                                <p:cTn id="48" presetID="10" presetClass="entr" presetSubtype="0" fill="hold" grpId="0" nodeType="afterEffect">
+                                  <p:stCondLst>
+                                    <p:cond delay="0"/>
+                                  </p:stCondLst>
+                                  <p:childTnLst>
+                                    <p:set>
+                                      <p:cBhvr>
+                                        <p:cTn id="49" dur="1" fill="hold">
+                                          <p:stCondLst>
+                                            <p:cond delay="0"/>
+                                          </p:stCondLst>
+                                        </p:cTn>
+                                        <p:tgtEl>
+                                          <p:spTgt spid="16"/>
+                                        </p:tgtEl>
+                                        <p:attrNameLst>
+                                          <p:attrName>style.visibility</p:attrName>
+                                        </p:attrNameLst>
+                                      </p:cBhvr>
+                                      <p:to>
+                                        <p:strVal val="visible"/>
+                                      </p:to>
+                                    </p:set>
+                                    <p:animEffect transition="in" filter="fade">
+                                      <p:cBhvr>
+                                        <p:cTn id="50" dur="250"/>
+                                        <p:tgtEl>
+                                          <p:spTgt spid="16"/>
+                                        </p:tgtEl>
+                                      </p:cBhvr>
+                                    </p:animEffect>
+                                  </p:childTnLst>
+                                </p:cTn>
+                              </p:par>
+                            </p:childTnLst>
+                          </p:cTn>
+                        </p:par>
+                        <p:par>
+                          <p:cTn id="51" fill="hold">
+                            <p:stCondLst>
+                              <p:cond delay="1000"/>
+                            </p:stCondLst>
+                            <p:childTnLst>
+                              <p:par>
+                                <p:cTn id="52" presetID="22" presetClass="entr" presetSubtype="4" fill="hold" grpId="0" nodeType="afterEffect">
+                                  <p:stCondLst>
+                                    <p:cond delay="0"/>
+                                  </p:stCondLst>
+                                  <p:childTnLst>
+                                    <p:set>
+                                      <p:cBhvr>
+                                        <p:cTn id="53" dur="1" fill="hold">
+                                          <p:stCondLst>
+                                            <p:cond delay="0"/>
+                                          </p:stCondLst>
+                                        </p:cTn>
+                                        <p:tgtEl>
+                                          <p:spTgt spid="9"/>
+                                        </p:tgtEl>
+                                        <p:attrNameLst>
+                                          <p:attrName>style.visibility</p:attrName>
+                                        </p:attrNameLst>
+                                      </p:cBhvr>
+                                      <p:to>
+                                        <p:strVal val="visible"/>
+                                      </p:to>
+                                    </p:set>
+                                    <p:animEffect transition="in" filter="wipe(down)">
+                                      <p:cBhvr>
+                                        <p:cTn id="54" dur="250"/>
+                                        <p:tgtEl>
+                                          <p:spTgt spid="9"/>
+                                        </p:tgtEl>
+                                      </p:cBhvr>
+                                    </p:animEffect>
+                                  </p:childTnLst>
+                                </p:cTn>
+                              </p:par>
+                            </p:childTnLst>
+                          </p:cTn>
+                        </p:par>
+                        <p:par>
+                          <p:cTn id="55" fill="hold">
+                            <p:stCondLst>
+                              <p:cond delay="1250"/>
+                            </p:stCondLst>
+                            <p:childTnLst>
+                              <p:par>
+                                <p:cTn id="56" presetID="10" presetClass="entr" presetSubtype="0" fill="hold" grpId="0" nodeType="afterEffect">
+                                  <p:stCondLst>
+                                    <p:cond delay="0"/>
+                                  </p:stCondLst>
+                                  <p:childTnLst>
+                                    <p:set>
+                                      <p:cBhvr>
+                                        <p:cTn id="57" dur="1" fill="hold">
+                                          <p:stCondLst>
+                                            <p:cond delay="0"/>
+                                          </p:stCondLst>
+                                        </p:cTn>
+                                        <p:tgtEl>
+                                          <p:spTgt spid="18"/>
+                                        </p:tgtEl>
+                                        <p:attrNameLst>
+                                          <p:attrName>style.visibility</p:attrName>
+                                        </p:attrNameLst>
+                                      </p:cBhvr>
+                                      <p:to>
+                                        <p:strVal val="visible"/>
+                                      </p:to>
+                                    </p:set>
+                                    <p:animEffect transition="in" filter="fade">
+                                      <p:cBhvr>
+                                        <p:cTn id="58" dur="250"/>
+                                        <p:tgtEl>
+                                          <p:spTgt spid="18"/>
+                                        </p:tgtEl>
+                                      </p:cBhvr>
+                                    </p:animEffect>
+                                  </p:childTnLst>
+                                </p:cTn>
+                              </p:par>
+                            </p:childTnLst>
+                          </p:cTn>
+                        </p:par>
+                      </p:childTnLst>
+                    </p:cTn>
+                  </p:par>
+                </p:childTnLst>
+              </p:cTn>
+              <p:prevCondLst>
+                <p:cond evt="onPrev" delay="0">
+                  <p:tgtEl>
+                    <p:sldTgt/>
+                  </p:tgtEl>
+                </p:cond>
+              </p:prevCondLst>
+              <p:nextCondLst>
+                <p:cond evt="onNext" delay="0">
+                  <p:tgtEl>
+                    <p:sldTgt/>
+                  </p:tgtEl>
+                </p:cond>
+              </p:nextCondLst>
+            </p:seq>
+          </p:childTnLst>
+        </p:cTn>
+      </p:par>
+    </p:tnLst>
+    <p:bldLst>
+      <p:bldP spid="3" grpId="0" build="p"/>
+      <p:bldP spid="10" grpId="0" animBg="1"/>
+      <p:bldP spid="11" grpId="0" animBg="1"/>
+      <p:bldP spid="16" grpId="0" animBg="1"/>
+      <p:bldP spid="12" grpId="0" animBg="1"/>
+      <p:bldP spid="9" grpId="0" animBg="1"/>
+      <p:bldP spid="18" grpId="0" animBg="1"/>
+    </p:bldLst>
+  </p:timing>
+</p:sld>
+</file>
+
+<file path=ppt/slides/slide12.xml><?xml version="1.0" encoding="utf-8"?>
+<p:sld xmlns:a="http://schemas.openxmlformats.org/drawingml/2006/main" xmlns:r="http://schemas.openxmlformats.org/officeDocument/2006/relationships" xmlns:p="http://schemas.openxmlformats.org/presentationml/2006/main" show="0">
+  <p:cSld>
+    <p:spTree>
+      <p:nvGrpSpPr>
+        <p:cNvPr id="1" name=""/>
+        <p:cNvGrpSpPr/>
+        <p:nvPr/>
+      </p:nvGrpSpPr>
+      <p:grpSpPr>
+        <a:xfrm>
+          <a:off x="0" y="0"/>
+          <a:ext cx="0" cy="0"/>
+          <a:chOff x="0" y="0"/>
+          <a:chExt cx="0" cy="0"/>
+        </a:xfrm>
+      </p:grpSpPr>
+      <p:sp>
+        <p:nvSpPr>
+          <p:cNvPr id="2" name="Title 1"/>
+          <p:cNvSpPr>
+            <a:spLocks noGrp="1"/>
+          </p:cNvSpPr>
+          <p:nvPr>
+            <p:ph type="title"/>
+          </p:nvPr>
+        </p:nvSpPr>
+        <p:spPr>
+          <a:xfrm>
+            <a:off x="142844" y="-22254"/>
+            <a:ext cx="8858312" cy="642942"/>
+          </a:xfrm>
+        </p:spPr>
+        <p:txBody>
+          <a:bodyPr/>
+          <a:lstStyle/>
+          <a:p>
+            <a:r>
+              <a:rPr lang="hr-HR" sz="3200" dirty="0" smtClean="0"/>
+              <a:t>Kavane</a:t>
+            </a:r>
+            <a:endParaRPr lang="hr-HR" sz="3400" b="1" i="1" dirty="0"/>
+          </a:p>
+        </p:txBody>
+      </p:sp>
+      <p:sp>
+        <p:nvSpPr>
+          <p:cNvPr id="3" name="Content Placeholder 2"/>
+          <p:cNvSpPr>
+            <a:spLocks noGrp="1"/>
+          </p:cNvSpPr>
+          <p:nvPr>
+            <p:ph idx="1"/>
+          </p:nvPr>
+        </p:nvSpPr>
+        <p:spPr>
+          <a:xfrm>
+            <a:off x="0" y="623564"/>
+            <a:ext cx="9144000" cy="2805436"/>
+          </a:xfrm>
+        </p:spPr>
+        <p:txBody>
+          <a:bodyPr>
+            <a:noAutofit/>
+          </a:bodyPr>
+          <a:lstStyle/>
+          <a:p>
+            <a:pPr>
+              <a:spcBef>
+                <a:spcPts val="600"/>
+              </a:spcBef>
+            </a:pPr>
+            <a:r>
+              <a:rPr lang="hr-HR" sz="2800" b="1" dirty="0" smtClean="0">
+                <a:solidFill>
+                  <a:srgbClr val="FF0000"/>
+                </a:solidFill>
+              </a:rPr>
+              <a:t>AMERIČKI BAR </a:t>
+            </a:r>
+            <a:r>
+              <a:rPr lang="hr-HR" dirty="0" smtClean="0"/>
+              <a:t>– vrsta bara koji nudi usluge </a:t>
+            </a:r>
+            <a:r>
+              <a:rPr lang="hr-HR" dirty="0">
+                <a:highlight>
+                  <a:srgbClr val="FFFF00"/>
+                </a:highlight>
+                <a:ea typeface="Calibri"/>
+                <a:cs typeface="Times New Roman"/>
+              </a:rPr>
+              <a:t>pića</a:t>
+            </a:r>
+            <a:r>
+              <a:rPr lang="hr-HR" dirty="0" smtClean="0"/>
+              <a:t> (najkvalitetnije iz usluge pića) i </a:t>
+            </a:r>
+            <a:r>
+              <a:rPr lang="hr-HR" dirty="0">
+                <a:highlight>
+                  <a:srgbClr val="FFFF00"/>
+                </a:highlight>
+                <a:ea typeface="Calibri"/>
+                <a:cs typeface="Times New Roman"/>
+              </a:rPr>
+              <a:t>cigara</a:t>
+            </a:r>
+          </a:p>
+          <a:p>
+            <a:pPr lvl="1">
+              <a:spcBef>
+                <a:spcPts val="600"/>
+              </a:spcBef>
+            </a:pPr>
+            <a:r>
+              <a:rPr lang="hr-HR" dirty="0" smtClean="0"/>
+              <a:t>karakterizira ga ponuda </a:t>
+            </a:r>
+            <a:r>
+              <a:rPr lang="hr-HR" dirty="0">
+                <a:highlight>
+                  <a:srgbClr val="FFFF00"/>
+                </a:highlight>
+                <a:ea typeface="Calibri"/>
+                <a:cs typeface="Times New Roman"/>
+              </a:rPr>
+              <a:t>najkvalitetnijih pića i cigara</a:t>
+            </a:r>
+            <a:r>
+              <a:rPr lang="hr-HR" dirty="0" smtClean="0"/>
+              <a:t>, posebno su zastupljeni viskiji, konjaci, najpoznatiji likeri, izvrsna francuska vina te razna miješana pića</a:t>
+            </a:r>
+          </a:p>
+          <a:p>
+            <a:pPr>
+              <a:spcBef>
+                <a:spcPts val="600"/>
+              </a:spcBef>
+            </a:pPr>
+            <a:r>
+              <a:rPr lang="hr-HR" dirty="0">
+                <a:highlight>
+                  <a:srgbClr val="FFFF00"/>
+                </a:highlight>
+                <a:ea typeface="Calibri"/>
+                <a:cs typeface="Times New Roman"/>
+              </a:rPr>
+              <a:t>najčešće se sjeda za barski točionik</a:t>
+            </a:r>
+            <a:r>
+              <a:rPr lang="hr-HR" dirty="0" smtClean="0"/>
+              <a:t> (šank)</a:t>
+            </a:r>
+          </a:p>
+          <a:p>
+            <a:pPr>
+              <a:spcBef>
+                <a:spcPts val="600"/>
+              </a:spcBef>
+            </a:pPr>
+            <a:r>
+              <a:rPr lang="hr-HR" dirty="0" smtClean="0"/>
+              <a:t>radno vrijeme </a:t>
+            </a:r>
+            <a:r>
+              <a:rPr lang="hr-HR" dirty="0">
+                <a:highlight>
+                  <a:srgbClr val="FFFF00"/>
+                </a:highlight>
+                <a:ea typeface="Calibri"/>
+                <a:cs typeface="Times New Roman"/>
+              </a:rPr>
+              <a:t>od </a:t>
+            </a:r>
+            <a:r>
+              <a:rPr lang="hr-HR" dirty="0" smtClean="0">
+                <a:highlight>
+                  <a:srgbClr val="FFFF00"/>
+                </a:highlight>
+                <a:ea typeface="Calibri"/>
+                <a:cs typeface="Times New Roman"/>
+              </a:rPr>
+              <a:t>12 </a:t>
+            </a:r>
+            <a:r>
+              <a:rPr lang="hr-HR" dirty="0">
+                <a:highlight>
+                  <a:srgbClr val="FFFF00"/>
+                </a:highlight>
+                <a:ea typeface="Calibri"/>
+                <a:cs typeface="Times New Roman"/>
+              </a:rPr>
+              <a:t>do </a:t>
+            </a:r>
+            <a:r>
+              <a:rPr lang="hr-HR" dirty="0" smtClean="0">
+                <a:highlight>
+                  <a:srgbClr val="FFFF00"/>
+                </a:highlight>
+                <a:ea typeface="Calibri"/>
+                <a:cs typeface="Times New Roman"/>
+              </a:rPr>
+              <a:t>24 </a:t>
+            </a:r>
+            <a:r>
+              <a:rPr lang="hr-HR" dirty="0">
+                <a:highlight>
+                  <a:srgbClr val="FFFF00"/>
+                </a:highlight>
+                <a:ea typeface="Calibri"/>
+                <a:cs typeface="Times New Roman"/>
+              </a:rPr>
+              <a:t>sata</a:t>
+            </a:r>
+          </a:p>
+        </p:txBody>
+      </p:sp>
+      <p:pic>
+        <p:nvPicPr>
+          <p:cNvPr id="4" name="Picture 3"/>
+          <p:cNvPicPr>
+            <a:picLocks noChangeAspect="1"/>
+          </p:cNvPicPr>
+          <p:nvPr/>
+        </p:nvPicPr>
+        <p:blipFill>
+          <a:blip r:embed="rId2">
+            <a:extLst>
+              <a:ext uri="{28A0092B-C50C-407E-A947-70E740481C1C}">
+                <a14:useLocalDpi xmlns:a14="http://schemas.microsoft.com/office/drawing/2010/main" val="0"/>
+              </a:ext>
+            </a:extLst>
+          </a:blip>
+          <a:stretch>
+            <a:fillRect/>
+          </a:stretch>
+        </p:blipFill>
+        <p:spPr>
+          <a:xfrm>
+            <a:off x="251520" y="3717032"/>
+            <a:ext cx="4651577" cy="3005635"/>
+          </a:xfrm>
+          <a:prstGeom prst="rect">
+            <a:avLst/>
+          </a:prstGeom>
+        </p:spPr>
+      </p:pic>
+      <p:pic>
+        <p:nvPicPr>
+          <p:cNvPr id="5" name="Picture 4"/>
+          <p:cNvPicPr>
+            <a:picLocks noChangeAspect="1"/>
+          </p:cNvPicPr>
+          <p:nvPr/>
+        </p:nvPicPr>
+        <p:blipFill>
+          <a:blip r:embed="rId3">
+            <a:extLst>
+              <a:ext uri="{28A0092B-C50C-407E-A947-70E740481C1C}">
+                <a14:useLocalDpi xmlns:a14="http://schemas.microsoft.com/office/drawing/2010/main" val="0"/>
+              </a:ext>
+            </a:extLst>
+          </a:blip>
+          <a:stretch>
+            <a:fillRect/>
+          </a:stretch>
+        </p:blipFill>
+        <p:spPr>
+          <a:xfrm>
+            <a:off x="3995936" y="3447053"/>
+            <a:ext cx="4637775" cy="3089918"/>
+          </a:xfrm>
+          <a:prstGeom prst="rect">
+            <a:avLst/>
+          </a:prstGeom>
+        </p:spPr>
+      </p:pic>
+    </p:spTree>
+    <p:extLst>
+      <p:ext uri="{BB962C8B-B14F-4D97-AF65-F5344CB8AC3E}">
+        <p14:creationId xmlns:p14="http://schemas.microsoft.com/office/powerpoint/2010/main" val="2594422090"/>
+      </p:ext>
+    </p:extLst>
+  </p:cSld>
+  <p:clrMapOvr>
+    <a:masterClrMapping/>
+  </p:clrMapOvr>
+  <mc:AlternateContent xmlns:mc="http://schemas.openxmlformats.org/markup-compatibility/2006">
+    <mc:Choice xmlns:p14="http://schemas.microsoft.com/office/powerpoint/2010/main" Requires="p14">
+      <p:transition>
+        <p14:reveal/>
+      </p:transition>
+    </mc:Choice>
+    <mc:Fallback>
+      <p:transition>
+        <p:fade/>
+      </p:transition>
+    </mc:Fallback>
+  </mc:AlternateContent>
+  <p:timing>
+    <p:tnLst>
+      <p:par>
+        <p:cTn id="1" dur="indefinite" restart="never" nodeType="tmRoot">
+          <p:childTnLst>
+            <p:seq concurrent="1" nextAc="seek">
+              <p:cTn id="2" dur="indefinite" nodeType="mainSeq">
+                <p:childTnLst>
+                  <p:par>
+                    <p:cTn id="3" fill="hold">
+                      <p:stCondLst>
+                        <p:cond delay="indefinite"/>
+                        <p:cond evt="onBegin" delay="0">
+                          <p:tn val="2"/>
+                        </p:cond>
+                      </p:stCondLst>
+                      <p:childTnLst>
+                        <p:par>
+                          <p:cTn id="4" fill="hold">
+                            <p:stCondLst>
+                              <p:cond delay="0"/>
+                            </p:stCondLst>
+                            <p:childTnLst>
+                              <p:par>
+                                <p:cTn id="5" presetID="10" presetClass="entr" presetSubtype="0" fill="hold" grpId="0" nodeType="afterEffect">
+                                  <p:stCondLst>
+                                    <p:cond delay="0"/>
+                                  </p:stCondLst>
+                                  <p:childTnLst>
+                                    <p:set>
+                                      <p:cBhvr>
+                                        <p:cTn id="6" dur="1" fill="hold">
+                                          <p:stCondLst>
+                                            <p:cond delay="0"/>
+                                          </p:stCondLst>
+                                        </p:cTn>
+                                        <p:tgtEl>
+                                          <p:spTgt spid="3">
+                                            <p:txEl>
+                                              <p:pRg st="0" end="0"/>
+                                            </p:txEl>
+                                          </p:spTgt>
+                                        </p:tgtEl>
+                                        <p:attrNameLst>
+                                          <p:attrName>style.visibility</p:attrName>
+                                        </p:attrNameLst>
+                                      </p:cBhvr>
+                                      <p:to>
+                                        <p:strVal val="visible"/>
+                                      </p:to>
+                                    </p:set>
+                                    <p:animEffect transition="in" filter="fade">
+                                      <p:cBhvr>
+                                        <p:cTn id="7" dur="250"/>
+                                        <p:tgtEl>
+                                          <p:spTgt spid="3">
+                                            <p:txEl>
+                                              <p:pRg st="0" end="0"/>
+                                            </p:txEl>
+                                          </p:spTgt>
+                                        </p:tgtEl>
+                                      </p:cBhvr>
+                                    </p:animEffect>
+                                  </p:childTnLst>
+                                </p:cTn>
+                              </p:par>
+                            </p:childTnLst>
+                          </p:cTn>
+                        </p:par>
+                      </p:childTnLst>
+                    </p:cTn>
+                  </p:par>
+                  <p:par>
+                    <p:cTn id="8" fill="hold">
+                      <p:stCondLst>
+                        <p:cond delay="indefinite"/>
+                      </p:stCondLst>
+                      <p:childTnLst>
+                        <p:par>
+                          <p:cTn id="9" fill="hold">
+                            <p:stCondLst>
+                              <p:cond delay="0"/>
+                            </p:stCondLst>
+                            <p:childTnLst>
+                              <p:par>
+                                <p:cTn id="10" presetID="10" presetClass="entr" presetSubtype="0" fill="hold" grpId="0" nodeType="clickEffect">
+                                  <p:stCondLst>
+                                    <p:cond delay="0"/>
+                                  </p:stCondLst>
+                                  <p:childTnLst>
+                                    <p:set>
+                                      <p:cBhvr>
+                                        <p:cTn id="11" dur="1" fill="hold">
+                                          <p:stCondLst>
+                                            <p:cond delay="0"/>
+                                          </p:stCondLst>
+                                        </p:cTn>
+                                        <p:tgtEl>
+                                          <p:spTgt spid="3">
+                                            <p:txEl>
+                                              <p:pRg st="1" end="1"/>
+                                            </p:txEl>
+                                          </p:spTgt>
+                                        </p:tgtEl>
+                                        <p:attrNameLst>
+                                          <p:attrName>style.visibility</p:attrName>
+                                        </p:attrNameLst>
+                                      </p:cBhvr>
+                                      <p:to>
+                                        <p:strVal val="visible"/>
+                                      </p:to>
+                                    </p:set>
+                                    <p:animEffect transition="in" filter="fade">
+                                      <p:cBhvr>
+                                        <p:cTn id="12" dur="250"/>
+                                        <p:tgtEl>
+                                          <p:spTgt spid="3">
+                                            <p:txEl>
+                                              <p:pRg st="1" end="1"/>
+                                            </p:txEl>
+                                          </p:spTgt>
+                                        </p:tgtEl>
+                                      </p:cBhvr>
+                                    </p:animEffect>
+                                  </p:childTnLst>
+                                </p:cTn>
+                              </p:par>
+                            </p:childTnLst>
+                          </p:cTn>
+                        </p:par>
+                      </p:childTnLst>
+                    </p:cTn>
+                  </p:par>
+                  <p:par>
+                    <p:cTn id="13" fill="hold">
+                      <p:stCondLst>
+                        <p:cond delay="indefinite"/>
+                      </p:stCondLst>
+                      <p:childTnLst>
+                        <p:par>
+                          <p:cTn id="14" fill="hold">
+                            <p:stCondLst>
+                              <p:cond delay="0"/>
+                            </p:stCondLst>
+                            <p:childTnLst>
+                              <p:par>
+                                <p:cTn id="15" presetID="10" presetClass="entr" presetSubtype="0" fill="hold" grpId="0" nodeType="clickEffect">
+                                  <p:stCondLst>
+                                    <p:cond delay="0"/>
+                                  </p:stCondLst>
+                                  <p:childTnLst>
+                                    <p:set>
+                                      <p:cBhvr>
                                         <p:cTn id="16" dur="1" fill="hold">
                                           <p:stCondLst>
                                             <p:cond delay="0"/>
@@ -6729,7 +8470,7 @@
                                         <p:tgtEl>
                                           <p:spTgt spid="3">
                                             <p:txEl>
-                                              <p:pRg st="3" end="3"/>
+                                              <p:pRg st="2" end="2"/>
                                             </p:txEl>
                                           </p:spTgt>
                                         </p:tgtEl>
@@ -6747,7 +8488,7 @@
                                         <p:tgtEl>
                                           <p:spTgt spid="3">
                                             <p:txEl>
-                                              <p:pRg st="3" end="3"/>
+                                              <p:pRg st="2" end="2"/>
                                             </p:txEl>
                                           </p:spTgt>
                                         </p:tgtEl>
@@ -6790,7 +8531,7 @@
                                         <p:tgtEl>
                                           <p:spTgt spid="3">
                                             <p:txEl>
-                                              <p:pRg st="4" end="4"/>
+                                              <p:pRg st="3" end="3"/>
                                             </p:txEl>
                                           </p:spTgt>
                                         </p:tgtEl>
@@ -6808,240 +8549,7 @@
                                         <p:tgtEl>
                                           <p:spTgt spid="3">
                                             <p:txEl>
-                                              <p:pRg st="4" end="4"/>
-                                            </p:txEl>
-                                          </p:spTgt>
-                                        </p:tgtEl>
-                                      </p:cBhvr>
-                                    </p:animEffect>
-                                  </p:childTnLst>
-                                </p:cTn>
-                              </p:par>
-                            </p:childTnLst>
-                          </p:cTn>
-                        </p:par>
-                      </p:childTnLst>
-                    </p:cTn>
-                  </p:par>
-                  <p:par>
-                    <p:cTn id="23" fill="hold">
-                      <p:stCondLst>
-                        <p:cond delay="indefinite"/>
-                      </p:stCondLst>
-                      <p:childTnLst>
-                        <p:par>
-                          <p:cTn id="24" fill="hold">
-                            <p:stCondLst>
-                              <p:cond delay="0"/>
-                            </p:stCondLst>
-                            <p:childTnLst>
-                              <p:par>
-                                <p:cTn id="25" presetID="10" presetClass="entr" presetSubtype="0" fill="hold" grpId="0" nodeType="clickEffect">
-                                  <p:stCondLst>
-                                    <p:cond delay="0"/>
-                                  </p:stCondLst>
-                                  <p:childTnLst>
-                                    <p:set>
-                                      <p:cBhvr>
-                                        <p:cTn id="26" dur="1" fill="hold">
-                                          <p:stCondLst>
-                                            <p:cond delay="0"/>
-                                          </p:stCondLst>
-                                        </p:cTn>
-                                        <p:tgtEl>
-                                          <p:spTgt spid="3">
-                                            <p:txEl>
-                                              <p:pRg st="5" end="5"/>
-                                            </p:txEl>
-                                          </p:spTgt>
-                                        </p:tgtEl>
-                                        <p:attrNameLst>
-                                          <p:attrName>style.visibility</p:attrName>
-                                        </p:attrNameLst>
-                                      </p:cBhvr>
-                                      <p:to>
-                                        <p:strVal val="visible"/>
-                                      </p:to>
-                                    </p:set>
-                                    <p:animEffect transition="in" filter="fade">
-                                      <p:cBhvr>
-                                        <p:cTn id="27" dur="250"/>
-                                        <p:tgtEl>
-                                          <p:spTgt spid="3">
-                                            <p:txEl>
-                                              <p:pRg st="5" end="5"/>
-                                            </p:txEl>
-                                          </p:spTgt>
-                                        </p:tgtEl>
-                                      </p:cBhvr>
-                                    </p:animEffect>
-                                  </p:childTnLst>
-                                </p:cTn>
-                              </p:par>
-                              <p:par>
-                                <p:cTn id="28" presetID="10" presetClass="entr" presetSubtype="0" fill="hold" grpId="0" nodeType="withEffect">
-                                  <p:stCondLst>
-                                    <p:cond delay="0"/>
-                                  </p:stCondLst>
-                                  <p:childTnLst>
-                                    <p:set>
-                                      <p:cBhvr>
-                                        <p:cTn id="29" dur="1" fill="hold">
-                                          <p:stCondLst>
-                                            <p:cond delay="0"/>
-                                          </p:stCondLst>
-                                        </p:cTn>
-                                        <p:tgtEl>
-                                          <p:spTgt spid="3">
-                                            <p:txEl>
-                                              <p:pRg st="6" end="6"/>
-                                            </p:txEl>
-                                          </p:spTgt>
-                                        </p:tgtEl>
-                                        <p:attrNameLst>
-                                          <p:attrName>style.visibility</p:attrName>
-                                        </p:attrNameLst>
-                                      </p:cBhvr>
-                                      <p:to>
-                                        <p:strVal val="visible"/>
-                                      </p:to>
-                                    </p:set>
-                                    <p:animEffect transition="in" filter="fade">
-                                      <p:cBhvr>
-                                        <p:cTn id="30" dur="250"/>
-                                        <p:tgtEl>
-                                          <p:spTgt spid="3">
-                                            <p:txEl>
-                                              <p:pRg st="6" end="6"/>
-                                            </p:txEl>
-                                          </p:spTgt>
-                                        </p:tgtEl>
-                                      </p:cBhvr>
-                                    </p:animEffect>
-                                  </p:childTnLst>
-                                </p:cTn>
-                              </p:par>
-                              <p:par>
-                                <p:cTn id="31" presetID="10" presetClass="entr" presetSubtype="0" fill="hold" grpId="0" nodeType="withEffect">
-                                  <p:stCondLst>
-                                    <p:cond delay="0"/>
-                                  </p:stCondLst>
-                                  <p:childTnLst>
-                                    <p:set>
-                                      <p:cBhvr>
-                                        <p:cTn id="32" dur="1" fill="hold">
-                                          <p:stCondLst>
-                                            <p:cond delay="0"/>
-                                          </p:stCondLst>
-                                        </p:cTn>
-                                        <p:tgtEl>
-                                          <p:spTgt spid="3">
-                                            <p:txEl>
-                                              <p:pRg st="7" end="7"/>
-                                            </p:txEl>
-                                          </p:spTgt>
-                                        </p:tgtEl>
-                                        <p:attrNameLst>
-                                          <p:attrName>style.visibility</p:attrName>
-                                        </p:attrNameLst>
-                                      </p:cBhvr>
-                                      <p:to>
-                                        <p:strVal val="visible"/>
-                                      </p:to>
-                                    </p:set>
-                                    <p:animEffect transition="in" filter="fade">
-                                      <p:cBhvr>
-                                        <p:cTn id="33" dur="250"/>
-                                        <p:tgtEl>
-                                          <p:spTgt spid="3">
-                                            <p:txEl>
-                                              <p:pRg st="7" end="7"/>
-                                            </p:txEl>
-                                          </p:spTgt>
-                                        </p:tgtEl>
-                                      </p:cBhvr>
-                                    </p:animEffect>
-                                  </p:childTnLst>
-                                </p:cTn>
-                              </p:par>
-                              <p:par>
-                                <p:cTn id="34" presetID="10" presetClass="entr" presetSubtype="0" fill="hold" grpId="0" nodeType="withEffect">
-                                  <p:stCondLst>
-                                    <p:cond delay="0"/>
-                                  </p:stCondLst>
-                                  <p:childTnLst>
-                                    <p:set>
-                                      <p:cBhvr>
-                                        <p:cTn id="35" dur="1" fill="hold">
-                                          <p:stCondLst>
-                                            <p:cond delay="0"/>
-                                          </p:stCondLst>
-                                        </p:cTn>
-                                        <p:tgtEl>
-                                          <p:spTgt spid="3">
-                                            <p:txEl>
-                                              <p:pRg st="8" end="8"/>
-                                            </p:txEl>
-                                          </p:spTgt>
-                                        </p:tgtEl>
-                                        <p:attrNameLst>
-                                          <p:attrName>style.visibility</p:attrName>
-                                        </p:attrNameLst>
-                                      </p:cBhvr>
-                                      <p:to>
-                                        <p:strVal val="visible"/>
-                                      </p:to>
-                                    </p:set>
-                                    <p:animEffect transition="in" filter="fade">
-                                      <p:cBhvr>
-                                        <p:cTn id="36" dur="250"/>
-                                        <p:tgtEl>
-                                          <p:spTgt spid="3">
-                                            <p:txEl>
-                                              <p:pRg st="8" end="8"/>
-                                            </p:txEl>
-                                          </p:spTgt>
-                                        </p:tgtEl>
-                                      </p:cBhvr>
-                                    </p:animEffect>
-                                  </p:childTnLst>
-                                </p:cTn>
-                              </p:par>
-                              <p:par>
-                                <p:cTn id="37" presetID="10" presetClass="entr" presetSubtype="0" fill="hold" grpId="0" nodeType="withEffect">
-                                  <p:stCondLst>
-                                    <p:cond delay="0"/>
-                                  </p:stCondLst>
-                                  <p:childTnLst>
-                                    <p:set>
-                                      <p:cBhvr>
-                                        <p:cTn id="38" dur="1" fill="hold">
-                                          <p:stCondLst>
-                                            <p:cond delay="0"/>
-                                          </p:stCondLst>
-                                        </p:cTn>
-                                        <p:tgtEl>
-                                          <p:spTgt spid="3">
-                                            <p:txEl>
-                                              <p:pRg st="9" end="9"/>
-                                            </p:txEl>
-                                          </p:spTgt>
-                                        </p:tgtEl>
-                                        <p:attrNameLst>
-                                          <p:attrName>style.visibility</p:attrName>
-                                        </p:attrNameLst>
-                                      </p:cBhvr>
-                                      <p:to>
-                                        <p:strVal val="visible"/>
-                                      </p:to>
-                                    </p:set>
-                                    <p:animEffect transition="in" filter="fade">
-                                      <p:cBhvr>
-                                        <p:cTn id="39" dur="250"/>
-                                        <p:tgtEl>
-                                          <p:spTgt spid="3">
-                                            <p:txEl>
-                                              <p:pRg st="9" end="9"/>
+                                              <p:pRg st="3" end="3"/>
                                             </p:txEl>
                                           </p:spTgt>
                                         </p:tgtEl>
@@ -7084,8 +8592,8 @@
 </p:sld>
 </file>
 
-<file path=ppt/slides/slide12.xml><?xml version="1.0" encoding="utf-8"?>
-<p:sld xmlns:a="http://schemas.openxmlformats.org/drawingml/2006/main" xmlns:r="http://schemas.openxmlformats.org/officeDocument/2006/relationships" xmlns:p="http://schemas.openxmlformats.org/presentationml/2006/main">
+<file path=ppt/slides/slide13.xml><?xml version="1.0" encoding="utf-8"?>
+<p:sld xmlns:a="http://schemas.openxmlformats.org/drawingml/2006/main" xmlns:r="http://schemas.openxmlformats.org/officeDocument/2006/relationships" xmlns:p="http://schemas.openxmlformats.org/presentationml/2006/main" show="0">
   <p:cSld>
     <p:spTree>
       <p:nvGrpSpPr>
@@ -7118,7 +8626,7 @@
           <a:p>
             <a:r>
               <a:rPr lang="hr-HR" sz="3200" dirty="0" smtClean="0"/>
-              <a:t>Osnovni uvjeti za obavljanje ugostiteljske djelatnosti</a:t>
+              <a:t>Animacija gostiju</a:t>
             </a:r>
             <a:endParaRPr lang="hr-HR" sz="3400" b="1" i="1" dirty="0"/>
           </a:p>
@@ -7148,6 +8656,746 @@
           <a:p>
             <a:r>
               <a:rPr lang="hr-HR" dirty="0" smtClean="0"/>
+              <a:t>ANIMIRATI – oraspoložiti, zabaviti  i </a:t>
+            </a:r>
+            <a:r>
+              <a:rPr lang="hr-HR" dirty="0" err="1" smtClean="0"/>
+              <a:t>sl</a:t>
+            </a:r>
+            <a:r>
+              <a:rPr lang="hr-HR" dirty="0" smtClean="0"/>
+              <a:t>.</a:t>
+            </a:r>
+          </a:p>
+          <a:p>
+            <a:r>
+              <a:rPr lang="hr-HR" b="1" dirty="0" smtClean="0">
+                <a:solidFill>
+                  <a:srgbClr val="FF0000"/>
+                </a:solidFill>
+              </a:rPr>
+              <a:t>ANIMACIJA</a:t>
+            </a:r>
+            <a:r>
+              <a:rPr lang="hr-HR" dirty="0" smtClean="0">
+                <a:solidFill>
+                  <a:srgbClr val="FF0000"/>
+                </a:solidFill>
+              </a:rPr>
+              <a:t> </a:t>
+            </a:r>
+            <a:r>
+              <a:rPr lang="hr-HR" dirty="0" smtClean="0"/>
+              <a:t>– organiziranje raznih kulturnih, zabavnih, sportskih i drugih aktivnosti </a:t>
+            </a:r>
+            <a:r>
+              <a:rPr lang="hr-HR" dirty="0">
+                <a:highlight>
+                  <a:srgbClr val="FFFF00"/>
+                </a:highlight>
+                <a:ea typeface="Calibri"/>
+                <a:cs typeface="Times New Roman"/>
+              </a:rPr>
+              <a:t>u kojima gosti aktivno sudjeluju po svojoj želji</a:t>
+            </a:r>
+          </a:p>
+          <a:p>
+            <a:pPr lvl="1"/>
+            <a:r>
+              <a:rPr lang="hr-HR" dirty="0" smtClean="0"/>
+              <a:t>animacija je briga o gostima, njihovim željama i potrebama za aktivnim ili pasivnim oblicima razonode</a:t>
+            </a:r>
+          </a:p>
+          <a:p>
+            <a:pPr lvl="1"/>
+            <a:r>
+              <a:rPr lang="hr-HR" dirty="0">
+                <a:highlight>
+                  <a:srgbClr val="FFFF00"/>
+                </a:highlight>
+                <a:ea typeface="Calibri"/>
+                <a:cs typeface="Times New Roman"/>
+              </a:rPr>
+              <a:t>animacija je dopunska djelatnost suvremenog hotelijerstva</a:t>
+            </a:r>
+          </a:p>
+          <a:p>
+            <a:r>
+              <a:rPr lang="hr-HR" b="1" dirty="0" smtClean="0">
+                <a:solidFill>
+                  <a:srgbClr val="FF0000"/>
+                </a:solidFill>
+              </a:rPr>
+              <a:t>ANIMATOR</a:t>
+            </a:r>
+            <a:r>
+              <a:rPr lang="hr-HR" dirty="0" smtClean="0"/>
+              <a:t> – osoba koja organizira i s gostima izvodi animacijske aktivnosti</a:t>
+            </a:r>
+          </a:p>
+          <a:p>
+            <a:pPr>
+              <a:spcBef>
+                <a:spcPts val="1800"/>
+              </a:spcBef>
+            </a:pPr>
+            <a:r>
+              <a:rPr lang="hr-HR" b="1" dirty="0" smtClean="0">
+                <a:solidFill>
+                  <a:srgbClr val="FF0000"/>
+                </a:solidFill>
+              </a:rPr>
+              <a:t>VRSTE ANIMACIJE:</a:t>
+            </a:r>
+          </a:p>
+          <a:p>
+            <a:pPr lvl="1"/>
+            <a:r>
+              <a:rPr lang="hr-HR" dirty="0" smtClean="0"/>
+              <a:t>kulturne aktivnosti</a:t>
+            </a:r>
+          </a:p>
+          <a:p>
+            <a:pPr lvl="1"/>
+            <a:r>
+              <a:rPr lang="hr-HR" dirty="0" smtClean="0"/>
+              <a:t>zabavne aktivnosti</a:t>
+            </a:r>
+          </a:p>
+          <a:p>
+            <a:pPr lvl="1"/>
+            <a:r>
+              <a:rPr lang="hr-HR" dirty="0" smtClean="0"/>
+              <a:t>sportske aktivnosti</a:t>
+            </a:r>
+          </a:p>
+          <a:p>
+            <a:pPr lvl="1"/>
+            <a:r>
+              <a:rPr lang="hr-HR" dirty="0" smtClean="0"/>
+              <a:t>izleti</a:t>
+            </a:r>
+          </a:p>
+        </p:txBody>
+      </p:sp>
+    </p:spTree>
+    <p:extLst>
+      <p:ext uri="{BB962C8B-B14F-4D97-AF65-F5344CB8AC3E}">
+        <p14:creationId xmlns:p14="http://schemas.microsoft.com/office/powerpoint/2010/main" val="1903337381"/>
+      </p:ext>
+    </p:extLst>
+  </p:cSld>
+  <p:clrMapOvr>
+    <a:masterClrMapping/>
+  </p:clrMapOvr>
+  <mc:AlternateContent xmlns:mc="http://schemas.openxmlformats.org/markup-compatibility/2006">
+    <mc:Choice xmlns:p14="http://schemas.microsoft.com/office/powerpoint/2010/main" Requires="p14">
+      <p:transition>
+        <p14:reveal/>
+      </p:transition>
+    </mc:Choice>
+    <mc:Fallback>
+      <p:transition>
+        <p:fade/>
+      </p:transition>
+    </mc:Fallback>
+  </mc:AlternateContent>
+  <p:timing>
+    <p:tnLst>
+      <p:par>
+        <p:cTn id="1" dur="indefinite" restart="never" nodeType="tmRoot">
+          <p:childTnLst>
+            <p:seq concurrent="1" nextAc="seek">
+              <p:cTn id="2" dur="indefinite" nodeType="mainSeq">
+                <p:childTnLst>
+                  <p:par>
+                    <p:cTn id="3" fill="hold">
+                      <p:stCondLst>
+                        <p:cond delay="indefinite"/>
+                        <p:cond evt="onBegin" delay="0">
+                          <p:tn val="2"/>
+                        </p:cond>
+                      </p:stCondLst>
+                      <p:childTnLst>
+                        <p:par>
+                          <p:cTn id="4" fill="hold">
+                            <p:stCondLst>
+                              <p:cond delay="0"/>
+                            </p:stCondLst>
+                            <p:childTnLst>
+                              <p:par>
+                                <p:cTn id="5" presetID="10" presetClass="entr" presetSubtype="0" fill="hold" grpId="0" nodeType="afterEffect">
+                                  <p:stCondLst>
+                                    <p:cond delay="0"/>
+                                  </p:stCondLst>
+                                  <p:childTnLst>
+                                    <p:set>
+                                      <p:cBhvr>
+                                        <p:cTn id="6" dur="1" fill="hold">
+                                          <p:stCondLst>
+                                            <p:cond delay="0"/>
+                                          </p:stCondLst>
+                                        </p:cTn>
+                                        <p:tgtEl>
+                                          <p:spTgt spid="3">
+                                            <p:txEl>
+                                              <p:pRg st="0" end="0"/>
+                                            </p:txEl>
+                                          </p:spTgt>
+                                        </p:tgtEl>
+                                        <p:attrNameLst>
+                                          <p:attrName>style.visibility</p:attrName>
+                                        </p:attrNameLst>
+                                      </p:cBhvr>
+                                      <p:to>
+                                        <p:strVal val="visible"/>
+                                      </p:to>
+                                    </p:set>
+                                    <p:animEffect transition="in" filter="fade">
+                                      <p:cBhvr>
+                                        <p:cTn id="7" dur="250"/>
+                                        <p:tgtEl>
+                                          <p:spTgt spid="3">
+                                            <p:txEl>
+                                              <p:pRg st="0" end="0"/>
+                                            </p:txEl>
+                                          </p:spTgt>
+                                        </p:tgtEl>
+                                      </p:cBhvr>
+                                    </p:animEffect>
+                                  </p:childTnLst>
+                                </p:cTn>
+                              </p:par>
+                            </p:childTnLst>
+                          </p:cTn>
+                        </p:par>
+                        <p:par>
+                          <p:cTn id="8" fill="hold">
+                            <p:stCondLst>
+                              <p:cond delay="250"/>
+                            </p:stCondLst>
+                            <p:childTnLst>
+                              <p:par>
+                                <p:cTn id="9" presetID="10" presetClass="entr" presetSubtype="0" fill="hold" grpId="0" nodeType="afterEffect">
+                                  <p:stCondLst>
+                                    <p:cond delay="0"/>
+                                  </p:stCondLst>
+                                  <p:childTnLst>
+                                    <p:set>
+                                      <p:cBhvr>
+                                        <p:cTn id="10" dur="1" fill="hold">
+                                          <p:stCondLst>
+                                            <p:cond delay="0"/>
+                                          </p:stCondLst>
+                                        </p:cTn>
+                                        <p:tgtEl>
+                                          <p:spTgt spid="3">
+                                            <p:txEl>
+                                              <p:pRg st="1" end="1"/>
+                                            </p:txEl>
+                                          </p:spTgt>
+                                        </p:tgtEl>
+                                        <p:attrNameLst>
+                                          <p:attrName>style.visibility</p:attrName>
+                                        </p:attrNameLst>
+                                      </p:cBhvr>
+                                      <p:to>
+                                        <p:strVal val="visible"/>
+                                      </p:to>
+                                    </p:set>
+                                    <p:animEffect transition="in" filter="fade">
+                                      <p:cBhvr>
+                                        <p:cTn id="11" dur="250"/>
+                                        <p:tgtEl>
+                                          <p:spTgt spid="3">
+                                            <p:txEl>
+                                              <p:pRg st="1" end="1"/>
+                                            </p:txEl>
+                                          </p:spTgt>
+                                        </p:tgtEl>
+                                      </p:cBhvr>
+                                    </p:animEffect>
+                                  </p:childTnLst>
+                                </p:cTn>
+                              </p:par>
+                              <p:par>
+                                <p:cTn id="12" presetID="10" presetClass="entr" presetSubtype="0" fill="hold" grpId="0" nodeType="withEffect">
+                                  <p:stCondLst>
+                                    <p:cond delay="0"/>
+                                  </p:stCondLst>
+                                  <p:childTnLst>
+                                    <p:set>
+                                      <p:cBhvr>
+                                        <p:cTn id="13" dur="1" fill="hold">
+                                          <p:stCondLst>
+                                            <p:cond delay="0"/>
+                                          </p:stCondLst>
+                                        </p:cTn>
+                                        <p:tgtEl>
+                                          <p:spTgt spid="3">
+                                            <p:txEl>
+                                              <p:pRg st="2" end="2"/>
+                                            </p:txEl>
+                                          </p:spTgt>
+                                        </p:tgtEl>
+                                        <p:attrNameLst>
+                                          <p:attrName>style.visibility</p:attrName>
+                                        </p:attrNameLst>
+                                      </p:cBhvr>
+                                      <p:to>
+                                        <p:strVal val="visible"/>
+                                      </p:to>
+                                    </p:set>
+                                    <p:animEffect transition="in" filter="fade">
+                                      <p:cBhvr>
+                                        <p:cTn id="14" dur="250"/>
+                                        <p:tgtEl>
+                                          <p:spTgt spid="3">
+                                            <p:txEl>
+                                              <p:pRg st="2" end="2"/>
+                                            </p:txEl>
+                                          </p:spTgt>
+                                        </p:tgtEl>
+                                      </p:cBhvr>
+                                    </p:animEffect>
+                                  </p:childTnLst>
+                                </p:cTn>
+                              </p:par>
+                              <p:par>
+                                <p:cTn id="15" presetID="10" presetClass="entr" presetSubtype="0" fill="hold" grpId="0" nodeType="withEffect">
+                                  <p:stCondLst>
+                                    <p:cond delay="0"/>
+                                  </p:stCondLst>
+                                  <p:childTnLst>
+                                    <p:set>
+                                      <p:cBhvr>
+                                        <p:cTn id="16" dur="1" fill="hold">
+                                          <p:stCondLst>
+                                            <p:cond delay="0"/>
+                                          </p:stCondLst>
+                                        </p:cTn>
+                                        <p:tgtEl>
+                                          <p:spTgt spid="3">
+                                            <p:txEl>
+                                              <p:pRg st="3" end="3"/>
+                                            </p:txEl>
+                                          </p:spTgt>
+                                        </p:tgtEl>
+                                        <p:attrNameLst>
+                                          <p:attrName>style.visibility</p:attrName>
+                                        </p:attrNameLst>
+                                      </p:cBhvr>
+                                      <p:to>
+                                        <p:strVal val="visible"/>
+                                      </p:to>
+                                    </p:set>
+                                    <p:animEffect transition="in" filter="fade">
+                                      <p:cBhvr>
+                                        <p:cTn id="17" dur="250"/>
+                                        <p:tgtEl>
+                                          <p:spTgt spid="3">
+                                            <p:txEl>
+                                              <p:pRg st="3" end="3"/>
+                                            </p:txEl>
+                                          </p:spTgt>
+                                        </p:tgtEl>
+                                      </p:cBhvr>
+                                    </p:animEffect>
+                                  </p:childTnLst>
+                                </p:cTn>
+                              </p:par>
+                            </p:childTnLst>
+                          </p:cTn>
+                        </p:par>
+                      </p:childTnLst>
+                    </p:cTn>
+                  </p:par>
+                  <p:par>
+                    <p:cTn id="18" fill="hold">
+                      <p:stCondLst>
+                        <p:cond delay="indefinite"/>
+                      </p:stCondLst>
+                      <p:childTnLst>
+                        <p:par>
+                          <p:cTn id="19" fill="hold">
+                            <p:stCondLst>
+                              <p:cond delay="0"/>
+                            </p:stCondLst>
+                            <p:childTnLst>
+                              <p:par>
+                                <p:cTn id="20" presetID="10" presetClass="entr" presetSubtype="0" fill="hold" grpId="0" nodeType="clickEffect">
+                                  <p:stCondLst>
+                                    <p:cond delay="0"/>
+                                  </p:stCondLst>
+                                  <p:childTnLst>
+                                    <p:set>
+                                      <p:cBhvr>
+                                        <p:cTn id="21" dur="1" fill="hold">
+                                          <p:stCondLst>
+                                            <p:cond delay="0"/>
+                                          </p:stCondLst>
+                                        </p:cTn>
+                                        <p:tgtEl>
+                                          <p:spTgt spid="3">
+                                            <p:txEl>
+                                              <p:pRg st="4" end="4"/>
+                                            </p:txEl>
+                                          </p:spTgt>
+                                        </p:tgtEl>
+                                        <p:attrNameLst>
+                                          <p:attrName>style.visibility</p:attrName>
+                                        </p:attrNameLst>
+                                      </p:cBhvr>
+                                      <p:to>
+                                        <p:strVal val="visible"/>
+                                      </p:to>
+                                    </p:set>
+                                    <p:animEffect transition="in" filter="fade">
+                                      <p:cBhvr>
+                                        <p:cTn id="22" dur="250"/>
+                                        <p:tgtEl>
+                                          <p:spTgt spid="3">
+                                            <p:txEl>
+                                              <p:pRg st="4" end="4"/>
+                                            </p:txEl>
+                                          </p:spTgt>
+                                        </p:tgtEl>
+                                      </p:cBhvr>
+                                    </p:animEffect>
+                                  </p:childTnLst>
+                                </p:cTn>
+                              </p:par>
+                            </p:childTnLst>
+                          </p:cTn>
+                        </p:par>
+                      </p:childTnLst>
+                    </p:cTn>
+                  </p:par>
+                  <p:par>
+                    <p:cTn id="23" fill="hold">
+                      <p:stCondLst>
+                        <p:cond delay="indefinite"/>
+                      </p:stCondLst>
+                      <p:childTnLst>
+                        <p:par>
+                          <p:cTn id="24" fill="hold">
+                            <p:stCondLst>
+                              <p:cond delay="0"/>
+                            </p:stCondLst>
+                            <p:childTnLst>
+                              <p:par>
+                                <p:cTn id="25" presetID="10" presetClass="entr" presetSubtype="0" fill="hold" grpId="0" nodeType="clickEffect">
+                                  <p:stCondLst>
+                                    <p:cond delay="0"/>
+                                  </p:stCondLst>
+                                  <p:childTnLst>
+                                    <p:set>
+                                      <p:cBhvr>
+                                        <p:cTn id="26" dur="1" fill="hold">
+                                          <p:stCondLst>
+                                            <p:cond delay="0"/>
+                                          </p:stCondLst>
+                                        </p:cTn>
+                                        <p:tgtEl>
+                                          <p:spTgt spid="3">
+                                            <p:txEl>
+                                              <p:pRg st="5" end="5"/>
+                                            </p:txEl>
+                                          </p:spTgt>
+                                        </p:tgtEl>
+                                        <p:attrNameLst>
+                                          <p:attrName>style.visibility</p:attrName>
+                                        </p:attrNameLst>
+                                      </p:cBhvr>
+                                      <p:to>
+                                        <p:strVal val="visible"/>
+                                      </p:to>
+                                    </p:set>
+                                    <p:animEffect transition="in" filter="fade">
+                                      <p:cBhvr>
+                                        <p:cTn id="27" dur="250"/>
+                                        <p:tgtEl>
+                                          <p:spTgt spid="3">
+                                            <p:txEl>
+                                              <p:pRg st="5" end="5"/>
+                                            </p:txEl>
+                                          </p:spTgt>
+                                        </p:tgtEl>
+                                      </p:cBhvr>
+                                    </p:animEffect>
+                                  </p:childTnLst>
+                                </p:cTn>
+                              </p:par>
+                              <p:par>
+                                <p:cTn id="28" presetID="10" presetClass="entr" presetSubtype="0" fill="hold" grpId="0" nodeType="withEffect">
+                                  <p:stCondLst>
+                                    <p:cond delay="0"/>
+                                  </p:stCondLst>
+                                  <p:childTnLst>
+                                    <p:set>
+                                      <p:cBhvr>
+                                        <p:cTn id="29" dur="1" fill="hold">
+                                          <p:stCondLst>
+                                            <p:cond delay="0"/>
+                                          </p:stCondLst>
+                                        </p:cTn>
+                                        <p:tgtEl>
+                                          <p:spTgt spid="3">
+                                            <p:txEl>
+                                              <p:pRg st="6" end="6"/>
+                                            </p:txEl>
+                                          </p:spTgt>
+                                        </p:tgtEl>
+                                        <p:attrNameLst>
+                                          <p:attrName>style.visibility</p:attrName>
+                                        </p:attrNameLst>
+                                      </p:cBhvr>
+                                      <p:to>
+                                        <p:strVal val="visible"/>
+                                      </p:to>
+                                    </p:set>
+                                    <p:animEffect transition="in" filter="fade">
+                                      <p:cBhvr>
+                                        <p:cTn id="30" dur="250"/>
+                                        <p:tgtEl>
+                                          <p:spTgt spid="3">
+                                            <p:txEl>
+                                              <p:pRg st="6" end="6"/>
+                                            </p:txEl>
+                                          </p:spTgt>
+                                        </p:tgtEl>
+                                      </p:cBhvr>
+                                    </p:animEffect>
+                                  </p:childTnLst>
+                                </p:cTn>
+                              </p:par>
+                              <p:par>
+                                <p:cTn id="31" presetID="10" presetClass="entr" presetSubtype="0" fill="hold" grpId="0" nodeType="withEffect">
+                                  <p:stCondLst>
+                                    <p:cond delay="0"/>
+                                  </p:stCondLst>
+                                  <p:childTnLst>
+                                    <p:set>
+                                      <p:cBhvr>
+                                        <p:cTn id="32" dur="1" fill="hold">
+                                          <p:stCondLst>
+                                            <p:cond delay="0"/>
+                                          </p:stCondLst>
+                                        </p:cTn>
+                                        <p:tgtEl>
+                                          <p:spTgt spid="3">
+                                            <p:txEl>
+                                              <p:pRg st="7" end="7"/>
+                                            </p:txEl>
+                                          </p:spTgt>
+                                        </p:tgtEl>
+                                        <p:attrNameLst>
+                                          <p:attrName>style.visibility</p:attrName>
+                                        </p:attrNameLst>
+                                      </p:cBhvr>
+                                      <p:to>
+                                        <p:strVal val="visible"/>
+                                      </p:to>
+                                    </p:set>
+                                    <p:animEffect transition="in" filter="fade">
+                                      <p:cBhvr>
+                                        <p:cTn id="33" dur="250"/>
+                                        <p:tgtEl>
+                                          <p:spTgt spid="3">
+                                            <p:txEl>
+                                              <p:pRg st="7" end="7"/>
+                                            </p:txEl>
+                                          </p:spTgt>
+                                        </p:tgtEl>
+                                      </p:cBhvr>
+                                    </p:animEffect>
+                                  </p:childTnLst>
+                                </p:cTn>
+                              </p:par>
+                              <p:par>
+                                <p:cTn id="34" presetID="10" presetClass="entr" presetSubtype="0" fill="hold" grpId="0" nodeType="withEffect">
+                                  <p:stCondLst>
+                                    <p:cond delay="0"/>
+                                  </p:stCondLst>
+                                  <p:childTnLst>
+                                    <p:set>
+                                      <p:cBhvr>
+                                        <p:cTn id="35" dur="1" fill="hold">
+                                          <p:stCondLst>
+                                            <p:cond delay="0"/>
+                                          </p:stCondLst>
+                                        </p:cTn>
+                                        <p:tgtEl>
+                                          <p:spTgt spid="3">
+                                            <p:txEl>
+                                              <p:pRg st="8" end="8"/>
+                                            </p:txEl>
+                                          </p:spTgt>
+                                        </p:tgtEl>
+                                        <p:attrNameLst>
+                                          <p:attrName>style.visibility</p:attrName>
+                                        </p:attrNameLst>
+                                      </p:cBhvr>
+                                      <p:to>
+                                        <p:strVal val="visible"/>
+                                      </p:to>
+                                    </p:set>
+                                    <p:animEffect transition="in" filter="fade">
+                                      <p:cBhvr>
+                                        <p:cTn id="36" dur="250"/>
+                                        <p:tgtEl>
+                                          <p:spTgt spid="3">
+                                            <p:txEl>
+                                              <p:pRg st="8" end="8"/>
+                                            </p:txEl>
+                                          </p:spTgt>
+                                        </p:tgtEl>
+                                      </p:cBhvr>
+                                    </p:animEffect>
+                                  </p:childTnLst>
+                                </p:cTn>
+                              </p:par>
+                              <p:par>
+                                <p:cTn id="37" presetID="10" presetClass="entr" presetSubtype="0" fill="hold" grpId="0" nodeType="withEffect">
+                                  <p:stCondLst>
+                                    <p:cond delay="0"/>
+                                  </p:stCondLst>
+                                  <p:childTnLst>
+                                    <p:set>
+                                      <p:cBhvr>
+                                        <p:cTn id="38" dur="1" fill="hold">
+                                          <p:stCondLst>
+                                            <p:cond delay="0"/>
+                                          </p:stCondLst>
+                                        </p:cTn>
+                                        <p:tgtEl>
+                                          <p:spTgt spid="3">
+                                            <p:txEl>
+                                              <p:pRg st="9" end="9"/>
+                                            </p:txEl>
+                                          </p:spTgt>
+                                        </p:tgtEl>
+                                        <p:attrNameLst>
+                                          <p:attrName>style.visibility</p:attrName>
+                                        </p:attrNameLst>
+                                      </p:cBhvr>
+                                      <p:to>
+                                        <p:strVal val="visible"/>
+                                      </p:to>
+                                    </p:set>
+                                    <p:animEffect transition="in" filter="fade">
+                                      <p:cBhvr>
+                                        <p:cTn id="39" dur="250"/>
+                                        <p:tgtEl>
+                                          <p:spTgt spid="3">
+                                            <p:txEl>
+                                              <p:pRg st="9" end="9"/>
+                                            </p:txEl>
+                                          </p:spTgt>
+                                        </p:tgtEl>
+                                      </p:cBhvr>
+                                    </p:animEffect>
+                                  </p:childTnLst>
+                                </p:cTn>
+                              </p:par>
+                            </p:childTnLst>
+                          </p:cTn>
+                        </p:par>
+                      </p:childTnLst>
+                    </p:cTn>
+                  </p:par>
+                </p:childTnLst>
+              </p:cTn>
+              <p:prevCondLst>
+                <p:cond evt="onPrev" delay="0">
+                  <p:tgtEl>
+                    <p:sldTgt/>
+                  </p:tgtEl>
+                </p:cond>
+              </p:prevCondLst>
+              <p:nextCondLst>
+                <p:cond evt="onNext" delay="0">
+                  <p:tgtEl>
+                    <p:sldTgt/>
+                  </p:tgtEl>
+                </p:cond>
+              </p:nextCondLst>
+            </p:seq>
+          </p:childTnLst>
+        </p:cTn>
+      </p:par>
+    </p:tnLst>
+    <p:bldLst>
+      <p:bldP spid="3" grpId="0" build="p"/>
+    </p:bldLst>
+  </p:timing>
+</p:sld>
+</file>
+
+<file path=ppt/slides/slide14.xml><?xml version="1.0" encoding="utf-8"?>
+<p:sld xmlns:a="http://schemas.openxmlformats.org/drawingml/2006/main" xmlns:r="http://schemas.openxmlformats.org/officeDocument/2006/relationships" xmlns:p="http://schemas.openxmlformats.org/presentationml/2006/main" show="0">
+  <p:cSld>
+    <p:spTree>
+      <p:nvGrpSpPr>
+        <p:cNvPr id="1" name=""/>
+        <p:cNvGrpSpPr/>
+        <p:nvPr/>
+      </p:nvGrpSpPr>
+      <p:grpSpPr>
+        <a:xfrm>
+          <a:off x="0" y="0"/>
+          <a:ext cx="0" cy="0"/>
+          <a:chOff x="0" y="0"/>
+          <a:chExt cx="0" cy="0"/>
+        </a:xfrm>
+      </p:grpSpPr>
+      <p:sp>
+        <p:nvSpPr>
+          <p:cNvPr id="2" name="Title 1"/>
+          <p:cNvSpPr>
+            <a:spLocks noGrp="1"/>
+          </p:cNvSpPr>
+          <p:nvPr>
+            <p:ph type="title"/>
+          </p:nvPr>
+        </p:nvSpPr>
+        <p:spPr/>
+        <p:txBody>
+          <a:bodyPr/>
+          <a:lstStyle/>
+          <a:p>
+            <a:r>
+              <a:rPr lang="hr-HR" sz="3200" dirty="0" smtClean="0"/>
+              <a:t>Osnovni uvjeti za obavljanje ugostiteljske djelatnosti</a:t>
+            </a:r>
+            <a:endParaRPr lang="hr-HR" sz="3400" b="1" i="1" dirty="0"/>
+          </a:p>
+        </p:txBody>
+      </p:sp>
+      <p:sp>
+        <p:nvSpPr>
+          <p:cNvPr id="3" name="Content Placeholder 2"/>
+          <p:cNvSpPr>
+            <a:spLocks noGrp="1"/>
+          </p:cNvSpPr>
+          <p:nvPr>
+            <p:ph idx="1"/>
+          </p:nvPr>
+        </p:nvSpPr>
+        <p:spPr>
+          <a:xfrm>
+            <a:off x="0" y="551556"/>
+            <a:ext cx="9144000" cy="6381328"/>
+          </a:xfrm>
+        </p:spPr>
+        <p:txBody>
+          <a:bodyPr>
+            <a:noAutofit/>
+          </a:bodyPr>
+          <a:lstStyle/>
+          <a:p>
+            <a:r>
+              <a:rPr lang="hr-HR" dirty="0" smtClean="0"/>
               <a:t>niz predradnji prije otvaranja </a:t>
             </a:r>
             <a:r>
@@ -7205,13 +9453,13 @@
   <p:clrMapOvr>
     <a:masterClrMapping/>
   </p:clrMapOvr>
-  <mc:AlternateContent xmlns:mc="http://schemas.openxmlformats.org/markup-compatibility/2006" xmlns:p14="http://schemas.microsoft.com/office/powerpoint/2010/main">
-    <mc:Choice Requires="p14">
+  <mc:AlternateContent xmlns:mc="http://schemas.openxmlformats.org/markup-compatibility/2006">
+    <mc:Choice xmlns:p14="http://schemas.microsoft.com/office/powerpoint/2010/main" Requires="p14">
       <p:transition>
         <p14:reveal/>
       </p:transition>
     </mc:Choice>
-    <mc:Fallback xmlns="">
+    <mc:Fallback>
       <p:transition>
         <p:fade/>
       </p:transition>
@@ -10907,7 +13155,7 @@
           <a:p>
             <a:pPr lvl="2"/>
             <a:r>
-              <a:rPr lang="hr-HR" sz="2400" b="1" u="sng" dirty="0" smtClean="0">
+              <a:rPr lang="hr-HR" sz="2400" b="1" dirty="0" smtClean="0">
                 <a:highlight>
                   <a:srgbClr val="FFFF00"/>
                 </a:highlight>
@@ -10917,15 +13165,15 @@
               <a:t>dnevne</a:t>
             </a:r>
             <a:r>
-              <a:rPr lang="hr-HR" sz="2800" u="sng" dirty="0" smtClean="0"/>
+              <a:rPr lang="hr-HR" sz="2800" dirty="0" smtClean="0"/>
               <a:t> </a:t>
             </a:r>
             <a:r>
-              <a:rPr lang="hr-HR" sz="2400" u="sng" dirty="0" smtClean="0"/>
+              <a:rPr lang="hr-HR" sz="2400" dirty="0" smtClean="0"/>
               <a:t>(6 – 22 sata) i </a:t>
             </a:r>
             <a:r>
-              <a:rPr lang="hr-HR" sz="2400" b="1" u="sng" dirty="0" smtClean="0">
+              <a:rPr lang="hr-HR" sz="2400" b="1" dirty="0" smtClean="0">
                 <a:highlight>
                   <a:srgbClr val="FFFF00"/>
                 </a:highlight>
@@ -10935,7 +13183,7 @@
               <a:t>noćne</a:t>
             </a:r>
             <a:r>
-              <a:rPr lang="hr-HR" sz="2400" u="sng" dirty="0" smtClean="0"/>
+              <a:rPr lang="hr-HR" sz="2400" dirty="0" smtClean="0"/>
               <a:t> barove (21 – 4 sata)</a:t>
             </a:r>
           </a:p>

--- a/data/prezentacije/organizacija/005_Podjela_ugostiteljstva.pptx
+++ b/data/prezentacije/organizacija/005_Podjela_ugostiteljstva.pptx
@@ -5,10 +5,10 @@
     <p:sldMasterId id="2147483660" r:id="rId1"/>
   </p:sldMasterIdLst>
   <p:notesMasterIdLst>
-    <p:notesMasterId r:id="rId16"/>
+    <p:notesMasterId r:id="rId25"/>
   </p:notesMasterIdLst>
   <p:handoutMasterIdLst>
-    <p:handoutMasterId r:id="rId17"/>
+    <p:handoutMasterId r:id="rId26"/>
   </p:handoutMasterIdLst>
   <p:sldIdLst>
     <p:sldId id="462" r:id="rId2"/>
@@ -22,9 +22,18 @@
     <p:sldId id="460" r:id="rId10"/>
     <p:sldId id="461" r:id="rId11"/>
     <p:sldId id="463" r:id="rId12"/>
-    <p:sldId id="464" r:id="rId13"/>
-    <p:sldId id="452" r:id="rId14"/>
-    <p:sldId id="453" r:id="rId15"/>
+    <p:sldId id="471" r:id="rId13"/>
+    <p:sldId id="472" r:id="rId14"/>
+    <p:sldId id="473" r:id="rId15"/>
+    <p:sldId id="464" r:id="rId16"/>
+    <p:sldId id="466" r:id="rId17"/>
+    <p:sldId id="469" r:id="rId18"/>
+    <p:sldId id="467" r:id="rId19"/>
+    <p:sldId id="470" r:id="rId20"/>
+    <p:sldId id="468" r:id="rId21"/>
+    <p:sldId id="465" r:id="rId22"/>
+    <p:sldId id="452" r:id="rId23"/>
+    <p:sldId id="453" r:id="rId24"/>
   </p:sldIdLst>
   <p:sldSz cx="9144000" cy="6858000" type="screen4x3"/>
   <p:notesSz cx="6858000" cy="9144000"/>
@@ -239,7 +248,7 @@
             <a:fld id="{FCB922A3-0C2E-4D94-AFF5-90A2C0AB44AC}" type="datetimeFigureOut">
               <a:rPr lang="hr-HR" smtClean="0"/>
               <a:pPr/>
-              <a:t>9.10.2017.</a:t>
+              <a:t>10.10.2017.</a:t>
             </a:fld>
             <a:endParaRPr lang="hr-HR"/>
           </a:p>
@@ -406,7 +415,7 @@
             <a:fld id="{1542121D-D7BC-4175-A702-9B7BBD6019B1}" type="datetimeFigureOut">
               <a:rPr lang="sr-Latn-CS" smtClean="0"/>
               <a:pPr/>
-              <a:t>9.10.2017.</a:t>
+              <a:t>10.10.2017.</a:t>
             </a:fld>
             <a:endParaRPr lang="hr-HR"/>
           </a:p>
@@ -867,7 +876,7 @@
             <a:fld id="{FDC1A071-2A74-455A-A49A-8BB21E4AC2F6}" type="datetimeFigureOut">
               <a:rPr lang="sr-Latn-CS" smtClean="0"/>
               <a:pPr/>
-              <a:t>9.10.2017.</a:t>
+              <a:t>10.10.2017.</a:t>
             </a:fld>
             <a:endParaRPr lang="hr-HR"/>
           </a:p>
@@ -1145,7 +1154,7 @@
             <a:fld id="{FDC1A071-2A74-455A-A49A-8BB21E4AC2F6}" type="datetimeFigureOut">
               <a:rPr lang="sr-Latn-CS" smtClean="0"/>
               <a:pPr/>
-              <a:t>9.10.2017.</a:t>
+              <a:t>10.10.2017.</a:t>
             </a:fld>
             <a:endParaRPr lang="hr-HR"/>
           </a:p>
@@ -1336,7 +1345,7 @@
             <a:fld id="{FDC1A071-2A74-455A-A49A-8BB21E4AC2F6}" type="datetimeFigureOut">
               <a:rPr lang="sr-Latn-CS" smtClean="0"/>
               <a:pPr/>
-              <a:t>9.10.2017.</a:t>
+              <a:t>10.10.2017.</a:t>
             </a:fld>
             <a:endParaRPr lang="hr-HR"/>
           </a:p>
@@ -1537,7 +1546,7 @@
             <a:fld id="{FDC1A071-2A74-455A-A49A-8BB21E4AC2F6}" type="datetimeFigureOut">
               <a:rPr lang="sr-Latn-CS" smtClean="0"/>
               <a:pPr/>
-              <a:t>9.10.2017.</a:t>
+              <a:t>10.10.2017.</a:t>
             </a:fld>
             <a:endParaRPr lang="hr-HR"/>
           </a:p>
@@ -2167,7 +2176,7 @@
             <a:fld id="{FDC1A071-2A74-455A-A49A-8BB21E4AC2F6}" type="datetimeFigureOut">
               <a:rPr lang="sr-Latn-CS" smtClean="0"/>
               <a:pPr/>
-              <a:t>9.10.2017.</a:t>
+              <a:t>10.10.2017.</a:t>
             </a:fld>
             <a:endParaRPr lang="hr-HR"/>
           </a:p>
@@ -2476,7 +2485,7 @@
             <a:fld id="{FDC1A071-2A74-455A-A49A-8BB21E4AC2F6}" type="datetimeFigureOut">
               <a:rPr lang="sr-Latn-CS" smtClean="0"/>
               <a:pPr/>
-              <a:t>9.10.2017.</a:t>
+              <a:t>10.10.2017.</a:t>
             </a:fld>
             <a:endParaRPr lang="hr-HR"/>
           </a:p>
@@ -2919,7 +2928,7 @@
             <a:fld id="{FDC1A071-2A74-455A-A49A-8BB21E4AC2F6}" type="datetimeFigureOut">
               <a:rPr lang="sr-Latn-CS" smtClean="0"/>
               <a:pPr/>
-              <a:t>9.10.2017.</a:t>
+              <a:t>10.10.2017.</a:t>
             </a:fld>
             <a:endParaRPr lang="hr-HR"/>
           </a:p>
@@ -3058,7 +3067,7 @@
             <a:fld id="{FDC1A071-2A74-455A-A49A-8BB21E4AC2F6}" type="datetimeFigureOut">
               <a:rPr lang="sr-Latn-CS" smtClean="0"/>
               <a:pPr/>
-              <a:t>9.10.2017.</a:t>
+              <a:t>10.10.2017.</a:t>
             </a:fld>
             <a:endParaRPr lang="hr-HR"/>
           </a:p>
@@ -3174,7 +3183,7 @@
             <a:fld id="{FDC1A071-2A74-455A-A49A-8BB21E4AC2F6}" type="datetimeFigureOut">
               <a:rPr lang="sr-Latn-CS" smtClean="0"/>
               <a:pPr/>
-              <a:t>9.10.2017.</a:t>
+              <a:t>10.10.2017.</a:t>
             </a:fld>
             <a:endParaRPr lang="hr-HR"/>
           </a:p>
@@ -3472,7 +3481,7 @@
             <a:fld id="{FDC1A071-2A74-455A-A49A-8BB21E4AC2F6}" type="datetimeFigureOut">
               <a:rPr lang="sr-Latn-CS" smtClean="0"/>
               <a:pPr/>
-              <a:t>9.10.2017.</a:t>
+              <a:t>10.10.2017.</a:t>
             </a:fld>
             <a:endParaRPr lang="hr-HR"/>
           </a:p>
@@ -5724,7 +5733,7 @@
               <a:t>– vrsta bara koji nudi usluge </a:t>
             </a:r>
             <a:r>
-              <a:rPr lang="hr-HR" dirty="0">
+              <a:rPr lang="hr-HR" dirty="0" smtClean="0">
                 <a:highlight>
                   <a:srgbClr val="FFFF00"/>
                 </a:highlight>
@@ -5735,7 +5744,7 @@
             </a:r>
             <a:r>
               <a:rPr lang="hr-HR" dirty="0" smtClean="0"/>
-              <a:t> (najkvalitetnije iz usluge pića) i </a:t>
+              <a:t> i </a:t>
             </a:r>
             <a:r>
               <a:rPr lang="hr-HR" dirty="0">
@@ -5770,7 +5779,7 @@
             </a:r>
             <a:r>
               <a:rPr lang="hr-HR" dirty="0" smtClean="0"/>
-              <a:t>, posebno su zastupljeni viskiji, konjaci, najpoznatiji likeri, izvrsna francuska vina te razna miješana pića</a:t>
+              <a:t>, posebno su zastupljeni viskiji, konjaci, najpoznatiji likeri, vrhunska francuska vina te razna miješana pića</a:t>
             </a:r>
           </a:p>
           <a:p>
@@ -5921,7 +5930,7 @@
         </p:blipFill>
         <p:spPr bwMode="auto">
           <a:xfrm>
-            <a:off x="4335902" y="3139029"/>
+            <a:off x="4335902" y="2924944"/>
             <a:ext cx="4735109" cy="2927514"/>
           </a:xfrm>
           <a:prstGeom prst="rect">
@@ -6385,11 +6394,7 @@
           <a:p>
             <a:r>
               <a:rPr lang="hr-HR" sz="3200" dirty="0" smtClean="0"/>
-              <a:t>Restauracija </a:t>
-            </a:r>
-            <a:r>
-              <a:rPr lang="hr-HR" sz="3200" dirty="0" smtClean="0"/>
-              <a:t>bar</a:t>
+              <a:t>Restauracija bar</a:t>
             </a:r>
             <a:endParaRPr lang="hr-HR" sz="3400" b="1" i="1" dirty="0"/>
           </a:p>
@@ -6432,11 +6437,7 @@
             </a:r>
             <a:r>
               <a:rPr lang="hr-HR" dirty="0" smtClean="0"/>
-              <a:t>– vrsta bara koji </a:t>
-            </a:r>
-            <a:r>
-              <a:rPr lang="hr-HR" dirty="0" smtClean="0"/>
-              <a:t>se nalazi </a:t>
+              <a:t>– vrsta bara koji se nalazi </a:t>
             </a:r>
             <a:r>
               <a:rPr lang="hr-HR" dirty="0">
@@ -6477,14 +6478,14 @@
               <a:t>putu između kuhinje i </a:t>
             </a:r>
             <a:r>
-              <a:rPr lang="hr-HR" dirty="0" err="1">
+              <a:rPr lang="hr-HR" dirty="0" smtClean="0">
                 <a:highlight>
                   <a:srgbClr val="FFFF00"/>
                 </a:highlight>
                 <a:ea typeface="Calibri"/>
                 <a:cs typeface="Times New Roman"/>
               </a:rPr>
-              <a:t>blagavaonice</a:t>
+              <a:t>blagovaonice</a:t>
             </a:r>
             <a:endParaRPr lang="hr-HR" dirty="0">
               <a:highlight>
@@ -6524,9 +6525,26 @@
             </a:pPr>
             <a:r>
               <a:rPr lang="hr-HR" dirty="0" smtClean="0"/>
-              <a:t>pogodan je kao mjesto za pričekati dok se ne oslobodi stol u blagovaonici</a:t>
-            </a:r>
-            <a:endParaRPr lang="hr-HR" dirty="0" smtClean="0"/>
+              <a:t>pogodan je kao </a:t>
+            </a:r>
+            <a:r>
+              <a:rPr lang="hr-HR" dirty="0">
+                <a:highlight>
+                  <a:srgbClr val="FFFF00"/>
+                </a:highlight>
+                <a:ea typeface="Calibri"/>
+                <a:cs typeface="Times New Roman"/>
+              </a:rPr>
+              <a:t>mjesto za pričekati</a:t>
+            </a:r>
+            <a:r>
+              <a:rPr lang="hr-HR" dirty="0"/>
+              <a:t> </a:t>
+            </a:r>
+            <a:r>
+              <a:rPr lang="hr-HR" dirty="0" smtClean="0"/>
+              <a:t>dok se ne oslobodi stol u blagovaonici</a:t>
+            </a:r>
           </a:p>
           <a:p>
             <a:pPr>
@@ -6536,11 +6554,7 @@
             </a:pPr>
             <a:r>
               <a:rPr lang="hr-HR" dirty="0" smtClean="0"/>
-              <a:t>radno </a:t>
-            </a:r>
-            <a:r>
-              <a:rPr lang="hr-HR" dirty="0" smtClean="0"/>
-              <a:t>vrijeme </a:t>
+              <a:t>radno vrijeme </a:t>
             </a:r>
             <a:r>
               <a:rPr lang="hr-HR" dirty="0">
@@ -6864,12 +6878,6 @@
               </a:rPr>
               <a:t>BLAGOVAONICA</a:t>
             </a:r>
-            <a:endParaRPr lang="hr-HR" sz="3200" b="1" dirty="0" smtClean="0">
-              <a:solidFill>
-                <a:srgbClr val="0070C0"/>
-              </a:solidFill>
-              <a:latin typeface="+mj-lt"/>
-            </a:endParaRPr>
           </a:p>
         </p:txBody>
       </p:sp>
@@ -6935,12 +6943,6 @@
               </a:rPr>
               <a:t>KUHINJA</a:t>
             </a:r>
-            <a:endParaRPr lang="hr-HR" sz="2800" b="1" dirty="0" smtClean="0">
-              <a:solidFill>
-                <a:srgbClr val="37870B"/>
-              </a:solidFill>
-              <a:latin typeface="+mj-lt"/>
-            </a:endParaRPr>
           </a:p>
         </p:txBody>
       </p:sp>
@@ -7285,12 +7287,6 @@
               </a:rPr>
               <a:t>BAR</a:t>
             </a:r>
-            <a:endParaRPr lang="hr-HR" sz="2000" b="1" dirty="0" smtClean="0">
-              <a:solidFill>
-                <a:srgbClr val="FF0000"/>
-              </a:solidFill>
-              <a:latin typeface="+mj-lt"/>
-            </a:endParaRPr>
           </a:p>
         </p:txBody>
       </p:sp>
@@ -8010,7 +8006,1250 @@
 </file>
 
 <file path=ppt/slides/slide12.xml><?xml version="1.0" encoding="utf-8"?>
-<p:sld xmlns:a="http://schemas.openxmlformats.org/drawingml/2006/main" xmlns:r="http://schemas.openxmlformats.org/officeDocument/2006/relationships" xmlns:p="http://schemas.openxmlformats.org/presentationml/2006/main" show="0">
+<p:sld xmlns:a="http://schemas.openxmlformats.org/drawingml/2006/main" xmlns:r="http://schemas.openxmlformats.org/officeDocument/2006/relationships" xmlns:p="http://schemas.openxmlformats.org/presentationml/2006/main">
+  <p:cSld>
+    <p:spTree>
+      <p:nvGrpSpPr>
+        <p:cNvPr id="1" name=""/>
+        <p:cNvGrpSpPr/>
+        <p:nvPr/>
+      </p:nvGrpSpPr>
+      <p:grpSpPr>
+        <a:xfrm>
+          <a:off x="0" y="0"/>
+          <a:ext cx="0" cy="0"/>
+          <a:chOff x="0" y="0"/>
+          <a:chExt cx="0" cy="0"/>
+        </a:xfrm>
+      </p:grpSpPr>
+      <p:sp>
+        <p:nvSpPr>
+          <p:cNvPr id="2" name="Title 1"/>
+          <p:cNvSpPr>
+            <a:spLocks noGrp="1"/>
+          </p:cNvSpPr>
+          <p:nvPr>
+            <p:ph type="title"/>
+          </p:nvPr>
+        </p:nvSpPr>
+        <p:spPr>
+          <a:xfrm>
+            <a:off x="142844" y="-64223"/>
+            <a:ext cx="9001156" cy="642942"/>
+          </a:xfrm>
+        </p:spPr>
+        <p:txBody>
+          <a:bodyPr/>
+          <a:lstStyle/>
+          <a:p>
+            <a:r>
+              <a:rPr lang="hr-HR" sz="3200" dirty="0" smtClean="0"/>
+              <a:t>Barovi</a:t>
+            </a:r>
+            <a:r>
+              <a:rPr lang="hr-HR" sz="3600" dirty="0" smtClean="0"/>
+              <a:t>							</a:t>
+            </a:r>
+            <a:r>
+              <a:rPr lang="hr-HR" sz="2400" i="1" dirty="0" smtClean="0"/>
+              <a:t>(plan ploče)</a:t>
+            </a:r>
+            <a:endParaRPr lang="hr-HR" sz="2400" i="1" dirty="0"/>
+          </a:p>
+        </p:txBody>
+      </p:sp>
+      <p:sp>
+        <p:nvSpPr>
+          <p:cNvPr id="3" name="Content Placeholder 2"/>
+          <p:cNvSpPr>
+            <a:spLocks noGrp="1"/>
+          </p:cNvSpPr>
+          <p:nvPr>
+            <p:ph idx="1"/>
+          </p:nvPr>
+        </p:nvSpPr>
+        <p:spPr/>
+        <p:txBody>
+          <a:bodyPr>
+            <a:noAutofit/>
+          </a:bodyPr>
+          <a:lstStyle/>
+          <a:p>
+            <a:r>
+              <a:rPr lang="hr-HR" sz="2200" dirty="0"/>
+              <a:t>barovi uključuju objekte koji pružaju </a:t>
+            </a:r>
+            <a:r>
+              <a:rPr lang="hr-HR" sz="2200" b="1" dirty="0">
+                <a:solidFill>
+                  <a:srgbClr val="FF0000"/>
+                </a:solidFill>
+              </a:rPr>
+              <a:t>usluge pića, napitaka</a:t>
+            </a:r>
+            <a:r>
+              <a:rPr lang="hr-HR" sz="2200" dirty="0"/>
+              <a:t> i </a:t>
+            </a:r>
+            <a:r>
+              <a:rPr lang="hr-HR" sz="2200" b="1" dirty="0">
+                <a:solidFill>
+                  <a:srgbClr val="FF0000"/>
+                </a:solidFill>
+              </a:rPr>
+              <a:t>zabave</a:t>
+            </a:r>
+          </a:p>
+          <a:p>
+            <a:pPr>
+              <a:spcBef>
+                <a:spcPts val="1200"/>
+              </a:spcBef>
+            </a:pPr>
+            <a:r>
+              <a:rPr lang="hr-HR" sz="2200" b="1" dirty="0">
+                <a:solidFill>
+                  <a:srgbClr val="FF0000"/>
+                </a:solidFill>
+              </a:rPr>
+              <a:t>BAROVE SAČINJAVAJU</a:t>
+            </a:r>
+            <a:r>
+              <a:rPr lang="hr-HR" sz="2200" dirty="0"/>
+              <a:t>:</a:t>
+            </a:r>
+          </a:p>
+          <a:p>
+            <a:pPr lvl="1">
+              <a:spcBef>
+                <a:spcPts val="300"/>
+              </a:spcBef>
+            </a:pPr>
+            <a:r>
+              <a:rPr lang="hr-HR" sz="2200" dirty="0"/>
+              <a:t>noćni barovi</a:t>
+            </a:r>
+          </a:p>
+          <a:p>
+            <a:pPr lvl="1">
+              <a:spcBef>
+                <a:spcPts val="300"/>
+              </a:spcBef>
+            </a:pPr>
+            <a:r>
+              <a:rPr lang="hr-HR" sz="2200" dirty="0"/>
+              <a:t>noćni klubovi</a:t>
+            </a:r>
+          </a:p>
+          <a:p>
+            <a:pPr lvl="1">
+              <a:spcBef>
+                <a:spcPts val="300"/>
+              </a:spcBef>
+            </a:pPr>
+            <a:r>
+              <a:rPr lang="hr-HR" sz="2200" dirty="0" err="1"/>
+              <a:t>disco</a:t>
+            </a:r>
+            <a:r>
+              <a:rPr lang="hr-HR" sz="2200" dirty="0"/>
+              <a:t>-barovi</a:t>
+            </a:r>
+          </a:p>
+          <a:p>
+            <a:pPr lvl="1">
+              <a:spcBef>
+                <a:spcPts val="300"/>
+              </a:spcBef>
+            </a:pPr>
+            <a:r>
+              <a:rPr lang="hr-HR" sz="2200" dirty="0" err="1"/>
+              <a:t>caffe</a:t>
+            </a:r>
+            <a:r>
+              <a:rPr lang="hr-HR" sz="2200" dirty="0"/>
+              <a:t>-barovi</a:t>
+            </a:r>
+          </a:p>
+          <a:p>
+            <a:pPr lvl="1">
+              <a:spcBef>
+                <a:spcPts val="300"/>
+              </a:spcBef>
+            </a:pPr>
+            <a:r>
+              <a:rPr lang="hr-HR" sz="2200" dirty="0" err="1"/>
+              <a:t>cyber</a:t>
+            </a:r>
+            <a:r>
+              <a:rPr lang="hr-HR" sz="2200" dirty="0"/>
+              <a:t>-</a:t>
+            </a:r>
+            <a:r>
+              <a:rPr lang="hr-HR" sz="2200" dirty="0" err="1"/>
+              <a:t>caffe</a:t>
+            </a:r>
+            <a:endParaRPr lang="hr-HR" sz="2200" dirty="0"/>
+          </a:p>
+          <a:p>
+            <a:pPr lvl="1">
+              <a:spcBef>
+                <a:spcPts val="300"/>
+              </a:spcBef>
+            </a:pPr>
+            <a:r>
+              <a:rPr lang="hr-HR" sz="2200" dirty="0" smtClean="0"/>
+              <a:t>kavane</a:t>
+            </a:r>
+          </a:p>
+          <a:p>
+            <a:pPr>
+              <a:spcBef>
+                <a:spcPts val="3000"/>
+              </a:spcBef>
+            </a:pPr>
+            <a:r>
+              <a:rPr lang="hr-HR" sz="2200" b="1" dirty="0" smtClean="0">
+                <a:solidFill>
+                  <a:srgbClr val="FF0000"/>
+                </a:solidFill>
+              </a:rPr>
+              <a:t>bar</a:t>
+            </a:r>
+            <a:r>
+              <a:rPr lang="hr-HR" sz="2200" dirty="0" smtClean="0">
+                <a:solidFill>
+                  <a:srgbClr val="FF0000"/>
+                </a:solidFill>
+              </a:rPr>
+              <a:t> </a:t>
+            </a:r>
+            <a:r>
+              <a:rPr lang="hr-HR" sz="2200" dirty="0"/>
+              <a:t>– vrsta  </a:t>
+            </a:r>
+            <a:r>
+              <a:rPr lang="hr-HR" sz="2200" dirty="0" err="1"/>
+              <a:t>ug</a:t>
+            </a:r>
+            <a:r>
+              <a:rPr lang="hr-HR" sz="2200" dirty="0"/>
+              <a:t>. objekta u koji je </a:t>
+            </a:r>
+            <a:r>
+              <a:rPr lang="hr-HR" sz="2200" dirty="0">
+                <a:highlight>
+                  <a:srgbClr val="FFFF00"/>
+                </a:highlight>
+                <a:ea typeface="Calibri"/>
+                <a:cs typeface="Times New Roman"/>
+              </a:rPr>
+              <a:t>dobrodošao svatko i dostupan je svakome</a:t>
+            </a:r>
+          </a:p>
+          <a:p>
+            <a:pPr>
+              <a:spcBef>
+                <a:spcPts val="1200"/>
+              </a:spcBef>
+            </a:pPr>
+            <a:r>
+              <a:rPr lang="hr-HR" sz="2200" b="1" dirty="0">
+                <a:solidFill>
+                  <a:srgbClr val="FF0000"/>
+                </a:solidFill>
+              </a:rPr>
+              <a:t>klub</a:t>
+            </a:r>
+            <a:r>
+              <a:rPr lang="hr-HR" sz="2200" dirty="0">
+                <a:solidFill>
+                  <a:srgbClr val="FF0000"/>
+                </a:solidFill>
+              </a:rPr>
+              <a:t> </a:t>
+            </a:r>
+            <a:r>
+              <a:rPr lang="hr-HR" sz="2200" dirty="0"/>
+              <a:t>– vrsta </a:t>
+            </a:r>
+            <a:r>
+              <a:rPr lang="hr-HR" sz="2200" dirty="0" err="1"/>
+              <a:t>ug</a:t>
+            </a:r>
+            <a:r>
+              <a:rPr lang="hr-HR" sz="2200" dirty="0"/>
+              <a:t>. objekta koji pruža usluge </a:t>
+            </a:r>
+            <a:r>
+              <a:rPr lang="hr-HR" sz="2200" dirty="0">
+                <a:highlight>
+                  <a:srgbClr val="FFFF00"/>
+                </a:highlight>
+                <a:ea typeface="Calibri"/>
+                <a:cs typeface="Times New Roman"/>
+              </a:rPr>
+              <a:t>samo članovima tog kluba koji plaćaju godišnju članarinu</a:t>
+            </a:r>
+            <a:r>
+              <a:rPr lang="hr-HR" sz="2200" dirty="0"/>
+              <a:t> i imaju </a:t>
+            </a:r>
+            <a:r>
+              <a:rPr lang="hr-HR" sz="2200" dirty="0">
+                <a:highlight>
+                  <a:srgbClr val="FFFF00"/>
+                </a:highlight>
+                <a:ea typeface="Calibri"/>
+                <a:cs typeface="Times New Roman"/>
+              </a:rPr>
+              <a:t>određene privilegije</a:t>
+            </a:r>
+          </a:p>
+          <a:p>
+            <a:pPr>
+              <a:spcBef>
+                <a:spcPts val="300"/>
+              </a:spcBef>
+            </a:pPr>
+            <a:endParaRPr lang="hr-HR" sz="2200" dirty="0"/>
+          </a:p>
+        </p:txBody>
+      </p:sp>
+    </p:spTree>
+    <p:extLst>
+      <p:ext uri="{BB962C8B-B14F-4D97-AF65-F5344CB8AC3E}">
+        <p14:creationId xmlns:p14="http://schemas.microsoft.com/office/powerpoint/2010/main" val="167844798"/>
+      </p:ext>
+    </p:extLst>
+  </p:cSld>
+  <p:clrMapOvr>
+    <a:masterClrMapping/>
+  </p:clrMapOvr>
+  <mc:AlternateContent xmlns:mc="http://schemas.openxmlformats.org/markup-compatibility/2006" xmlns:p14="http://schemas.microsoft.com/office/powerpoint/2010/main">
+    <mc:Choice Requires="p14">
+      <p:transition>
+        <p14:reveal/>
+      </p:transition>
+    </mc:Choice>
+    <mc:Fallback xmlns="">
+      <p:transition>
+        <p:fade/>
+      </p:transition>
+    </mc:Fallback>
+  </mc:AlternateContent>
+  <p:timing>
+    <p:tnLst>
+      <p:par>
+        <p:cTn id="1" dur="indefinite" restart="never" nodeType="tmRoot"/>
+      </p:par>
+    </p:tnLst>
+  </p:timing>
+</p:sld>
+</file>
+
+<file path=ppt/slides/slide13.xml><?xml version="1.0" encoding="utf-8"?>
+<p:sld xmlns:a="http://schemas.openxmlformats.org/drawingml/2006/main" xmlns:r="http://schemas.openxmlformats.org/officeDocument/2006/relationships" xmlns:p="http://schemas.openxmlformats.org/presentationml/2006/main">
+  <p:cSld>
+    <p:spTree>
+      <p:nvGrpSpPr>
+        <p:cNvPr id="1" name=""/>
+        <p:cNvGrpSpPr/>
+        <p:nvPr/>
+      </p:nvGrpSpPr>
+      <p:grpSpPr>
+        <a:xfrm>
+          <a:off x="0" y="0"/>
+          <a:ext cx="0" cy="0"/>
+          <a:chOff x="0" y="0"/>
+          <a:chExt cx="0" cy="0"/>
+        </a:xfrm>
+      </p:grpSpPr>
+      <p:sp>
+        <p:nvSpPr>
+          <p:cNvPr id="2" name="Title 1"/>
+          <p:cNvSpPr>
+            <a:spLocks noGrp="1"/>
+          </p:cNvSpPr>
+          <p:nvPr>
+            <p:ph type="title"/>
+          </p:nvPr>
+        </p:nvSpPr>
+        <p:spPr>
+          <a:xfrm>
+            <a:off x="142844" y="-64223"/>
+            <a:ext cx="9001156" cy="642942"/>
+          </a:xfrm>
+        </p:spPr>
+        <p:txBody>
+          <a:bodyPr/>
+          <a:lstStyle/>
+          <a:p>
+            <a:r>
+              <a:rPr lang="hr-HR" sz="3200" dirty="0" smtClean="0"/>
+              <a:t>Barovi</a:t>
+            </a:r>
+            <a:r>
+              <a:rPr lang="hr-HR" sz="3600" dirty="0" smtClean="0"/>
+              <a:t>							</a:t>
+            </a:r>
+            <a:r>
+              <a:rPr lang="hr-HR" sz="2400" i="1" dirty="0" smtClean="0"/>
+              <a:t>(plan ploče)</a:t>
+            </a:r>
+            <a:endParaRPr lang="hr-HR" sz="2400" i="1" dirty="0"/>
+          </a:p>
+        </p:txBody>
+      </p:sp>
+      <p:sp>
+        <p:nvSpPr>
+          <p:cNvPr id="3" name="Content Placeholder 2"/>
+          <p:cNvSpPr>
+            <a:spLocks noGrp="1"/>
+          </p:cNvSpPr>
+          <p:nvPr>
+            <p:ph idx="1"/>
+          </p:nvPr>
+        </p:nvSpPr>
+        <p:spPr>
+          <a:xfrm>
+            <a:off x="0" y="576064"/>
+            <a:ext cx="9144000" cy="6309320"/>
+          </a:xfrm>
+        </p:spPr>
+        <p:txBody>
+          <a:bodyPr>
+            <a:noAutofit/>
+          </a:bodyPr>
+          <a:lstStyle/>
+          <a:p>
+            <a:r>
+              <a:rPr lang="hr-HR" sz="2200" dirty="0"/>
+              <a:t>dvije osnovne skupine </a:t>
+            </a:r>
+            <a:r>
+              <a:rPr lang="hr-HR" sz="2200" dirty="0" smtClean="0"/>
+              <a:t>barova:</a:t>
+            </a:r>
+          </a:p>
+          <a:p>
+            <a:pPr lvl="1"/>
+            <a:r>
+              <a:rPr lang="hr-HR" sz="2200" dirty="0" smtClean="0"/>
+              <a:t>s </a:t>
+            </a:r>
+            <a:r>
+              <a:rPr lang="hr-HR" sz="2200" dirty="0"/>
+              <a:t>obzirom na </a:t>
+            </a:r>
+            <a:r>
+              <a:rPr lang="hr-HR" sz="2200" b="1" dirty="0">
+                <a:solidFill>
+                  <a:srgbClr val="FF0000"/>
+                </a:solidFill>
+              </a:rPr>
+              <a:t>asortiman usluga </a:t>
+            </a:r>
+            <a:r>
+              <a:rPr lang="hr-HR" sz="2200" dirty="0"/>
+              <a:t>koji </a:t>
+            </a:r>
+            <a:r>
+              <a:rPr lang="hr-HR" sz="2200" dirty="0" smtClean="0"/>
+              <a:t>nude </a:t>
+            </a:r>
+            <a:r>
+              <a:rPr lang="hr-HR" sz="2200" i="1" dirty="0" smtClean="0"/>
+              <a:t>(aperitiv-bar</a:t>
+            </a:r>
+            <a:r>
+              <a:rPr lang="hr-HR" sz="2200" i="1" dirty="0"/>
+              <a:t>, mliječni bar, </a:t>
+            </a:r>
+            <a:r>
+              <a:rPr lang="hr-HR" sz="2200" i="1" dirty="0" err="1"/>
+              <a:t>caffe</a:t>
+            </a:r>
+            <a:r>
+              <a:rPr lang="hr-HR" sz="2200" i="1" dirty="0"/>
+              <a:t>-bar, </a:t>
+            </a:r>
+            <a:r>
+              <a:rPr lang="hr-HR" sz="2200" i="1" dirty="0" err="1"/>
+              <a:t>restaurant</a:t>
+            </a:r>
+            <a:r>
+              <a:rPr lang="hr-HR" sz="2200" i="1" dirty="0"/>
+              <a:t>-</a:t>
+            </a:r>
+            <a:r>
+              <a:rPr lang="hr-HR" sz="2200" i="1" dirty="0" err="1"/>
+              <a:t>bar</a:t>
+            </a:r>
+            <a:r>
+              <a:rPr lang="hr-HR" sz="2200" i="1" dirty="0"/>
+              <a:t>, američki bar i dr</a:t>
+            </a:r>
+            <a:r>
+              <a:rPr lang="hr-HR" sz="2200" i="1" dirty="0" smtClean="0"/>
+              <a:t>.) i </a:t>
+            </a:r>
+          </a:p>
+          <a:p>
+            <a:pPr lvl="1"/>
+            <a:r>
+              <a:rPr lang="hr-HR" sz="2200" dirty="0" smtClean="0"/>
+              <a:t>s </a:t>
+            </a:r>
+            <a:r>
+              <a:rPr lang="hr-HR" sz="2200" dirty="0"/>
+              <a:t>obzirom na </a:t>
+            </a:r>
+            <a:r>
+              <a:rPr lang="hr-HR" sz="2200" b="1" dirty="0">
+                <a:solidFill>
+                  <a:srgbClr val="FF0000"/>
+                </a:solidFill>
+              </a:rPr>
+              <a:t>vrijeme  </a:t>
+            </a:r>
+            <a:r>
+              <a:rPr lang="hr-HR" sz="2200" b="1" dirty="0" smtClean="0">
+                <a:solidFill>
+                  <a:srgbClr val="FF0000"/>
+                </a:solidFill>
+              </a:rPr>
+              <a:t>poslovanja</a:t>
+            </a:r>
+            <a:r>
+              <a:rPr lang="hr-HR" sz="2200" dirty="0"/>
+              <a:t> </a:t>
+            </a:r>
+            <a:r>
+              <a:rPr lang="hr-HR" sz="2200" dirty="0" smtClean="0"/>
+              <a:t>(dnevni i noćni barovi)</a:t>
+            </a:r>
+            <a:endParaRPr lang="hr-HR" sz="2200" dirty="0"/>
+          </a:p>
+          <a:p>
+            <a:pPr lvl="2"/>
+            <a:r>
+              <a:rPr lang="hr-HR" sz="2200" b="1" dirty="0" smtClean="0">
+                <a:highlight>
+                  <a:srgbClr val="FFFF00"/>
+                </a:highlight>
+                <a:ea typeface="Calibri"/>
+                <a:cs typeface="Times New Roman"/>
+              </a:rPr>
+              <a:t>dnevni</a:t>
+            </a:r>
+            <a:r>
+              <a:rPr lang="hr-HR" sz="2200" dirty="0" smtClean="0"/>
+              <a:t> </a:t>
+            </a:r>
+            <a:r>
+              <a:rPr lang="hr-HR" sz="2200" dirty="0"/>
+              <a:t>(6 – 22 sata) i </a:t>
+            </a:r>
+            <a:r>
+              <a:rPr lang="hr-HR" sz="2200" b="1" dirty="0" smtClean="0">
+                <a:highlight>
+                  <a:srgbClr val="FFFF00"/>
+                </a:highlight>
+                <a:ea typeface="Calibri"/>
+                <a:cs typeface="Times New Roman"/>
+              </a:rPr>
+              <a:t>noćni</a:t>
+            </a:r>
+            <a:r>
+              <a:rPr lang="hr-HR" sz="2200" dirty="0" smtClean="0"/>
+              <a:t> bar </a:t>
+            </a:r>
+            <a:r>
+              <a:rPr lang="hr-HR" sz="2200" dirty="0"/>
+              <a:t>(21 – 4 sata)</a:t>
+            </a:r>
+          </a:p>
+          <a:p>
+            <a:pPr>
+              <a:spcBef>
+                <a:spcPts val="1800"/>
+              </a:spcBef>
+            </a:pPr>
+            <a:r>
+              <a:rPr lang="hr-HR" sz="2200" b="1" dirty="0">
+                <a:solidFill>
+                  <a:srgbClr val="FF0000"/>
+                </a:solidFill>
+              </a:rPr>
+              <a:t>dnevni</a:t>
+            </a:r>
+            <a:r>
+              <a:rPr lang="hr-HR" sz="2200" dirty="0">
+                <a:solidFill>
+                  <a:srgbClr val="FF0000"/>
+                </a:solidFill>
+              </a:rPr>
+              <a:t> </a:t>
+            </a:r>
+            <a:r>
+              <a:rPr lang="hr-HR" sz="2200" dirty="0"/>
+              <a:t>barovi – pretežno pružaju </a:t>
+            </a:r>
+            <a:r>
+              <a:rPr lang="hr-HR" sz="2200" dirty="0">
+                <a:highlight>
+                  <a:srgbClr val="FFFF00"/>
+                </a:highlight>
+                <a:ea typeface="Calibri"/>
+                <a:cs typeface="Times New Roman"/>
+              </a:rPr>
+              <a:t>usluge osvježenja</a:t>
+            </a:r>
+            <a:r>
+              <a:rPr lang="hr-HR" sz="2200" dirty="0"/>
+              <a:t> – pića, napitci i manji broj alkoholnih pića</a:t>
+            </a:r>
+          </a:p>
+          <a:p>
+            <a:pPr>
+              <a:spcBef>
+                <a:spcPts val="600"/>
+              </a:spcBef>
+            </a:pPr>
+            <a:r>
+              <a:rPr lang="hr-HR" sz="2200" b="1" dirty="0">
+                <a:solidFill>
+                  <a:srgbClr val="FF0000"/>
+                </a:solidFill>
+              </a:rPr>
+              <a:t>noćni</a:t>
+            </a:r>
+            <a:r>
+              <a:rPr lang="hr-HR" sz="2200" dirty="0">
+                <a:solidFill>
+                  <a:srgbClr val="FF0000"/>
+                </a:solidFill>
+              </a:rPr>
+              <a:t> </a:t>
+            </a:r>
+            <a:r>
+              <a:rPr lang="hr-HR" sz="2200" dirty="0"/>
+              <a:t>barovi – pružaju usluge osvježenja uz </a:t>
+            </a:r>
+            <a:r>
+              <a:rPr lang="hr-HR" sz="2200" dirty="0">
+                <a:highlight>
+                  <a:srgbClr val="FFFF00"/>
+                </a:highlight>
+                <a:ea typeface="Calibri"/>
+                <a:cs typeface="Times New Roman"/>
+              </a:rPr>
+              <a:t>usluge plesa, zabave i razonode, humora</a:t>
+            </a:r>
+            <a:r>
+              <a:rPr lang="hr-HR" sz="2200" dirty="0" smtClean="0">
+                <a:highlight>
+                  <a:srgbClr val="FFFF00"/>
+                </a:highlight>
+                <a:ea typeface="Calibri"/>
+                <a:cs typeface="Times New Roman"/>
+              </a:rPr>
+              <a:t>…</a:t>
+            </a:r>
+          </a:p>
+          <a:p>
+            <a:pPr>
+              <a:spcBef>
+                <a:spcPts val="1800"/>
+              </a:spcBef>
+            </a:pPr>
+            <a:r>
+              <a:rPr lang="hr-HR" sz="2200" b="1" dirty="0">
+                <a:solidFill>
+                  <a:srgbClr val="FF0000"/>
+                </a:solidFill>
+              </a:rPr>
+              <a:t>NOĆNI BAR </a:t>
+            </a:r>
+            <a:r>
+              <a:rPr lang="hr-HR" sz="2200" dirty="0"/>
+              <a:t>– </a:t>
+            </a:r>
+            <a:r>
+              <a:rPr lang="hr-HR" sz="2200" dirty="0" err="1"/>
+              <a:t>ug</a:t>
+            </a:r>
+            <a:r>
+              <a:rPr lang="hr-HR" sz="2200" dirty="0"/>
+              <a:t>. objekt namijenjen </a:t>
+            </a:r>
+            <a:r>
+              <a:rPr lang="hr-HR" sz="2200" dirty="0">
+                <a:highlight>
+                  <a:srgbClr val="FFFF00"/>
+                </a:highlight>
+                <a:ea typeface="Calibri"/>
+                <a:cs typeface="Times New Roman"/>
+              </a:rPr>
+              <a:t>zabavi i razonodi</a:t>
+            </a:r>
+            <a:r>
+              <a:rPr lang="hr-HR" sz="2200" dirty="0"/>
+              <a:t>, većim dijelom </a:t>
+            </a:r>
+            <a:r>
+              <a:rPr lang="hr-HR" sz="2200" b="1" dirty="0">
+                <a:highlight>
+                  <a:srgbClr val="FFFF00"/>
+                </a:highlight>
+                <a:ea typeface="Calibri"/>
+                <a:cs typeface="Times New Roman"/>
+              </a:rPr>
+              <a:t>gostima</a:t>
+            </a:r>
+            <a:r>
+              <a:rPr lang="hr-HR" sz="2200" dirty="0">
+                <a:highlight>
+                  <a:srgbClr val="FFFF00"/>
+                </a:highlight>
+                <a:ea typeface="Calibri"/>
+                <a:cs typeface="Times New Roman"/>
+              </a:rPr>
+              <a:t> </a:t>
+            </a:r>
+            <a:r>
+              <a:rPr lang="hr-HR" sz="2200" b="1" dirty="0">
+                <a:highlight>
+                  <a:srgbClr val="FFFF00"/>
+                </a:highlight>
+                <a:ea typeface="Calibri"/>
+                <a:cs typeface="Times New Roman"/>
+              </a:rPr>
+              <a:t>srednje životne dobi</a:t>
+            </a:r>
+            <a:r>
+              <a:rPr lang="hr-HR" sz="2200" dirty="0"/>
+              <a:t>, u </a:t>
+            </a:r>
+            <a:r>
+              <a:rPr lang="hr-HR" sz="2200" dirty="0">
+                <a:highlight>
+                  <a:srgbClr val="FFFF00"/>
+                </a:highlight>
+                <a:ea typeface="Calibri"/>
+                <a:cs typeface="Times New Roman"/>
+              </a:rPr>
+              <a:t>luksuznom</a:t>
+            </a:r>
+            <a:r>
+              <a:rPr lang="hr-HR" sz="2200" dirty="0"/>
+              <a:t> </a:t>
+            </a:r>
+            <a:r>
+              <a:rPr lang="hr-HR" sz="2200" dirty="0" smtClean="0"/>
+              <a:t>ambijentu </a:t>
+            </a:r>
+            <a:r>
+              <a:rPr lang="hr-HR" sz="2200" i="1" dirty="0" smtClean="0"/>
+              <a:t>(ples, živa glazba, pjesma, zabavni program…)</a:t>
+            </a:r>
+          </a:p>
+          <a:p>
+            <a:pPr>
+              <a:spcBef>
+                <a:spcPts val="1200"/>
+              </a:spcBef>
+            </a:pPr>
+            <a:r>
+              <a:rPr lang="hr-HR" sz="2200" b="1" dirty="0">
+                <a:solidFill>
+                  <a:srgbClr val="FF0000"/>
+                </a:solidFill>
+              </a:rPr>
+              <a:t>DISCO BAR </a:t>
+            </a:r>
+            <a:r>
+              <a:rPr lang="hr-HR" sz="2200" dirty="0"/>
+              <a:t>– </a:t>
+            </a:r>
+            <a:r>
+              <a:rPr lang="hr-HR" sz="2200" dirty="0" err="1"/>
+              <a:t>ug</a:t>
+            </a:r>
+            <a:r>
+              <a:rPr lang="hr-HR" sz="2200" dirty="0"/>
+              <a:t>. objekt koji pruža </a:t>
+            </a:r>
+            <a:r>
+              <a:rPr lang="hr-HR" sz="2200" dirty="0">
+                <a:highlight>
+                  <a:srgbClr val="FFFF00"/>
+                </a:highlight>
+                <a:ea typeface="Calibri"/>
+                <a:cs typeface="Times New Roman"/>
+              </a:rPr>
+              <a:t>usluge zabave i razonode</a:t>
+            </a:r>
+            <a:r>
+              <a:rPr lang="hr-HR" sz="2200" dirty="0"/>
+              <a:t> gostima koji su najvećim dijelom </a:t>
+            </a:r>
+            <a:r>
+              <a:rPr lang="hr-HR" sz="2200" b="1" dirty="0">
+                <a:highlight>
+                  <a:srgbClr val="FFFF00"/>
+                </a:highlight>
+                <a:ea typeface="Calibri"/>
+                <a:cs typeface="Times New Roman"/>
+              </a:rPr>
+              <a:t>mlađe </a:t>
+            </a:r>
+            <a:r>
+              <a:rPr lang="hr-HR" sz="2200" b="1" dirty="0" smtClean="0">
+                <a:highlight>
+                  <a:srgbClr val="FFFF00"/>
+                </a:highlight>
+                <a:ea typeface="Calibri"/>
+                <a:cs typeface="Times New Roman"/>
+              </a:rPr>
+              <a:t>osobe</a:t>
+            </a:r>
+            <a:r>
+              <a:rPr lang="hr-HR" sz="2200" dirty="0"/>
+              <a:t> </a:t>
+            </a:r>
+            <a:r>
+              <a:rPr lang="hr-HR" sz="2200" i="1" dirty="0"/>
+              <a:t>(slušanje glazbe, ples, alkoholna i bezalkoholna pića)</a:t>
+            </a:r>
+            <a:endParaRPr lang="hr-HR" sz="2200" b="1" i="1" dirty="0">
+              <a:highlight>
+                <a:srgbClr val="FFFF00"/>
+              </a:highlight>
+              <a:ea typeface="Calibri"/>
+              <a:cs typeface="Times New Roman"/>
+            </a:endParaRPr>
+          </a:p>
+          <a:p>
+            <a:pPr>
+              <a:spcBef>
+                <a:spcPts val="1200"/>
+              </a:spcBef>
+            </a:pPr>
+            <a:endParaRPr lang="hr-HR" sz="2200" i="1" dirty="0"/>
+          </a:p>
+          <a:p>
+            <a:pPr>
+              <a:spcBef>
+                <a:spcPts val="1200"/>
+              </a:spcBef>
+            </a:pPr>
+            <a:endParaRPr lang="hr-HR" sz="2200" dirty="0">
+              <a:highlight>
+                <a:srgbClr val="FFFF00"/>
+              </a:highlight>
+              <a:ea typeface="Calibri"/>
+              <a:cs typeface="Times New Roman"/>
+            </a:endParaRPr>
+          </a:p>
+        </p:txBody>
+      </p:sp>
+    </p:spTree>
+    <p:extLst>
+      <p:ext uri="{BB962C8B-B14F-4D97-AF65-F5344CB8AC3E}">
+        <p14:creationId xmlns:p14="http://schemas.microsoft.com/office/powerpoint/2010/main" val="3624318939"/>
+      </p:ext>
+    </p:extLst>
+  </p:cSld>
+  <p:clrMapOvr>
+    <a:masterClrMapping/>
+  </p:clrMapOvr>
+  <mc:AlternateContent xmlns:mc="http://schemas.openxmlformats.org/markup-compatibility/2006" xmlns:p14="http://schemas.microsoft.com/office/powerpoint/2010/main">
+    <mc:Choice Requires="p14">
+      <p:transition>
+        <p14:reveal/>
+      </p:transition>
+    </mc:Choice>
+    <mc:Fallback xmlns="">
+      <p:transition>
+        <p:fade/>
+      </p:transition>
+    </mc:Fallback>
+  </mc:AlternateContent>
+  <p:timing>
+    <p:tnLst>
+      <p:par>
+        <p:cTn id="1" dur="indefinite" restart="never" nodeType="tmRoot"/>
+      </p:par>
+    </p:tnLst>
+  </p:timing>
+</p:sld>
+</file>
+
+<file path=ppt/slides/slide14.xml><?xml version="1.0" encoding="utf-8"?>
+<p:sld xmlns:a="http://schemas.openxmlformats.org/drawingml/2006/main" xmlns:r="http://schemas.openxmlformats.org/officeDocument/2006/relationships" xmlns:p="http://schemas.openxmlformats.org/presentationml/2006/main">
+  <p:cSld>
+    <p:spTree>
+      <p:nvGrpSpPr>
+        <p:cNvPr id="1" name=""/>
+        <p:cNvGrpSpPr/>
+        <p:nvPr/>
+      </p:nvGrpSpPr>
+      <p:grpSpPr>
+        <a:xfrm>
+          <a:off x="0" y="0"/>
+          <a:ext cx="0" cy="0"/>
+          <a:chOff x="0" y="0"/>
+          <a:chExt cx="0" cy="0"/>
+        </a:xfrm>
+      </p:grpSpPr>
+      <p:sp>
+        <p:nvSpPr>
+          <p:cNvPr id="2" name="Title 1"/>
+          <p:cNvSpPr>
+            <a:spLocks noGrp="1"/>
+          </p:cNvSpPr>
+          <p:nvPr>
+            <p:ph type="title"/>
+          </p:nvPr>
+        </p:nvSpPr>
+        <p:spPr>
+          <a:xfrm>
+            <a:off x="142844" y="-64223"/>
+            <a:ext cx="9001156" cy="642942"/>
+          </a:xfrm>
+        </p:spPr>
+        <p:txBody>
+          <a:bodyPr/>
+          <a:lstStyle/>
+          <a:p>
+            <a:r>
+              <a:rPr lang="hr-HR" sz="3200" dirty="0" smtClean="0"/>
+              <a:t>Barovi</a:t>
+            </a:r>
+            <a:r>
+              <a:rPr lang="hr-HR" sz="3600" dirty="0" smtClean="0"/>
+              <a:t>							</a:t>
+            </a:r>
+            <a:r>
+              <a:rPr lang="hr-HR" sz="2400" i="1" dirty="0" smtClean="0"/>
+              <a:t>(plan ploče)</a:t>
+            </a:r>
+            <a:endParaRPr lang="hr-HR" sz="2400" i="1" dirty="0"/>
+          </a:p>
+        </p:txBody>
+      </p:sp>
+      <p:sp>
+        <p:nvSpPr>
+          <p:cNvPr id="3" name="Content Placeholder 2"/>
+          <p:cNvSpPr>
+            <a:spLocks noGrp="1"/>
+          </p:cNvSpPr>
+          <p:nvPr>
+            <p:ph idx="1"/>
+          </p:nvPr>
+        </p:nvSpPr>
+        <p:spPr/>
+        <p:txBody>
+          <a:bodyPr>
+            <a:noAutofit/>
+          </a:bodyPr>
+          <a:lstStyle/>
+          <a:p>
+            <a:pPr>
+              <a:spcBef>
+                <a:spcPts val="600"/>
+              </a:spcBef>
+            </a:pPr>
+            <a:r>
+              <a:rPr lang="hr-HR" sz="2200" b="1" dirty="0">
+                <a:solidFill>
+                  <a:srgbClr val="FF0000"/>
+                </a:solidFill>
+              </a:rPr>
+              <a:t>CAFFE-BAR </a:t>
+            </a:r>
+            <a:r>
+              <a:rPr lang="hr-HR" sz="2200" dirty="0"/>
+              <a:t>– </a:t>
+            </a:r>
+            <a:r>
+              <a:rPr lang="hr-HR" sz="2200" dirty="0" err="1"/>
+              <a:t>ug</a:t>
+            </a:r>
+            <a:r>
+              <a:rPr lang="hr-HR" sz="2200" dirty="0"/>
+              <a:t>. objekt u kojem se poslužuju </a:t>
+            </a:r>
+            <a:r>
+              <a:rPr lang="hr-HR" sz="2200" dirty="0">
+                <a:highlight>
+                  <a:srgbClr val="FFFF00"/>
+                </a:highlight>
+                <a:ea typeface="Calibri"/>
+                <a:cs typeface="Times New Roman"/>
+              </a:rPr>
+              <a:t>kava i razni pripravci od kave</a:t>
+            </a:r>
+            <a:r>
+              <a:rPr lang="hr-HR" sz="2200" dirty="0"/>
+              <a:t>, razni napitci, alkoholna i bezalkoholna pića, topli i hladni sendviči, voće, </a:t>
+            </a:r>
+            <a:r>
+              <a:rPr lang="hr-HR" sz="2200" dirty="0" smtClean="0"/>
+              <a:t>slastice</a:t>
+            </a:r>
+          </a:p>
+          <a:p>
+            <a:pPr>
+              <a:spcBef>
+                <a:spcPts val="600"/>
+              </a:spcBef>
+            </a:pPr>
+            <a:r>
+              <a:rPr lang="hr-HR" sz="2200" b="1" dirty="0">
+                <a:solidFill>
+                  <a:srgbClr val="FF0000"/>
+                </a:solidFill>
+              </a:rPr>
+              <a:t>APERITIV-BAR </a:t>
+            </a:r>
+            <a:r>
+              <a:rPr lang="hr-HR" sz="2200" dirty="0"/>
+              <a:t>– vrsta bara u kojem se nude uglavnom </a:t>
+            </a:r>
+            <a:r>
+              <a:rPr lang="hr-HR" sz="2200" dirty="0">
+                <a:highlight>
+                  <a:srgbClr val="FFFF00"/>
+                </a:highlight>
+                <a:ea typeface="Calibri"/>
+                <a:cs typeface="Times New Roman"/>
+              </a:rPr>
+              <a:t>alkoholna i bezalkoholna aperitivna i dižestivna pića</a:t>
+            </a:r>
+            <a:r>
+              <a:rPr lang="hr-HR" sz="2200" dirty="0"/>
+              <a:t> koja se piju prije ili nakon ručka i večere</a:t>
+            </a:r>
+          </a:p>
+          <a:p>
+            <a:pPr lvl="1">
+              <a:spcBef>
+                <a:spcPts val="600"/>
+              </a:spcBef>
+            </a:pPr>
+            <a:r>
+              <a:rPr lang="hr-HR" sz="2200" dirty="0"/>
+              <a:t>najčešće je smješten </a:t>
+            </a:r>
+            <a:r>
+              <a:rPr lang="hr-HR" sz="2200" dirty="0">
+                <a:highlight>
+                  <a:srgbClr val="FFFF00"/>
+                </a:highlight>
+                <a:ea typeface="Calibri"/>
+                <a:cs typeface="Times New Roman"/>
+              </a:rPr>
+              <a:t>u hotelu između restauracije i </a:t>
+            </a:r>
+            <a:r>
+              <a:rPr lang="hr-HR" sz="2200" dirty="0" smtClean="0">
+                <a:highlight>
+                  <a:srgbClr val="FFFF00"/>
+                </a:highlight>
+                <a:ea typeface="Calibri"/>
+                <a:cs typeface="Times New Roman"/>
+              </a:rPr>
+              <a:t>recepcije</a:t>
+            </a:r>
+          </a:p>
+          <a:p>
+            <a:pPr>
+              <a:spcBef>
+                <a:spcPts val="600"/>
+              </a:spcBef>
+            </a:pPr>
+            <a:r>
+              <a:rPr lang="hr-HR" sz="2200" b="1" dirty="0">
+                <a:solidFill>
+                  <a:srgbClr val="FF0000"/>
+                </a:solidFill>
+              </a:rPr>
+              <a:t>AMERIČKI BAR </a:t>
+            </a:r>
+            <a:r>
+              <a:rPr lang="hr-HR" sz="2200" dirty="0"/>
+              <a:t>– vrsta bara koji nudi usluge </a:t>
+            </a:r>
+            <a:r>
+              <a:rPr lang="hr-HR" sz="2200" dirty="0">
+                <a:highlight>
+                  <a:srgbClr val="FFFF00"/>
+                </a:highlight>
+                <a:ea typeface="Calibri"/>
+                <a:cs typeface="Times New Roman"/>
+              </a:rPr>
+              <a:t>najkvalitetnijih </a:t>
+            </a:r>
+            <a:r>
+              <a:rPr lang="hr-HR" sz="2200" dirty="0" smtClean="0">
+                <a:highlight>
+                  <a:srgbClr val="FFFF00"/>
+                </a:highlight>
+                <a:ea typeface="Calibri"/>
+                <a:cs typeface="Times New Roman"/>
+              </a:rPr>
+              <a:t>pića</a:t>
+            </a:r>
+            <a:r>
+              <a:rPr lang="hr-HR" sz="2200" dirty="0" smtClean="0"/>
+              <a:t> </a:t>
+            </a:r>
+            <a:r>
+              <a:rPr lang="hr-HR" sz="2200" dirty="0"/>
+              <a:t>i </a:t>
+            </a:r>
+            <a:r>
+              <a:rPr lang="hr-HR" sz="2200" dirty="0" smtClean="0">
+                <a:highlight>
+                  <a:srgbClr val="FFFF00"/>
+                </a:highlight>
+                <a:ea typeface="Calibri"/>
+                <a:cs typeface="Times New Roman"/>
+              </a:rPr>
+              <a:t>cigara</a:t>
+            </a:r>
+          </a:p>
+          <a:p>
+            <a:pPr lvl="1">
+              <a:spcBef>
+                <a:spcPts val="600"/>
+              </a:spcBef>
+            </a:pPr>
+            <a:r>
+              <a:rPr lang="hr-HR" sz="2200" dirty="0">
+                <a:highlight>
+                  <a:srgbClr val="FFFF00"/>
+                </a:highlight>
+                <a:ea typeface="Calibri"/>
+                <a:cs typeface="Times New Roman"/>
+              </a:rPr>
+              <a:t>najčešće se sjeda za barski točionik</a:t>
+            </a:r>
+            <a:r>
+              <a:rPr lang="hr-HR" sz="2200" dirty="0"/>
+              <a:t> (šank)</a:t>
+            </a:r>
+          </a:p>
+          <a:p>
+            <a:pPr>
+              <a:spcBef>
+                <a:spcPts val="600"/>
+              </a:spcBef>
+            </a:pPr>
+            <a:r>
+              <a:rPr lang="hr-HR" sz="2000" b="1" dirty="0">
+                <a:solidFill>
+                  <a:srgbClr val="FF0000"/>
+                </a:solidFill>
+              </a:rPr>
+              <a:t>RESTAURACIJA BAR </a:t>
+            </a:r>
+            <a:r>
+              <a:rPr lang="hr-HR" sz="2000" dirty="0"/>
+              <a:t>– vrsta bara koji se nalazi </a:t>
+            </a:r>
+            <a:r>
+              <a:rPr lang="hr-HR" sz="2000" dirty="0">
+                <a:highlight>
+                  <a:srgbClr val="FFFF00"/>
+                </a:highlight>
+                <a:ea typeface="Calibri"/>
+                <a:cs typeface="Times New Roman"/>
+              </a:rPr>
+              <a:t>u dijelu blagovaonice</a:t>
+            </a:r>
+            <a:r>
+              <a:rPr lang="hr-HR" sz="2000" dirty="0"/>
+              <a:t> ili na </a:t>
+            </a:r>
+            <a:r>
+              <a:rPr lang="hr-HR" sz="2000" dirty="0">
+                <a:highlight>
+                  <a:srgbClr val="FFFF00"/>
+                </a:highlight>
+                <a:ea typeface="Calibri"/>
+                <a:cs typeface="Times New Roman"/>
+              </a:rPr>
+              <a:t>putu između kuhinje i blagovaonice</a:t>
+            </a:r>
+          </a:p>
+          <a:p>
+            <a:pPr>
+              <a:spcBef>
+                <a:spcPts val="600"/>
+              </a:spcBef>
+            </a:pPr>
+            <a:endParaRPr lang="hr-HR" sz="2200" dirty="0" smtClean="0">
+              <a:highlight>
+                <a:srgbClr val="FFFF00"/>
+              </a:highlight>
+              <a:ea typeface="Calibri"/>
+              <a:cs typeface="Times New Roman"/>
+            </a:endParaRPr>
+          </a:p>
+          <a:p>
+            <a:pPr>
+              <a:spcBef>
+                <a:spcPts val="600"/>
+              </a:spcBef>
+            </a:pPr>
+            <a:endParaRPr lang="hr-HR" sz="2200" dirty="0">
+              <a:highlight>
+                <a:srgbClr val="FFFF00"/>
+              </a:highlight>
+              <a:ea typeface="Calibri"/>
+              <a:cs typeface="Times New Roman"/>
+            </a:endParaRPr>
+          </a:p>
+        </p:txBody>
+      </p:sp>
+    </p:spTree>
+    <p:extLst>
+      <p:ext uri="{BB962C8B-B14F-4D97-AF65-F5344CB8AC3E}">
+        <p14:creationId xmlns:p14="http://schemas.microsoft.com/office/powerpoint/2010/main" val="3657847393"/>
+      </p:ext>
+    </p:extLst>
+  </p:cSld>
+  <p:clrMapOvr>
+    <a:masterClrMapping/>
+  </p:clrMapOvr>
+  <mc:AlternateContent xmlns:mc="http://schemas.openxmlformats.org/markup-compatibility/2006" xmlns:p14="http://schemas.microsoft.com/office/powerpoint/2010/main">
+    <mc:Choice Requires="p14">
+      <p:transition>
+        <p14:reveal/>
+      </p:transition>
+    </mc:Choice>
+    <mc:Fallback xmlns="">
+      <p:transition>
+        <p:fade/>
+      </p:transition>
+    </mc:Fallback>
+  </mc:AlternateContent>
+  <p:timing>
+    <p:tnLst>
+      <p:par>
+        <p:cTn id="1" dur="indefinite" restart="never" nodeType="tmRoot"/>
+      </p:par>
+    </p:tnLst>
+  </p:timing>
+</p:sld>
+</file>
+
+<file path=ppt/slides/slide15.xml><?xml version="1.0" encoding="utf-8"?>
+<p:sld xmlns:a="http://schemas.openxmlformats.org/drawingml/2006/main" xmlns:r="http://schemas.openxmlformats.org/officeDocument/2006/relationships" xmlns:p="http://schemas.openxmlformats.org/presentationml/2006/main">
   <p:cSld>
     <p:spTree>
       <p:nvGrpSpPr>
@@ -8047,10 +9286,10 @@
           <a:lstStyle/>
           <a:p>
             <a:r>
-              <a:rPr lang="hr-HR" sz="3200" dirty="0" smtClean="0"/>
+              <a:rPr lang="hr-HR" dirty="0" smtClean="0"/>
               <a:t>Kavane</a:t>
             </a:r>
-            <a:endParaRPr lang="hr-HR" sz="3400" b="1" i="1" dirty="0"/>
+            <a:endParaRPr lang="hr-HR" b="1" i="1" dirty="0"/>
           </a:p>
         </p:txBody>
       </p:sp>
@@ -8067,7 +9306,7 @@
         <p:spPr>
           <a:xfrm>
             <a:off x="0" y="623564"/>
-            <a:ext cx="9144000" cy="2805436"/>
+            <a:ext cx="9144000" cy="5829772"/>
           </a:xfrm>
         </p:spPr>
         <p:txBody>
@@ -8082,16 +9321,8 @@
               </a:spcBef>
             </a:pPr>
             <a:r>
-              <a:rPr lang="hr-HR" sz="2800" b="1" dirty="0" smtClean="0">
-                <a:solidFill>
-                  <a:srgbClr val="FF0000"/>
-                </a:solidFill>
-              </a:rPr>
-              <a:t>AMERIČKI BAR </a:t>
-            </a:r>
-            <a:r>
               <a:rPr lang="hr-HR" dirty="0" smtClean="0"/>
-              <a:t>– vrsta bara koji nudi usluge </a:t>
+              <a:t>nude asortiman zasnovan na različitim </a:t>
             </a:r>
             <a:r>
               <a:rPr lang="hr-HR" dirty="0">
@@ -8101,11 +9332,102 @@
                 <a:ea typeface="Calibri"/>
                 <a:cs typeface="Times New Roman"/>
               </a:rPr>
-              <a:t>pića</a:t>
+              <a:t>pićima, napitcima, jednostavnim jelima</a:t>
             </a:r>
             <a:r>
               <a:rPr lang="hr-HR" dirty="0" smtClean="0"/>
-              <a:t> (najkvalitetnije iz usluge pića) i </a:t>
+              <a:t> i dr. uslugama</a:t>
+            </a:r>
+          </a:p>
+          <a:p>
+            <a:pPr lvl="1">
+              <a:spcBef>
+                <a:spcPts val="600"/>
+              </a:spcBef>
+            </a:pPr>
+            <a:r>
+              <a:rPr lang="hr-HR" dirty="0" smtClean="0"/>
+              <a:t>velik izbor novina, časopisa, igranje šaha, kartanje, bilijar, igre na automatima i sl.</a:t>
+            </a:r>
+          </a:p>
+          <a:p>
+            <a:pPr lvl="1">
+              <a:spcBef>
+                <a:spcPts val="600"/>
+              </a:spcBef>
+            </a:pPr>
+            <a:r>
+              <a:rPr lang="hr-HR" dirty="0" smtClean="0">
+                <a:highlight>
+                  <a:srgbClr val="FFFF00"/>
+                </a:highlight>
+                <a:ea typeface="Calibri"/>
+                <a:cs typeface="Times New Roman"/>
+              </a:rPr>
+              <a:t>tradicionalno se poslužuje zajutrak</a:t>
+            </a:r>
+            <a:r>
+              <a:rPr lang="hr-HR" dirty="0" smtClean="0"/>
+              <a:t>, a mogu se nuditi ručak i večera ako ima posebno odvojenu blagovaonicu</a:t>
+            </a:r>
+          </a:p>
+          <a:p>
+            <a:pPr lvl="1">
+              <a:spcBef>
+                <a:spcPts val="600"/>
+              </a:spcBef>
+            </a:pPr>
+            <a:r>
+              <a:rPr lang="hr-HR" b="1" dirty="0" smtClean="0">
+                <a:solidFill>
+                  <a:srgbClr val="FF0000"/>
+                </a:solidFill>
+                <a:highlight>
+                  <a:srgbClr val="FFFF00"/>
+                </a:highlight>
+                <a:ea typeface="Calibri"/>
+                <a:cs typeface="Times New Roman"/>
+              </a:rPr>
+              <a:t>„</a:t>
+            </a:r>
+            <a:r>
+              <a:rPr lang="hr-HR" b="1" dirty="0">
+                <a:solidFill>
+                  <a:srgbClr val="FF0000"/>
+                </a:solidFill>
+                <a:highlight>
+                  <a:srgbClr val="FFFF00"/>
+                </a:highlight>
+                <a:ea typeface="Calibri"/>
+                <a:cs typeface="Times New Roman"/>
+              </a:rPr>
+              <a:t>kavane-restauracije” </a:t>
+            </a:r>
+            <a:r>
+              <a:rPr lang="hr-HR" dirty="0" smtClean="0"/>
+              <a:t>– nude kompletne obroke</a:t>
+            </a:r>
+          </a:p>
+          <a:p>
+            <a:pPr>
+              <a:spcBef>
+                <a:spcPts val="1200"/>
+              </a:spcBef>
+            </a:pPr>
+            <a:r>
+              <a:rPr lang="hr-HR" dirty="0" smtClean="0"/>
+              <a:t>kavane su prigodne za sastajanje različitih društava</a:t>
+            </a:r>
+          </a:p>
+          <a:p>
+            <a:pPr>
+              <a:spcBef>
+                <a:spcPts val="1200"/>
+              </a:spcBef>
+            </a:pPr>
+            <a:r>
+              <a:rPr lang="hr-HR" dirty="0" smtClean="0"/>
+              <a:t>u noćnim satima se može organizira </a:t>
             </a:r>
             <a:r>
               <a:rPr lang="hr-HR" dirty="0">
@@ -8115,18 +9437,11 @@
                 <a:ea typeface="Calibri"/>
                 <a:cs typeface="Times New Roman"/>
               </a:rPr>
-              <a:t>cigara</a:t>
-            </a:r>
-          </a:p>
-          <a:p>
-            <a:pPr lvl="1">
-              <a:spcBef>
-                <a:spcPts val="600"/>
-              </a:spcBef>
-            </a:pPr>
+              <a:t>ples</a:t>
+            </a:r>
             <a:r>
               <a:rPr lang="hr-HR" dirty="0" smtClean="0"/>
-              <a:t>karakterizira ga ponuda </a:t>
+              <a:t> ili </a:t>
             </a:r>
             <a:r>
               <a:rPr lang="hr-HR" dirty="0">
@@ -8136,19 +9451,19 @@
                 <a:ea typeface="Calibri"/>
                 <a:cs typeface="Times New Roman"/>
               </a:rPr>
-              <a:t>najkvalitetnijih pića i cigara</a:t>
-            </a:r>
-            <a:r>
-              <a:rPr lang="hr-HR" dirty="0" smtClean="0"/>
-              <a:t>, posebno su zastupljeni viskiji, konjaci, najpoznatiji likeri, izvrsna francuska vina te razna miješana pića</a:t>
+              <a:t>svečani bal</a:t>
             </a:r>
           </a:p>
           <a:p>
             <a:pPr>
               <a:spcBef>
-                <a:spcPts val="600"/>
+                <a:spcPts val="1200"/>
               </a:spcBef>
             </a:pPr>
+            <a:r>
+              <a:rPr lang="hr-HR" dirty="0" smtClean="0"/>
+              <a:t>kavana </a:t>
+            </a:r>
             <a:r>
               <a:rPr lang="hr-HR" dirty="0">
                 <a:highlight>
@@ -8157,32 +9472,26 @@
                 <a:ea typeface="Calibri"/>
                 <a:cs typeface="Times New Roman"/>
               </a:rPr>
-              <a:t>najčešće se sjeda za barski točionik</a:t>
+              <a:t>treba odisati posebnim ozračjem</a:t>
             </a:r>
             <a:r>
               <a:rPr lang="hr-HR" dirty="0" smtClean="0"/>
-              <a:t> (šank)</a:t>
+              <a:t> radi kojeg je najčešće i posjećuju gosti</a:t>
             </a:r>
           </a:p>
           <a:p>
             <a:pPr>
               <a:spcBef>
-                <a:spcPts val="600"/>
+                <a:spcPts val="1200"/>
               </a:spcBef>
             </a:pPr>
             <a:r>
               <a:rPr lang="hr-HR" dirty="0" smtClean="0"/>
-              <a:t>radno vrijeme </a:t>
-            </a:r>
-            <a:r>
-              <a:rPr lang="hr-HR" dirty="0">
-                <a:highlight>
-                  <a:srgbClr val="FFFF00"/>
-                </a:highlight>
-                <a:ea typeface="Calibri"/>
-                <a:cs typeface="Times New Roman"/>
-              </a:rPr>
-              <a:t>od </a:t>
+              <a:t>radno </a:t>
+            </a:r>
+            <a:r>
+              <a:rPr lang="hr-HR" dirty="0"/>
+              <a:t>vrijeme </a:t>
             </a:r>
             <a:r>
               <a:rPr lang="hr-HR" dirty="0" smtClean="0">
@@ -8192,18 +9501,15 @@
                 <a:ea typeface="Calibri"/>
                 <a:cs typeface="Times New Roman"/>
               </a:rPr>
-              <a:t>12 </a:t>
-            </a:r>
-            <a:r>
-              <a:rPr lang="hr-HR" dirty="0">
-                <a:highlight>
-                  <a:srgbClr val="FFFF00"/>
-                </a:highlight>
-                <a:ea typeface="Calibri"/>
-                <a:cs typeface="Times New Roman"/>
-              </a:rPr>
-              <a:t>do </a:t>
-            </a:r>
+              <a:t>od 6 do 23 sata</a:t>
+            </a:r>
+          </a:p>
+          <a:p>
+            <a:pPr>
+              <a:spcBef>
+                <a:spcPts val="1200"/>
+              </a:spcBef>
+            </a:pPr>
             <a:r>
               <a:rPr lang="hr-HR" dirty="0" smtClean="0">
                 <a:highlight>
@@ -8212,81 +9518,129 @@
                 <a:ea typeface="Calibri"/>
                 <a:cs typeface="Times New Roman"/>
               </a:rPr>
-              <a:t>24 </a:t>
+              <a:t>vrste kavana</a:t>
+            </a:r>
+            <a:r>
+              <a:rPr lang="hr-HR" dirty="0"/>
+              <a:t>:  kavana </a:t>
+            </a:r>
+            <a:r>
+              <a:rPr lang="hr-HR" b="1" dirty="0">
+                <a:solidFill>
+                  <a:srgbClr val="FF0000"/>
+                </a:solidFill>
+              </a:rPr>
+              <a:t>bečkog</a:t>
             </a:r>
             <a:r>
               <a:rPr lang="hr-HR" dirty="0">
-                <a:highlight>
-                  <a:srgbClr val="FFFF00"/>
-                </a:highlight>
-                <a:ea typeface="Calibri"/>
-                <a:cs typeface="Times New Roman"/>
+                <a:solidFill>
+                  <a:srgbClr val="FF0000"/>
+                </a:solidFill>
               </a:rPr>
-              <a:t>sata</a:t>
-            </a:r>
+              <a:t> </a:t>
+            </a:r>
+            <a:r>
+              <a:rPr lang="hr-HR" dirty="0"/>
+              <a:t>tipa, kavana </a:t>
+            </a:r>
+            <a:r>
+              <a:rPr lang="hr-HR" b="1" dirty="0">
+                <a:solidFill>
+                  <a:srgbClr val="FF0000"/>
+                </a:solidFill>
+              </a:rPr>
+              <a:t>domaćeg</a:t>
+            </a:r>
+            <a:r>
+              <a:rPr lang="hr-HR" dirty="0">
+                <a:solidFill>
+                  <a:srgbClr val="FF0000"/>
+                </a:solidFill>
+              </a:rPr>
+              <a:t> </a:t>
+            </a:r>
+            <a:r>
+              <a:rPr lang="hr-HR" dirty="0"/>
+              <a:t>tipa, </a:t>
+            </a:r>
+            <a:r>
+              <a:rPr lang="hr-HR" b="1" dirty="0">
+                <a:solidFill>
+                  <a:srgbClr val="FF0000"/>
+                </a:solidFill>
+              </a:rPr>
+              <a:t>francuskog</a:t>
+            </a:r>
+            <a:r>
+              <a:rPr lang="hr-HR" dirty="0">
+                <a:solidFill>
+                  <a:srgbClr val="FF0000"/>
+                </a:solidFill>
+              </a:rPr>
+              <a:t> </a:t>
+            </a:r>
+            <a:r>
+              <a:rPr lang="hr-HR" dirty="0"/>
+              <a:t>tipa, </a:t>
+            </a:r>
+            <a:r>
+              <a:rPr lang="hr-HR" b="1" dirty="0">
+                <a:solidFill>
+                  <a:srgbClr val="FF0000"/>
+                </a:solidFill>
+              </a:rPr>
+              <a:t>talijanskog</a:t>
+            </a:r>
+            <a:r>
+              <a:rPr lang="hr-HR" dirty="0">
+                <a:solidFill>
+                  <a:srgbClr val="FF0000"/>
+                </a:solidFill>
+              </a:rPr>
+              <a:t> </a:t>
+            </a:r>
+            <a:r>
+              <a:rPr lang="hr-HR" dirty="0"/>
+              <a:t>tipa i </a:t>
+            </a:r>
+            <a:r>
+              <a:rPr lang="hr-HR" b="1" dirty="0" err="1" smtClean="0">
+                <a:solidFill>
+                  <a:srgbClr val="FF0000"/>
+                </a:solidFill>
+              </a:rPr>
+              <a:t>cyber</a:t>
+            </a:r>
+            <a:r>
+              <a:rPr lang="hr-HR" b="1" dirty="0" smtClean="0">
+                <a:solidFill>
+                  <a:srgbClr val="FF0000"/>
+                </a:solidFill>
+              </a:rPr>
+              <a:t>-</a:t>
+            </a:r>
+            <a:r>
+              <a:rPr lang="hr-HR" b="1" dirty="0" err="1" smtClean="0">
+                <a:solidFill>
+                  <a:srgbClr val="FF0000"/>
+                </a:solidFill>
+              </a:rPr>
+              <a:t>kafe</a:t>
+            </a:r>
+            <a:endParaRPr lang="hr-HR" b="1" dirty="0">
+              <a:solidFill>
+                <a:srgbClr val="FF0000"/>
+              </a:solidFill>
+              <a:highlight>
+                <a:srgbClr val="FFFF00"/>
+              </a:highlight>
+              <a:ea typeface="Calibri"/>
+              <a:cs typeface="Times New Roman"/>
+            </a:endParaRPr>
           </a:p>
         </p:txBody>
       </p:sp>
-      <p:pic>
-        <p:nvPicPr>
-          <p:cNvPr id="4" name="Picture 3"/>
-          <p:cNvPicPr>
-            <a:picLocks noChangeAspect="1"/>
-          </p:cNvPicPr>
-          <p:nvPr/>
-        </p:nvPicPr>
-        <p:blipFill>
-          <a:blip r:embed="rId2">
-            <a:extLst>
-              <a:ext uri="{28A0092B-C50C-407E-A947-70E740481C1C}">
-                <a14:useLocalDpi xmlns:a14="http://schemas.microsoft.com/office/drawing/2010/main" val="0"/>
-              </a:ext>
-            </a:extLst>
-          </a:blip>
-          <a:stretch>
-            <a:fillRect/>
-          </a:stretch>
-        </p:blipFill>
-        <p:spPr>
-          <a:xfrm>
-            <a:off x="251520" y="3717032"/>
-            <a:ext cx="4651577" cy="3005635"/>
-          </a:xfrm>
-          <a:prstGeom prst="rect">
-            <a:avLst/>
-          </a:prstGeom>
-        </p:spPr>
-      </p:pic>
-      <p:pic>
-        <p:nvPicPr>
-          <p:cNvPr id="5" name="Picture 4"/>
-          <p:cNvPicPr>
-            <a:picLocks noChangeAspect="1"/>
-          </p:cNvPicPr>
-          <p:nvPr/>
-        </p:nvPicPr>
-        <p:blipFill>
-          <a:blip r:embed="rId3">
-            <a:extLst>
-              <a:ext uri="{28A0092B-C50C-407E-A947-70E740481C1C}">
-                <a14:useLocalDpi xmlns:a14="http://schemas.microsoft.com/office/drawing/2010/main" val="0"/>
-              </a:ext>
-            </a:extLst>
-          </a:blip>
-          <a:stretch>
-            <a:fillRect/>
-          </a:stretch>
-        </p:blipFill>
-        <p:spPr>
-          <a:xfrm>
-            <a:off x="3995936" y="3447053"/>
-            <a:ext cx="4637775" cy="3089918"/>
-          </a:xfrm>
-          <a:prstGeom prst="rect">
-            <a:avLst/>
-          </a:prstGeom>
-        </p:spPr>
-      </p:pic>
     </p:spTree>
     <p:extLst>
       <p:ext uri="{BB962C8B-B14F-4D97-AF65-F5344CB8AC3E}">
@@ -8297,13 +9651,13 @@
   <p:clrMapOvr>
     <a:masterClrMapping/>
   </p:clrMapOvr>
-  <mc:AlternateContent xmlns:mc="http://schemas.openxmlformats.org/markup-compatibility/2006">
-    <mc:Choice xmlns:p14="http://schemas.microsoft.com/office/powerpoint/2010/main" Requires="p14">
+  <mc:AlternateContent xmlns:mc="http://schemas.openxmlformats.org/markup-compatibility/2006" xmlns:p14="http://schemas.microsoft.com/office/powerpoint/2010/main">
+    <mc:Choice Requires="p14">
       <p:transition>
         <p14:reveal/>
       </p:transition>
     </mc:Choice>
-    <mc:Fallback>
+    <mc:Fallback xmlns="">
       <p:transition>
         <p:fade/>
       </p:transition>
@@ -8378,30 +9732,21 @@
                             </p:childTnLst>
                           </p:cTn>
                         </p:par>
-                      </p:childTnLst>
-                    </p:cTn>
-                  </p:par>
-                  <p:par>
-                    <p:cTn id="8" fill="hold">
-                      <p:stCondLst>
-                        <p:cond delay="indefinite"/>
-                      </p:stCondLst>
-                      <p:childTnLst>
                         <p:par>
-                          <p:cTn id="9" fill="hold">
+                          <p:cTn id="8" fill="hold">
                             <p:stCondLst>
-                              <p:cond delay="0"/>
+                              <p:cond delay="250"/>
                             </p:stCondLst>
                             <p:childTnLst>
                               <p:par>
-                                <p:cTn id="10" presetID="10" presetClass="entr" presetSubtype="0" fill="hold" grpId="0" nodeType="clickEffect">
+                                <p:cTn id="9" presetID="10" presetClass="entr" presetSubtype="0" fill="hold" grpId="0" nodeType="afterEffect">
                                   <p:stCondLst>
                                     <p:cond delay="0"/>
                                   </p:stCondLst>
                                   <p:childTnLst>
                                     <p:set>
                                       <p:cBhvr>
-                                        <p:cTn id="11" dur="1" fill="hold">
+                                        <p:cTn id="10" dur="1" fill="hold">
                                           <p:stCondLst>
                                             <p:cond delay="0"/>
                                           </p:stCondLst>
@@ -8423,7 +9768,7 @@
                                     </p:set>
                                     <p:animEffect transition="in" filter="fade">
                                       <p:cBhvr>
-                                        <p:cTn id="12" dur="250"/>
+                                        <p:cTn id="11" dur="250"/>
                                         <p:tgtEl>
                                           <p:spTgt spid="3">
                                             <p:txEl>
@@ -8443,26 +9788,26 @@
                     </p:cTn>
                   </p:par>
                   <p:par>
-                    <p:cTn id="13" fill="hold">
+                    <p:cTn id="12" fill="hold">
                       <p:stCondLst>
                         <p:cond delay="indefinite"/>
                       </p:stCondLst>
                       <p:childTnLst>
                         <p:par>
-                          <p:cTn id="14" fill="hold">
+                          <p:cTn id="13" fill="hold">
                             <p:stCondLst>
                               <p:cond delay="0"/>
                             </p:stCondLst>
                             <p:childTnLst>
                               <p:par>
-                                <p:cTn id="15" presetID="10" presetClass="entr" presetSubtype="0" fill="hold" grpId="0" nodeType="clickEffect">
+                                <p:cTn id="14" presetID="10" presetClass="entr" presetSubtype="0" fill="hold" grpId="0" nodeType="clickEffect">
                                   <p:stCondLst>
                                     <p:cond delay="0"/>
                                   </p:stCondLst>
                                   <p:childTnLst>
                                     <p:set>
                                       <p:cBhvr>
-                                        <p:cTn id="16" dur="1" fill="hold">
+                                        <p:cTn id="15" dur="1" fill="hold">
                                           <p:stCondLst>
                                             <p:cond delay="0"/>
                                           </p:stCondLst>
@@ -8484,11 +9829,63 @@
                                     </p:set>
                                     <p:animEffect transition="in" filter="fade">
                                       <p:cBhvr>
-                                        <p:cTn id="17" dur="250"/>
+                                        <p:cTn id="16" dur="250"/>
                                         <p:tgtEl>
                                           <p:spTgt spid="3">
                                             <p:txEl>
                                               <p:pRg st="2" end="2"/>
+                                            </p:txEl>
+                                          </p:spTgt>
+                                        </p:tgtEl>
+                                      </p:cBhvr>
+                                    </p:animEffect>
+                                  </p:childTnLst>
+                                </p:cTn>
+                              </p:par>
+                            </p:childTnLst>
+                          </p:cTn>
+                        </p:par>
+                        <p:par>
+                          <p:cTn id="17" fill="hold">
+                            <p:stCondLst>
+                              <p:cond delay="250"/>
+                            </p:stCondLst>
+                            <p:childTnLst>
+                              <p:par>
+                                <p:cTn id="18" presetID="10" presetClass="entr" presetSubtype="0" fill="hold" grpId="0" nodeType="afterEffect">
+                                  <p:stCondLst>
+                                    <p:cond delay="0"/>
+                                  </p:stCondLst>
+                                  <p:childTnLst>
+                                    <p:set>
+                                      <p:cBhvr>
+                                        <p:cTn id="19" dur="1" fill="hold">
+                                          <p:stCondLst>
+                                            <p:cond delay="0"/>
+                                          </p:stCondLst>
+                                        </p:cTn>
+                                        <p:tgtEl>
+                                          <p:spTgt spid="3">
+                                            <p:txEl>
+                                              <p:pRg st="3" end="3"/>
+                                            </p:txEl>
+                                          </p:spTgt>
+                                        </p:tgtEl>
+                                        <p:attrNameLst>
+                                          <p:attrName>style.visibility</p:attrName>
+                                        </p:attrNameLst>
+                                      </p:cBhvr>
+                                      <p:to>
+                                        <p:strVal val="visible"/>
+                                      </p:to>
+                                    </p:set>
+                                    <p:animEffect transition="in" filter="fade">
+                                      <p:cBhvr>
+                                        <p:cTn id="20" dur="250"/>
+                                        <p:tgtEl>
+                                          <p:spTgt spid="3">
+                                            <p:txEl>
+                                              <p:pRg st="3" end="3"/>
                                             </p:txEl>
                                           </p:spTgt>
                                         </p:tgtEl>
@@ -8504,26 +9901,26 @@
                     </p:cTn>
                   </p:par>
                   <p:par>
-                    <p:cTn id="18" fill="hold">
+                    <p:cTn id="21" fill="hold">
                       <p:stCondLst>
                         <p:cond delay="indefinite"/>
                       </p:stCondLst>
                       <p:childTnLst>
                         <p:par>
-                          <p:cTn id="19" fill="hold">
+                          <p:cTn id="22" fill="hold">
                             <p:stCondLst>
                               <p:cond delay="0"/>
                             </p:stCondLst>
                             <p:childTnLst>
                               <p:par>
-                                <p:cTn id="20" presetID="10" presetClass="entr" presetSubtype="0" fill="hold" grpId="0" nodeType="clickEffect">
+                                <p:cTn id="23" presetID="10" presetClass="entr" presetSubtype="0" fill="hold" grpId="0" nodeType="clickEffect">
                                   <p:stCondLst>
                                     <p:cond delay="0"/>
                                   </p:stCondLst>
                                   <p:childTnLst>
                                     <p:set>
                                       <p:cBhvr>
-                                        <p:cTn id="21" dur="1" fill="hold">
+                                        <p:cTn id="24" dur="1" fill="hold">
                                           <p:stCondLst>
                                             <p:cond delay="0"/>
                                           </p:stCondLst>
@@ -8531,7 +9928,7 @@
                                         <p:tgtEl>
                                           <p:spTgt spid="3">
                                             <p:txEl>
-                                              <p:pRg st="3" end="3"/>
+                                              <p:pRg st="4" end="4"/>
                                             </p:txEl>
                                           </p:spTgt>
                                         </p:tgtEl>
@@ -8545,11 +9942,228 @@
                                     </p:set>
                                     <p:animEffect transition="in" filter="fade">
                                       <p:cBhvr>
-                                        <p:cTn id="22" dur="250"/>
+                                        <p:cTn id="25" dur="250"/>
                                         <p:tgtEl>
                                           <p:spTgt spid="3">
                                             <p:txEl>
-                                              <p:pRg st="3" end="3"/>
+                                              <p:pRg st="4" end="4"/>
+                                            </p:txEl>
+                                          </p:spTgt>
+                                        </p:tgtEl>
+                                      </p:cBhvr>
+                                    </p:animEffect>
+                                  </p:childTnLst>
+                                </p:cTn>
+                              </p:par>
+                            </p:childTnLst>
+                          </p:cTn>
+                        </p:par>
+                        <p:par>
+                          <p:cTn id="26" fill="hold">
+                            <p:stCondLst>
+                              <p:cond delay="250"/>
+                            </p:stCondLst>
+                            <p:childTnLst>
+                              <p:par>
+                                <p:cTn id="27" presetID="10" presetClass="entr" presetSubtype="0" fill="hold" grpId="0" nodeType="afterEffect">
+                                  <p:stCondLst>
+                                    <p:cond delay="0"/>
+                                  </p:stCondLst>
+                                  <p:childTnLst>
+                                    <p:set>
+                                      <p:cBhvr>
+                                        <p:cTn id="28" dur="1" fill="hold">
+                                          <p:stCondLst>
+                                            <p:cond delay="0"/>
+                                          </p:stCondLst>
+                                        </p:cTn>
+                                        <p:tgtEl>
+                                          <p:spTgt spid="3">
+                                            <p:txEl>
+                                              <p:pRg st="5" end="5"/>
+                                            </p:txEl>
+                                          </p:spTgt>
+                                        </p:tgtEl>
+                                        <p:attrNameLst>
+                                          <p:attrName>style.visibility</p:attrName>
+                                        </p:attrNameLst>
+                                      </p:cBhvr>
+                                      <p:to>
+                                        <p:strVal val="visible"/>
+                                      </p:to>
+                                    </p:set>
+                                    <p:animEffect transition="in" filter="fade">
+                                      <p:cBhvr>
+                                        <p:cTn id="29" dur="250"/>
+                                        <p:tgtEl>
+                                          <p:spTgt spid="3">
+                                            <p:txEl>
+                                              <p:pRg st="5" end="5"/>
+                                            </p:txEl>
+                                          </p:spTgt>
+                                        </p:tgtEl>
+                                      </p:cBhvr>
+                                    </p:animEffect>
+                                  </p:childTnLst>
+                                </p:cTn>
+                              </p:par>
+                            </p:childTnLst>
+                          </p:cTn>
+                        </p:par>
+                        <p:par>
+                          <p:cTn id="30" fill="hold">
+                            <p:stCondLst>
+                              <p:cond delay="500"/>
+                            </p:stCondLst>
+                            <p:childTnLst>
+                              <p:par>
+                                <p:cTn id="31" presetID="10" presetClass="entr" presetSubtype="0" fill="hold" grpId="0" nodeType="afterEffect">
+                                  <p:stCondLst>
+                                    <p:cond delay="0"/>
+                                  </p:stCondLst>
+                                  <p:childTnLst>
+                                    <p:set>
+                                      <p:cBhvr>
+                                        <p:cTn id="32" dur="1" fill="hold">
+                                          <p:stCondLst>
+                                            <p:cond delay="0"/>
+                                          </p:stCondLst>
+                                        </p:cTn>
+                                        <p:tgtEl>
+                                          <p:spTgt spid="3">
+                                            <p:txEl>
+                                              <p:pRg st="6" end="6"/>
+                                            </p:txEl>
+                                          </p:spTgt>
+                                        </p:tgtEl>
+                                        <p:attrNameLst>
+                                          <p:attrName>style.visibility</p:attrName>
+                                        </p:attrNameLst>
+                                      </p:cBhvr>
+                                      <p:to>
+                                        <p:strVal val="visible"/>
+                                      </p:to>
+                                    </p:set>
+                                    <p:animEffect transition="in" filter="fade">
+                                      <p:cBhvr>
+                                        <p:cTn id="33" dur="250"/>
+                                        <p:tgtEl>
+                                          <p:spTgt spid="3">
+                                            <p:txEl>
+                                              <p:pRg st="6" end="6"/>
+                                            </p:txEl>
+                                          </p:spTgt>
+                                        </p:tgtEl>
+                                      </p:cBhvr>
+                                    </p:animEffect>
+                                  </p:childTnLst>
+                                </p:cTn>
+                              </p:par>
+                            </p:childTnLst>
+                          </p:cTn>
+                        </p:par>
+                        <p:par>
+                          <p:cTn id="34" fill="hold">
+                            <p:stCondLst>
+                              <p:cond delay="750"/>
+                            </p:stCondLst>
+                            <p:childTnLst>
+                              <p:par>
+                                <p:cTn id="35" presetID="10" presetClass="entr" presetSubtype="0" fill="hold" grpId="0" nodeType="afterEffect">
+                                  <p:stCondLst>
+                                    <p:cond delay="0"/>
+                                  </p:stCondLst>
+                                  <p:childTnLst>
+                                    <p:set>
+                                      <p:cBhvr>
+                                        <p:cTn id="36" dur="1" fill="hold">
+                                          <p:stCondLst>
+                                            <p:cond delay="0"/>
+                                          </p:stCondLst>
+                                        </p:cTn>
+                                        <p:tgtEl>
+                                          <p:spTgt spid="3">
+                                            <p:txEl>
+                                              <p:pRg st="7" end="7"/>
+                                            </p:txEl>
+                                          </p:spTgt>
+                                        </p:tgtEl>
+                                        <p:attrNameLst>
+                                          <p:attrName>style.visibility</p:attrName>
+                                        </p:attrNameLst>
+                                      </p:cBhvr>
+                                      <p:to>
+                                        <p:strVal val="visible"/>
+                                      </p:to>
+                                    </p:set>
+                                    <p:animEffect transition="in" filter="fade">
+                                      <p:cBhvr>
+                                        <p:cTn id="37" dur="250"/>
+                                        <p:tgtEl>
+                                          <p:spTgt spid="3">
+                                            <p:txEl>
+                                              <p:pRg st="7" end="7"/>
+                                            </p:txEl>
+                                          </p:spTgt>
+                                        </p:tgtEl>
+                                      </p:cBhvr>
+                                    </p:animEffect>
+                                  </p:childTnLst>
+                                </p:cTn>
+                              </p:par>
+                            </p:childTnLst>
+                          </p:cTn>
+                        </p:par>
+                      </p:childTnLst>
+                    </p:cTn>
+                  </p:par>
+                  <p:par>
+                    <p:cTn id="38" fill="hold">
+                      <p:stCondLst>
+                        <p:cond delay="indefinite"/>
+                      </p:stCondLst>
+                      <p:childTnLst>
+                        <p:par>
+                          <p:cTn id="39" fill="hold">
+                            <p:stCondLst>
+                              <p:cond delay="0"/>
+                            </p:stCondLst>
+                            <p:childTnLst>
+                              <p:par>
+                                <p:cTn id="40" presetID="10" presetClass="entr" presetSubtype="0" fill="hold" grpId="0" nodeType="clickEffect">
+                                  <p:stCondLst>
+                                    <p:cond delay="0"/>
+                                  </p:stCondLst>
+                                  <p:childTnLst>
+                                    <p:set>
+                                      <p:cBhvr>
+                                        <p:cTn id="41" dur="1" fill="hold">
+                                          <p:stCondLst>
+                                            <p:cond delay="0"/>
+                                          </p:stCondLst>
+                                        </p:cTn>
+                                        <p:tgtEl>
+                                          <p:spTgt spid="3">
+                                            <p:txEl>
+                                              <p:pRg st="8" end="8"/>
+                                            </p:txEl>
+                                          </p:spTgt>
+                                        </p:tgtEl>
+                                        <p:attrNameLst>
+                                          <p:attrName>style.visibility</p:attrName>
+                                        </p:attrNameLst>
+                                      </p:cBhvr>
+                                      <p:to>
+                                        <p:strVal val="visible"/>
+                                      </p:to>
+                                    </p:set>
+                                    <p:animEffect transition="in" filter="fade">
+                                      <p:cBhvr>
+                                        <p:cTn id="42" dur="250"/>
+                                        <p:tgtEl>
+                                          <p:spTgt spid="3">
+                                            <p:txEl>
+                                              <p:pRg st="8" end="8"/>
                                             </p:txEl>
                                           </p:spTgt>
                                         </p:tgtEl>
@@ -8586,14 +10200,14 @@
       </p:par>
     </p:tnLst>
     <p:bldLst>
-      <p:bldP spid="3" grpId="0" build="p"/>
+      <p:bldP spid="3" grpId="0" uiExpand="1" build="p"/>
     </p:bldLst>
   </p:timing>
 </p:sld>
 </file>
 
-<file path=ppt/slides/slide13.xml><?xml version="1.0" encoding="utf-8"?>
-<p:sld xmlns:a="http://schemas.openxmlformats.org/drawingml/2006/main" xmlns:r="http://schemas.openxmlformats.org/officeDocument/2006/relationships" xmlns:p="http://schemas.openxmlformats.org/presentationml/2006/main" show="0">
+<file path=ppt/slides/slide16.xml><?xml version="1.0" encoding="utf-8"?>
+<p:sld xmlns:a="http://schemas.openxmlformats.org/drawingml/2006/main" xmlns:r="http://schemas.openxmlformats.org/officeDocument/2006/relationships" xmlns:p="http://schemas.openxmlformats.org/presentationml/2006/main">
   <p:cSld>
     <p:spTree>
       <p:nvGrpSpPr>
@@ -8619,14 +10233,39 @@
             <p:ph type="title"/>
           </p:nvPr>
         </p:nvSpPr>
-        <p:spPr/>
+        <p:spPr>
+          <a:xfrm>
+            <a:off x="142844" y="-22254"/>
+            <a:ext cx="8858312" cy="642942"/>
+          </a:xfrm>
+        </p:spPr>
         <p:txBody>
           <a:bodyPr/>
           <a:lstStyle/>
           <a:p>
             <a:r>
               <a:rPr lang="hr-HR" sz="3200" dirty="0" smtClean="0"/>
-              <a:t>Animacija gostiju</a:t>
+              <a:t>Kavana bečkog tipa </a:t>
+            </a:r>
+            <a:r>
+              <a:rPr lang="hr-HR" sz="3200" i="1" dirty="0" smtClean="0"/>
+              <a:t>(</a:t>
+            </a:r>
+            <a:r>
+              <a:rPr lang="hr-HR" sz="3200" i="1" dirty="0" err="1" smtClean="0"/>
+              <a:t>wiener</a:t>
+            </a:r>
+            <a:r>
+              <a:rPr lang="hr-HR" sz="3200" i="1" dirty="0" smtClean="0"/>
+              <a:t> </a:t>
+            </a:r>
+            <a:r>
+              <a:rPr lang="hr-HR" sz="3200" i="1" dirty="0" err="1" smtClean="0"/>
+              <a:t>Kaffeehaus</a:t>
+            </a:r>
+            <a:r>
+              <a:rPr lang="hr-HR" sz="3200" i="1" dirty="0" smtClean="0"/>
+              <a:t>)</a:t>
             </a:r>
             <a:endParaRPr lang="hr-HR" sz="3400" b="1" i="1" dirty="0"/>
           </a:p>
@@ -8644,8 +10283,8 @@
         </p:nvSpPr>
         <p:spPr>
           <a:xfrm>
-            <a:off x="0" y="551556"/>
-            <a:ext cx="9144000" cy="6381328"/>
+            <a:off x="0" y="623564"/>
+            <a:ext cx="9144000" cy="5829772"/>
           </a:xfrm>
         </p:spPr>
         <p:txBody>
@@ -8654,39 +10293,14 @@
           </a:bodyPr>
           <a:lstStyle/>
           <a:p>
+            <a:pPr>
+              <a:spcBef>
+                <a:spcPts val="600"/>
+              </a:spcBef>
+            </a:pPr>
             <a:r>
               <a:rPr lang="hr-HR" dirty="0" smtClean="0"/>
-              <a:t>ANIMIRATI – oraspoložiti, zabaviti  i </a:t>
-            </a:r>
-            <a:r>
-              <a:rPr lang="hr-HR" dirty="0" err="1" smtClean="0"/>
-              <a:t>sl</a:t>
-            </a:r>
-            <a:r>
-              <a:rPr lang="hr-HR" dirty="0" smtClean="0"/>
-              <a:t>.</a:t>
-            </a:r>
-          </a:p>
-          <a:p>
-            <a:r>
-              <a:rPr lang="hr-HR" b="1" dirty="0" smtClean="0">
-                <a:solidFill>
-                  <a:srgbClr val="FF0000"/>
-                </a:solidFill>
-              </a:rPr>
-              <a:t>ANIMACIJA</a:t>
-            </a:r>
-            <a:r>
-              <a:rPr lang="hr-HR" dirty="0" smtClean="0">
-                <a:solidFill>
-                  <a:srgbClr val="FF0000"/>
-                </a:solidFill>
-              </a:rPr>
-              <a:t> </a:t>
-            </a:r>
-            <a:r>
-              <a:rPr lang="hr-HR" dirty="0" smtClean="0"/>
-              <a:t>– organiziranje raznih kulturnih, zabavnih, sportskih i drugih aktivnosti </a:t>
+              <a:t>nastaju u 17. st – isprva male, neugledne prostorije u kojima se nudila </a:t>
             </a:r>
             <a:r>
               <a:rPr lang="hr-HR" dirty="0">
@@ -8696,18 +10310,19 @@
                 <a:ea typeface="Calibri"/>
                 <a:cs typeface="Times New Roman"/>
               </a:rPr>
-              <a:t>u kojima gosti aktivno sudjeluju po svojoj želji</a:t>
-            </a:r>
-          </a:p>
-          <a:p>
-            <a:pPr lvl="1"/>
-            <a:r>
-              <a:rPr lang="hr-HR" dirty="0" smtClean="0"/>
-              <a:t>animacija je briga o gostima, njihovim željama i potrebama za aktivnim ili pasivnim oblicima razonode</a:t>
-            </a:r>
-          </a:p>
-          <a:p>
-            <a:pPr lvl="1"/>
+              <a:t>gorka kava, kasnije zaslađena medom</a:t>
+            </a:r>
+          </a:p>
+          <a:p>
+            <a:pPr>
+              <a:spcBef>
+                <a:spcPts val="2400"/>
+              </a:spcBef>
+            </a:pPr>
+            <a:r>
+              <a:rPr lang="hr-HR" dirty="0"/>
+              <a:t>s vremenom </a:t>
+            </a:r>
             <a:r>
               <a:rPr lang="hr-HR" dirty="0">
                 <a:highlight>
@@ -8716,64 +10331,192 @@
                 <a:ea typeface="Calibri"/>
                 <a:cs typeface="Times New Roman"/>
               </a:rPr>
-              <a:t>animacija je dopunska djelatnost suvremenog hotelijerstva</a:t>
-            </a:r>
-          </a:p>
-          <a:p>
-            <a:r>
-              <a:rPr lang="hr-HR" b="1" dirty="0" smtClean="0">
+              <a:t>prostorije postaju veće i više</a:t>
+            </a:r>
+            <a:r>
+              <a:rPr lang="hr-HR" dirty="0"/>
+              <a:t> s velikim prozorima, brojnim ogledalima, velikim brojem manjih stolova, udobnim stolicama za sjedenje, kristalnim lusterima i tapeciranim </a:t>
+            </a:r>
+            <a:r>
+              <a:rPr lang="hr-HR" dirty="0" smtClean="0"/>
+              <a:t>ložama</a:t>
+            </a:r>
+          </a:p>
+          <a:p>
+            <a:pPr>
+              <a:spcBef>
+                <a:spcPts val="2400"/>
+              </a:spcBef>
+            </a:pPr>
+            <a:r>
+              <a:rPr lang="hr-HR" dirty="0" smtClean="0"/>
+              <a:t>s </a:t>
+            </a:r>
+            <a:r>
+              <a:rPr lang="hr-HR" dirty="0"/>
+              <a:t>povećanjem kvalitete, povećava se asortiman </a:t>
+            </a:r>
+            <a:r>
+              <a:rPr lang="hr-HR" dirty="0" smtClean="0"/>
+              <a:t>usluga i javljaju </a:t>
+            </a:r>
+            <a:r>
+              <a:rPr lang="hr-HR" dirty="0"/>
+              <a:t>se novi </a:t>
+            </a:r>
+            <a:r>
+              <a:rPr lang="hr-HR" dirty="0">
+                <a:highlight>
+                  <a:srgbClr val="FFFF00"/>
+                </a:highlight>
+                <a:ea typeface="Calibri"/>
+                <a:cs typeface="Times New Roman"/>
+              </a:rPr>
+              <a:t>tipovi kavana s dodatnom ponudom</a:t>
+            </a:r>
+            <a:r>
+              <a:rPr lang="hr-HR" dirty="0" smtClean="0"/>
+              <a:t>: </a:t>
+            </a:r>
+          </a:p>
+          <a:p>
+            <a:pPr lvl="1">
+              <a:spcBef>
+                <a:spcPts val="600"/>
+              </a:spcBef>
+            </a:pPr>
+            <a:r>
+              <a:rPr lang="hr-HR" b="1" i="1" dirty="0" err="1" smtClean="0">
                 <a:solidFill>
                   <a:srgbClr val="FF0000"/>
                 </a:solidFill>
               </a:rPr>
-              <a:t>ANIMATOR</a:t>
-            </a:r>
-            <a:r>
-              <a:rPr lang="hr-HR" dirty="0" smtClean="0"/>
-              <a:t> – osoba koja organizira i s gostima izvodi animacijske aktivnosti</a:t>
-            </a:r>
-          </a:p>
-          <a:p>
-            <a:pPr>
-              <a:spcBef>
-                <a:spcPts val="1800"/>
-              </a:spcBef>
-            </a:pPr>
-            <a:r>
-              <a:rPr lang="hr-HR" b="1" dirty="0" smtClean="0">
+              <a:t>caffe</a:t>
+            </a:r>
+            <a:r>
+              <a:rPr lang="hr-HR" b="1" i="1" dirty="0" smtClean="0">
                 <a:solidFill>
                   <a:srgbClr val="FF0000"/>
                 </a:solidFill>
               </a:rPr>
-              <a:t>VRSTE ANIMACIJE:</a:t>
-            </a:r>
-          </a:p>
-          <a:p>
-            <a:pPr lvl="1"/>
+              <a:t>-</a:t>
+            </a:r>
+            <a:r>
+              <a:rPr lang="hr-HR" b="1" i="1" dirty="0" err="1" smtClean="0">
+                <a:solidFill>
+                  <a:srgbClr val="FF0000"/>
+                </a:solidFill>
+              </a:rPr>
+              <a:t>conditorei</a:t>
+            </a:r>
+            <a:r>
+              <a:rPr lang="hr-HR" dirty="0">
+                <a:solidFill>
+                  <a:srgbClr val="FF0000"/>
+                </a:solidFill>
+              </a:rPr>
+              <a:t> </a:t>
+            </a:r>
             <a:r>
               <a:rPr lang="hr-HR" dirty="0" smtClean="0"/>
-              <a:t>kulturne aktivnosti</a:t>
-            </a:r>
-          </a:p>
-          <a:p>
-            <a:pPr lvl="1"/>
+              <a:t>– kombinacija kavane i slastičarnice</a:t>
+            </a:r>
+          </a:p>
+          <a:p>
+            <a:pPr lvl="1">
+              <a:spcBef>
+                <a:spcPts val="600"/>
+              </a:spcBef>
+            </a:pPr>
+            <a:r>
+              <a:rPr lang="hr-HR" b="1" i="1" dirty="0" err="1" smtClean="0">
+                <a:solidFill>
+                  <a:srgbClr val="FF0000"/>
+                </a:solidFill>
+              </a:rPr>
+              <a:t>cafe</a:t>
+            </a:r>
+            <a:r>
+              <a:rPr lang="hr-HR" b="1" i="1" dirty="0" smtClean="0">
+                <a:solidFill>
+                  <a:srgbClr val="FF0000"/>
+                </a:solidFill>
+              </a:rPr>
+              <a:t>-</a:t>
+            </a:r>
+            <a:r>
+              <a:rPr lang="hr-HR" b="1" i="1" dirty="0" err="1" smtClean="0">
+                <a:solidFill>
+                  <a:srgbClr val="FF0000"/>
+                </a:solidFill>
+              </a:rPr>
+              <a:t>restaurant</a:t>
+            </a:r>
+            <a:r>
+              <a:rPr lang="hr-HR" dirty="0" smtClean="0">
+                <a:solidFill>
+                  <a:srgbClr val="FF0000"/>
+                </a:solidFill>
+              </a:rPr>
+              <a:t> </a:t>
+            </a:r>
             <a:r>
               <a:rPr lang="hr-HR" dirty="0" smtClean="0"/>
-              <a:t>zabavne aktivnosti</a:t>
-            </a:r>
-          </a:p>
-          <a:p>
-            <a:pPr lvl="1"/>
+              <a:t>– kombinacija kavane i restauracije  (često u sastavi hotela)</a:t>
+            </a:r>
+          </a:p>
+          <a:p>
+            <a:pPr lvl="1">
+              <a:spcBef>
+                <a:spcPts val="600"/>
+              </a:spcBef>
+            </a:pPr>
+            <a:r>
+              <a:rPr lang="hr-HR" b="1" i="1" dirty="0" err="1" smtClean="0">
+                <a:solidFill>
+                  <a:srgbClr val="FF0000"/>
+                </a:solidFill>
+              </a:rPr>
+              <a:t>konzertkaffe</a:t>
+            </a:r>
+            <a:r>
+              <a:rPr lang="hr-HR" dirty="0" smtClean="0">
+                <a:solidFill>
+                  <a:srgbClr val="FF0000"/>
+                </a:solidFill>
+              </a:rPr>
+              <a:t> </a:t>
+            </a:r>
             <a:r>
               <a:rPr lang="hr-HR" dirty="0" smtClean="0"/>
-              <a:t>sportske aktivnosti</a:t>
-            </a:r>
-          </a:p>
-          <a:p>
-            <a:pPr lvl="1"/>
+              <a:t>– kavane u kojima se održavaju koncerti klasične glazbe u trajanju od 1 sat</a:t>
+            </a:r>
+          </a:p>
+          <a:p>
+            <a:pPr lvl="1">
+              <a:spcBef>
+                <a:spcPts val="600"/>
+              </a:spcBef>
+            </a:pPr>
+            <a:r>
+              <a:rPr lang="hr-HR" b="1" i="1" dirty="0" err="1" smtClean="0">
+                <a:solidFill>
+                  <a:srgbClr val="FF0000"/>
+                </a:solidFill>
+              </a:rPr>
+              <a:t>tanzkaffe</a:t>
+            </a:r>
+            <a:r>
+              <a:rPr lang="hr-HR" dirty="0" smtClean="0">
+                <a:solidFill>
+                  <a:srgbClr val="FF0000"/>
+                </a:solidFill>
+              </a:rPr>
+              <a:t> </a:t>
+            </a:r>
             <a:r>
               <a:rPr lang="hr-HR" dirty="0" smtClean="0"/>
-              <a:t>izleti</a:t>
+              <a:t>– svake večeri se održava ples (tad cijene usluga rastu)</a:t>
             </a:r>
           </a:p>
         </p:txBody>
@@ -8781,20 +10524,20 @@
     </p:spTree>
     <p:extLst>
       <p:ext uri="{BB962C8B-B14F-4D97-AF65-F5344CB8AC3E}">
-        <p14:creationId xmlns:p14="http://schemas.microsoft.com/office/powerpoint/2010/main" val="1903337381"/>
+        <p14:creationId xmlns:p14="http://schemas.microsoft.com/office/powerpoint/2010/main" val="1826498207"/>
       </p:ext>
     </p:extLst>
   </p:cSld>
   <p:clrMapOvr>
     <a:masterClrMapping/>
   </p:clrMapOvr>
-  <mc:AlternateContent xmlns:mc="http://schemas.openxmlformats.org/markup-compatibility/2006">
-    <mc:Choice xmlns:p14="http://schemas.microsoft.com/office/powerpoint/2010/main" Requires="p14">
+  <mc:AlternateContent xmlns:mc="http://schemas.openxmlformats.org/markup-compatibility/2006" xmlns:p14="http://schemas.microsoft.com/office/powerpoint/2010/main">
+    <mc:Choice Requires="p14">
       <p:transition>
         <p14:reveal/>
       </p:transition>
     </mc:Choice>
-    <mc:Fallback>
+    <mc:Fallback xmlns="">
       <p:transition>
         <p:fade/>
       </p:transition>
@@ -8869,21 +10612,30 @@
                             </p:childTnLst>
                           </p:cTn>
                         </p:par>
+                      </p:childTnLst>
+                    </p:cTn>
+                  </p:par>
+                  <p:par>
+                    <p:cTn id="8" fill="hold">
+                      <p:stCondLst>
+                        <p:cond delay="indefinite"/>
+                      </p:stCondLst>
+                      <p:childTnLst>
                         <p:par>
-                          <p:cTn id="8" fill="hold">
+                          <p:cTn id="9" fill="hold">
                             <p:stCondLst>
-                              <p:cond delay="250"/>
+                              <p:cond delay="0"/>
                             </p:stCondLst>
                             <p:childTnLst>
                               <p:par>
-                                <p:cTn id="9" presetID="10" presetClass="entr" presetSubtype="0" fill="hold" grpId="0" nodeType="afterEffect">
+                                <p:cTn id="10" presetID="10" presetClass="entr" presetSubtype="0" fill="hold" grpId="0" nodeType="clickEffect">
                                   <p:stCondLst>
                                     <p:cond delay="0"/>
                                   </p:stCondLst>
                                   <p:childTnLst>
                                     <p:set>
                                       <p:cBhvr>
-                                        <p:cTn id="10" dur="1" fill="hold">
+                                        <p:cTn id="11" dur="1" fill="hold">
                                           <p:stCondLst>
                                             <p:cond delay="0"/>
                                           </p:stCondLst>
@@ -8905,97 +10657,11 @@
                                     </p:set>
                                     <p:animEffect transition="in" filter="fade">
                                       <p:cBhvr>
-                                        <p:cTn id="11" dur="250"/>
+                                        <p:cTn id="12" dur="250"/>
                                         <p:tgtEl>
                                           <p:spTgt spid="3">
                                             <p:txEl>
                                               <p:pRg st="1" end="1"/>
-                                            </p:txEl>
-                                          </p:spTgt>
-                                        </p:tgtEl>
-                                      </p:cBhvr>
-                                    </p:animEffect>
-                                  </p:childTnLst>
-                                </p:cTn>
-                              </p:par>
-                              <p:par>
-                                <p:cTn id="12" presetID="10" presetClass="entr" presetSubtype="0" fill="hold" grpId="0" nodeType="withEffect">
-                                  <p:stCondLst>
-                                    <p:cond delay="0"/>
-                                  </p:stCondLst>
-                                  <p:childTnLst>
-                                    <p:set>
-                                      <p:cBhvr>
-                                        <p:cTn id="13" dur="1" fill="hold">
-                                          <p:stCondLst>
-                                            <p:cond delay="0"/>
-                                          </p:stCondLst>
-                                        </p:cTn>
-                                        <p:tgtEl>
-                                          <p:spTgt spid="3">
-                                            <p:txEl>
-                                              <p:pRg st="2" end="2"/>
-                                            </p:txEl>
-                                          </p:spTgt>
-                                        </p:tgtEl>
-                                        <p:attrNameLst>
-                                          <p:attrName>style.visibility</p:attrName>
-                                        </p:attrNameLst>
-                                      </p:cBhvr>
-                                      <p:to>
-                                        <p:strVal val="visible"/>
-                                      </p:to>
-                                    </p:set>
-                                    <p:animEffect transition="in" filter="fade">
-                                      <p:cBhvr>
-                                        <p:cTn id="14" dur="250"/>
-                                        <p:tgtEl>
-                                          <p:spTgt spid="3">
-                                            <p:txEl>
-                                              <p:pRg st="2" end="2"/>
-                                            </p:txEl>
-                                          </p:spTgt>
-                                        </p:tgtEl>
-                                      </p:cBhvr>
-                                    </p:animEffect>
-                                  </p:childTnLst>
-                                </p:cTn>
-                              </p:par>
-                              <p:par>
-                                <p:cTn id="15" presetID="10" presetClass="entr" presetSubtype="0" fill="hold" grpId="0" nodeType="withEffect">
-                                  <p:stCondLst>
-                                    <p:cond delay="0"/>
-                                  </p:stCondLst>
-                                  <p:childTnLst>
-                                    <p:set>
-                                      <p:cBhvr>
-                                        <p:cTn id="16" dur="1" fill="hold">
-                                          <p:stCondLst>
-                                            <p:cond delay="0"/>
-                                          </p:stCondLst>
-                                        </p:cTn>
-                                        <p:tgtEl>
-                                          <p:spTgt spid="3">
-                                            <p:txEl>
-                                              <p:pRg st="3" end="3"/>
-                                            </p:txEl>
-                                          </p:spTgt>
-                                        </p:tgtEl>
-                                        <p:attrNameLst>
-                                          <p:attrName>style.visibility</p:attrName>
-                                        </p:attrNameLst>
-                                      </p:cBhvr>
-                                      <p:to>
-                                        <p:strVal val="visible"/>
-                                      </p:to>
-                                    </p:set>
-                                    <p:animEffect transition="in" filter="fade">
-                                      <p:cBhvr>
-                                        <p:cTn id="17" dur="250"/>
-                                        <p:tgtEl>
-                                          <p:spTgt spid="3">
-                                            <p:txEl>
-                                              <p:pRg st="3" end="3"/>
                                             </p:txEl>
                                           </p:spTgt>
                                         </p:tgtEl>
@@ -9011,26 +10677,26 @@
                     </p:cTn>
                   </p:par>
                   <p:par>
-                    <p:cTn id="18" fill="hold">
+                    <p:cTn id="13" fill="hold">
                       <p:stCondLst>
                         <p:cond delay="indefinite"/>
                       </p:stCondLst>
                       <p:childTnLst>
                         <p:par>
-                          <p:cTn id="19" fill="hold">
+                          <p:cTn id="14" fill="hold">
                             <p:stCondLst>
                               <p:cond delay="0"/>
                             </p:stCondLst>
                             <p:childTnLst>
                               <p:par>
-                                <p:cTn id="20" presetID="10" presetClass="entr" presetSubtype="0" fill="hold" grpId="0" nodeType="clickEffect">
+                                <p:cTn id="15" presetID="10" presetClass="entr" presetSubtype="0" fill="hold" grpId="0" nodeType="clickEffect">
                                   <p:stCondLst>
                                     <p:cond delay="0"/>
                                   </p:stCondLst>
                                   <p:childTnLst>
                                     <p:set>
                                       <p:cBhvr>
-                                        <p:cTn id="21" dur="1" fill="hold">
+                                        <p:cTn id="16" dur="1" fill="hold">
                                           <p:stCondLst>
                                             <p:cond delay="0"/>
                                           </p:stCondLst>
@@ -9038,7 +10704,7 @@
                                         <p:tgtEl>
                                           <p:spTgt spid="3">
                                             <p:txEl>
-                                              <p:pRg st="4" end="4"/>
+                                              <p:pRg st="2" end="2"/>
                                             </p:txEl>
                                           </p:spTgt>
                                         </p:tgtEl>
@@ -9052,11 +10718,11 @@
                                     </p:set>
                                     <p:animEffect transition="in" filter="fade">
                                       <p:cBhvr>
-                                        <p:cTn id="22" dur="250"/>
+                                        <p:cTn id="17" dur="250"/>
                                         <p:tgtEl>
                                           <p:spTgt spid="3">
                                             <p:txEl>
-                                              <p:pRg st="4" end="4"/>
+                                              <p:pRg st="2" end="2"/>
                                             </p:txEl>
                                           </p:spTgt>
                                         </p:tgtEl>
@@ -9068,30 +10734,125 @@
                             </p:childTnLst>
                           </p:cTn>
                         </p:par>
-                      </p:childTnLst>
-                    </p:cTn>
-                  </p:par>
-                  <p:par>
-                    <p:cTn id="23" fill="hold">
-                      <p:stCondLst>
-                        <p:cond delay="indefinite"/>
-                      </p:stCondLst>
-                      <p:childTnLst>
                         <p:par>
-                          <p:cTn id="24" fill="hold">
+                          <p:cTn id="18" fill="hold">
                             <p:stCondLst>
-                              <p:cond delay="0"/>
+                              <p:cond delay="250"/>
                             </p:stCondLst>
                             <p:childTnLst>
                               <p:par>
-                                <p:cTn id="25" presetID="10" presetClass="entr" presetSubtype="0" fill="hold" grpId="0" nodeType="clickEffect">
+                                <p:cTn id="19" presetID="10" presetClass="entr" presetSubtype="0" fill="hold" grpId="0" nodeType="afterEffect">
                                   <p:stCondLst>
                                     <p:cond delay="0"/>
                                   </p:stCondLst>
                                   <p:childTnLst>
                                     <p:set>
                                       <p:cBhvr>
-                                        <p:cTn id="26" dur="1" fill="hold">
+                                        <p:cTn id="20" dur="1" fill="hold">
+                                          <p:stCondLst>
+                                            <p:cond delay="0"/>
+                                          </p:stCondLst>
+                                        </p:cTn>
+                                        <p:tgtEl>
+                                          <p:spTgt spid="3">
+                                            <p:txEl>
+                                              <p:pRg st="3" end="3"/>
+                                            </p:txEl>
+                                          </p:spTgt>
+                                        </p:tgtEl>
+                                        <p:attrNameLst>
+                                          <p:attrName>style.visibility</p:attrName>
+                                        </p:attrNameLst>
+                                      </p:cBhvr>
+                                      <p:to>
+                                        <p:strVal val="visible"/>
+                                      </p:to>
+                                    </p:set>
+                                    <p:animEffect transition="in" filter="fade">
+                                      <p:cBhvr>
+                                        <p:cTn id="21" dur="250"/>
+                                        <p:tgtEl>
+                                          <p:spTgt spid="3">
+                                            <p:txEl>
+                                              <p:pRg st="3" end="3"/>
+                                            </p:txEl>
+                                          </p:spTgt>
+                                        </p:tgtEl>
+                                      </p:cBhvr>
+                                    </p:animEffect>
+                                  </p:childTnLst>
+                                </p:cTn>
+                              </p:par>
+                            </p:childTnLst>
+                          </p:cTn>
+                        </p:par>
+                        <p:par>
+                          <p:cTn id="22" fill="hold">
+                            <p:stCondLst>
+                              <p:cond delay="500"/>
+                            </p:stCondLst>
+                            <p:childTnLst>
+                              <p:par>
+                                <p:cTn id="23" presetID="10" presetClass="entr" presetSubtype="0" fill="hold" grpId="0" nodeType="afterEffect">
+                                  <p:stCondLst>
+                                    <p:cond delay="0"/>
+                                  </p:stCondLst>
+                                  <p:childTnLst>
+                                    <p:set>
+                                      <p:cBhvr>
+                                        <p:cTn id="24" dur="1" fill="hold">
+                                          <p:stCondLst>
+                                            <p:cond delay="0"/>
+                                          </p:stCondLst>
+                                        </p:cTn>
+                                        <p:tgtEl>
+                                          <p:spTgt spid="3">
+                                            <p:txEl>
+                                              <p:pRg st="4" end="4"/>
+                                            </p:txEl>
+                                          </p:spTgt>
+                                        </p:tgtEl>
+                                        <p:attrNameLst>
+                                          <p:attrName>style.visibility</p:attrName>
+                                        </p:attrNameLst>
+                                      </p:cBhvr>
+                                      <p:to>
+                                        <p:strVal val="visible"/>
+                                      </p:to>
+                                    </p:set>
+                                    <p:animEffect transition="in" filter="fade">
+                                      <p:cBhvr>
+                                        <p:cTn id="25" dur="250"/>
+                                        <p:tgtEl>
+                                          <p:spTgt spid="3">
+                                            <p:txEl>
+                                              <p:pRg st="4" end="4"/>
+                                            </p:txEl>
+                                          </p:spTgt>
+                                        </p:tgtEl>
+                                      </p:cBhvr>
+                                    </p:animEffect>
+                                  </p:childTnLst>
+                                </p:cTn>
+                              </p:par>
+                            </p:childTnLst>
+                          </p:cTn>
+                        </p:par>
+                        <p:par>
+                          <p:cTn id="26" fill="hold">
+                            <p:stCondLst>
+                              <p:cond delay="750"/>
+                            </p:stCondLst>
+                            <p:childTnLst>
+                              <p:par>
+                                <p:cTn id="27" presetID="10" presetClass="entr" presetSubtype="0" fill="hold" grpId="0" nodeType="afterEffect">
+                                  <p:stCondLst>
+                                    <p:cond delay="0"/>
+                                  </p:stCondLst>
+                                  <p:childTnLst>
+                                    <p:set>
+                                      <p:cBhvr>
+                                        <p:cTn id="28" dur="1" fill="hold">
                                           <p:stCondLst>
                                             <p:cond delay="0"/>
                                           </p:stCondLst>
@@ -9113,7 +10874,7 @@
                                     </p:set>
                                     <p:animEffect transition="in" filter="fade">
                                       <p:cBhvr>
-                                        <p:cTn id="27" dur="250"/>
+                                        <p:cTn id="29" dur="250"/>
                                         <p:tgtEl>
                                           <p:spTgt spid="3">
                                             <p:txEl>
@@ -9126,15 +10887,24 @@
                                   </p:childTnLst>
                                 </p:cTn>
                               </p:par>
+                            </p:childTnLst>
+                          </p:cTn>
+                        </p:par>
+                        <p:par>
+                          <p:cTn id="30" fill="hold">
+                            <p:stCondLst>
+                              <p:cond delay="1000"/>
+                            </p:stCondLst>
+                            <p:childTnLst>
                               <p:par>
-                                <p:cTn id="28" presetID="10" presetClass="entr" presetSubtype="0" fill="hold" grpId="0" nodeType="withEffect">
+                                <p:cTn id="31" presetID="10" presetClass="entr" presetSubtype="0" fill="hold" grpId="0" nodeType="afterEffect">
                                   <p:stCondLst>
                                     <p:cond delay="0"/>
                                   </p:stCondLst>
                                   <p:childTnLst>
                                     <p:set>
                                       <p:cBhvr>
-                                        <p:cTn id="29" dur="1" fill="hold">
+                                        <p:cTn id="32" dur="1" fill="hold">
                                           <p:stCondLst>
                                             <p:cond delay="0"/>
                                           </p:stCondLst>
@@ -9156,140 +10926,11 @@
                                     </p:set>
                                     <p:animEffect transition="in" filter="fade">
                                       <p:cBhvr>
-                                        <p:cTn id="30" dur="250"/>
+                                        <p:cTn id="33" dur="250"/>
                                         <p:tgtEl>
                                           <p:spTgt spid="3">
                                             <p:txEl>
                                               <p:pRg st="6" end="6"/>
-                                            </p:txEl>
-                                          </p:spTgt>
-                                        </p:tgtEl>
-                                      </p:cBhvr>
-                                    </p:animEffect>
-                                  </p:childTnLst>
-                                </p:cTn>
-                              </p:par>
-                              <p:par>
-                                <p:cTn id="31" presetID="10" presetClass="entr" presetSubtype="0" fill="hold" grpId="0" nodeType="withEffect">
-                                  <p:stCondLst>
-                                    <p:cond delay="0"/>
-                                  </p:stCondLst>
-                                  <p:childTnLst>
-                                    <p:set>
-                                      <p:cBhvr>
-                                        <p:cTn id="32" dur="1" fill="hold">
-                                          <p:stCondLst>
-                                            <p:cond delay="0"/>
-                                          </p:stCondLst>
-                                        </p:cTn>
-                                        <p:tgtEl>
-                                          <p:spTgt spid="3">
-                                            <p:txEl>
-                                              <p:pRg st="7" end="7"/>
-                                            </p:txEl>
-                                          </p:spTgt>
-                                        </p:tgtEl>
-                                        <p:attrNameLst>
-                                          <p:attrName>style.visibility</p:attrName>
-                                        </p:attrNameLst>
-                                      </p:cBhvr>
-                                      <p:to>
-                                        <p:strVal val="visible"/>
-                                      </p:to>
-                                    </p:set>
-                                    <p:animEffect transition="in" filter="fade">
-                                      <p:cBhvr>
-                                        <p:cTn id="33" dur="250"/>
-                                        <p:tgtEl>
-                                          <p:spTgt spid="3">
-                                            <p:txEl>
-                                              <p:pRg st="7" end="7"/>
-                                            </p:txEl>
-                                          </p:spTgt>
-                                        </p:tgtEl>
-                                      </p:cBhvr>
-                                    </p:animEffect>
-                                  </p:childTnLst>
-                                </p:cTn>
-                              </p:par>
-                              <p:par>
-                                <p:cTn id="34" presetID="10" presetClass="entr" presetSubtype="0" fill="hold" grpId="0" nodeType="withEffect">
-                                  <p:stCondLst>
-                                    <p:cond delay="0"/>
-                                  </p:stCondLst>
-                                  <p:childTnLst>
-                                    <p:set>
-                                      <p:cBhvr>
-                                        <p:cTn id="35" dur="1" fill="hold">
-                                          <p:stCondLst>
-                                            <p:cond delay="0"/>
-                                          </p:stCondLst>
-                                        </p:cTn>
-                                        <p:tgtEl>
-                                          <p:spTgt spid="3">
-                                            <p:txEl>
-                                              <p:pRg st="8" end="8"/>
-                                            </p:txEl>
-                                          </p:spTgt>
-                                        </p:tgtEl>
-                                        <p:attrNameLst>
-                                          <p:attrName>style.visibility</p:attrName>
-                                        </p:attrNameLst>
-                                      </p:cBhvr>
-                                      <p:to>
-                                        <p:strVal val="visible"/>
-                                      </p:to>
-                                    </p:set>
-                                    <p:animEffect transition="in" filter="fade">
-                                      <p:cBhvr>
-                                        <p:cTn id="36" dur="250"/>
-                                        <p:tgtEl>
-                                          <p:spTgt spid="3">
-                                            <p:txEl>
-                                              <p:pRg st="8" end="8"/>
-                                            </p:txEl>
-                                          </p:spTgt>
-                                        </p:tgtEl>
-                                      </p:cBhvr>
-                                    </p:animEffect>
-                                  </p:childTnLst>
-                                </p:cTn>
-                              </p:par>
-                              <p:par>
-                                <p:cTn id="37" presetID="10" presetClass="entr" presetSubtype="0" fill="hold" grpId="0" nodeType="withEffect">
-                                  <p:stCondLst>
-                                    <p:cond delay="0"/>
-                                  </p:stCondLst>
-                                  <p:childTnLst>
-                                    <p:set>
-                                      <p:cBhvr>
-                                        <p:cTn id="38" dur="1" fill="hold">
-                                          <p:stCondLst>
-                                            <p:cond delay="0"/>
-                                          </p:stCondLst>
-                                        </p:cTn>
-                                        <p:tgtEl>
-                                          <p:spTgt spid="3">
-                                            <p:txEl>
-                                              <p:pRg st="9" end="9"/>
-                                            </p:txEl>
-                                          </p:spTgt>
-                                        </p:tgtEl>
-                                        <p:attrNameLst>
-                                          <p:attrName>style.visibility</p:attrName>
-                                        </p:attrNameLst>
-                                      </p:cBhvr>
-                                      <p:to>
-                                        <p:strVal val="visible"/>
-                                      </p:to>
-                                    </p:set>
-                                    <p:animEffect transition="in" filter="fade">
-                                      <p:cBhvr>
-                                        <p:cTn id="39" dur="250"/>
-                                        <p:tgtEl>
-                                          <p:spTgt spid="3">
-                                            <p:txEl>
-                                              <p:pRg st="9" end="9"/>
                                             </p:txEl>
                                           </p:spTgt>
                                         </p:tgtEl>
@@ -9326,14 +10967,14 @@
       </p:par>
     </p:tnLst>
     <p:bldLst>
-      <p:bldP spid="3" grpId="0" build="p"/>
+      <p:bldP spid="3" grpId="0" uiExpand="1" build="p"/>
     </p:bldLst>
   </p:timing>
 </p:sld>
 </file>
 
-<file path=ppt/slides/slide14.xml><?xml version="1.0" encoding="utf-8"?>
-<p:sld xmlns:a="http://schemas.openxmlformats.org/drawingml/2006/main" xmlns:r="http://schemas.openxmlformats.org/officeDocument/2006/relationships" xmlns:p="http://schemas.openxmlformats.org/presentationml/2006/main" show="0">
+<file path=ppt/slides/slide17.xml><?xml version="1.0" encoding="utf-8"?>
+<p:sld xmlns:a="http://schemas.openxmlformats.org/drawingml/2006/main" xmlns:r="http://schemas.openxmlformats.org/officeDocument/2006/relationships" xmlns:p="http://schemas.openxmlformats.org/presentationml/2006/main">
   <p:cSld>
     <p:spTree>
       <p:nvGrpSpPr>
@@ -9359,14 +11000,39 @@
             <p:ph type="title"/>
           </p:nvPr>
         </p:nvSpPr>
-        <p:spPr/>
+        <p:spPr>
+          <a:xfrm>
+            <a:off x="142844" y="-22254"/>
+            <a:ext cx="8858312" cy="642942"/>
+          </a:xfrm>
+        </p:spPr>
         <p:txBody>
           <a:bodyPr/>
           <a:lstStyle/>
           <a:p>
             <a:r>
               <a:rPr lang="hr-HR" sz="3200" dirty="0" smtClean="0"/>
-              <a:t>Osnovni uvjeti za obavljanje ugostiteljske djelatnosti</a:t>
+              <a:t>Kavana bečkog tipa </a:t>
+            </a:r>
+            <a:r>
+              <a:rPr lang="hr-HR" sz="3200" i="1" dirty="0" smtClean="0"/>
+              <a:t>(</a:t>
+            </a:r>
+            <a:r>
+              <a:rPr lang="hr-HR" sz="3200" i="1" dirty="0" err="1" smtClean="0"/>
+              <a:t>wiener</a:t>
+            </a:r>
+            <a:r>
+              <a:rPr lang="hr-HR" sz="3200" i="1" dirty="0" smtClean="0"/>
+              <a:t> </a:t>
+            </a:r>
+            <a:r>
+              <a:rPr lang="hr-HR" sz="3200" i="1" dirty="0" err="1" smtClean="0"/>
+              <a:t>Kaffeehaus</a:t>
+            </a:r>
+            <a:r>
+              <a:rPr lang="hr-HR" sz="3200" i="1" dirty="0" smtClean="0"/>
+              <a:t>)</a:t>
             </a:r>
             <a:endParaRPr lang="hr-HR" sz="3400" b="1" i="1" dirty="0"/>
           </a:p>
@@ -9384,8 +11050,8 @@
         </p:nvSpPr>
         <p:spPr>
           <a:xfrm>
-            <a:off x="0" y="551556"/>
-            <a:ext cx="9144000" cy="6381328"/>
+            <a:off x="0" y="623564"/>
+            <a:ext cx="9144000" cy="5829772"/>
           </a:xfrm>
         </p:spPr>
         <p:txBody>
@@ -9394,72 +11060,175 @@
           </a:bodyPr>
           <a:lstStyle/>
           <a:p>
+            <a:pPr>
+              <a:spcBef>
+                <a:spcPts val="600"/>
+              </a:spcBef>
+            </a:pPr>
             <a:r>
               <a:rPr lang="hr-HR" dirty="0" smtClean="0"/>
-              <a:t>niz predradnji prije otvaranja </a:t>
+              <a:t>na ulazu u kavanu stajali su </a:t>
+            </a:r>
+            <a:r>
+              <a:rPr lang="hr-HR" dirty="0">
+                <a:highlight>
+                  <a:srgbClr val="FFFF00"/>
+                </a:highlight>
+                <a:ea typeface="Calibri"/>
+                <a:cs typeface="Times New Roman"/>
+              </a:rPr>
+              <a:t>portiri</a:t>
+            </a:r>
+            <a:r>
+              <a:rPr lang="hr-HR" dirty="0" smtClean="0"/>
+              <a:t> koji su puštali u kavanu </a:t>
+            </a:r>
+            <a:r>
+              <a:rPr lang="hr-HR" dirty="0">
+                <a:highlight>
+                  <a:srgbClr val="FFFF00"/>
+                </a:highlight>
+                <a:ea typeface="Calibri"/>
+                <a:cs typeface="Times New Roman"/>
+              </a:rPr>
+              <a:t>samo pristojno obučene ljude </a:t>
+            </a:r>
+          </a:p>
+          <a:p>
+            <a:pPr lvl="1">
+              <a:spcBef>
+                <a:spcPts val="600"/>
+              </a:spcBef>
+            </a:pPr>
+            <a:r>
+              <a:rPr lang="hr-HR" dirty="0" smtClean="0"/>
+              <a:t>najčešće sastajalište političara, novinara, poslovnih ljudi, intelektualaca, književnika, imućnih ljudi…</a:t>
+            </a:r>
+          </a:p>
+          <a:p>
+            <a:pPr lvl="1">
+              <a:spcBef>
+                <a:spcPts val="600"/>
+              </a:spcBef>
+            </a:pPr>
+            <a:r>
+              <a:rPr lang="hr-HR" dirty="0" smtClean="0"/>
+              <a:t>mnogi su imali </a:t>
+            </a:r>
+            <a:r>
+              <a:rPr lang="hr-HR" dirty="0">
+                <a:highlight>
+                  <a:srgbClr val="FFFF00"/>
+                </a:highlight>
+                <a:ea typeface="Calibri"/>
+                <a:cs typeface="Times New Roman"/>
+              </a:rPr>
+              <a:t>„svoj” stol </a:t>
+            </a:r>
+            <a:r>
+              <a:rPr lang="hr-HR" dirty="0" smtClean="0"/>
+              <a:t>– posebno rezervirani stol za redovitog gosta i dobrog potrošača</a:t>
+            </a:r>
+          </a:p>
+          <a:p>
+            <a:pPr>
+              <a:spcBef>
+                <a:spcPts val="1800"/>
+              </a:spcBef>
+            </a:pPr>
+            <a:r>
+              <a:rPr lang="hr-HR" dirty="0" smtClean="0"/>
+              <a:t>kavane doživljavaju </a:t>
+            </a:r>
+            <a:r>
+              <a:rPr lang="hr-HR" dirty="0">
+                <a:highlight>
+                  <a:srgbClr val="FFFF00"/>
+                </a:highlight>
+                <a:ea typeface="Calibri"/>
+                <a:cs typeface="Times New Roman"/>
+              </a:rPr>
+              <a:t>vrhunac 1930-ih godina</a:t>
+            </a:r>
+            <a:r>
+              <a:rPr lang="hr-HR" dirty="0" smtClean="0"/>
+              <a:t>, a nakon 2. </a:t>
             </a:r>
             <a:r>
               <a:rPr lang="hr-HR" dirty="0" err="1" smtClean="0"/>
-              <a:t>ug</a:t>
+              <a:t>svj</a:t>
             </a:r>
             <a:r>
               <a:rPr lang="hr-HR" dirty="0" smtClean="0"/>
-              <a:t>. objekta:</a:t>
-            </a:r>
-          </a:p>
-          <a:p>
-            <a:pPr lvl="1"/>
+              <a:t>. rata ih se većina zatvara jer nije bilo dovoljno potrošača, slobodnog vremena i novca </a:t>
+            </a:r>
+          </a:p>
+          <a:p>
+            <a:pPr>
+              <a:spcBef>
+                <a:spcPts val="1800"/>
+              </a:spcBef>
+            </a:pPr>
+            <a:r>
+              <a:rPr lang="hr-HR" b="1" dirty="0">
+                <a:highlight>
+                  <a:srgbClr val="FFFF00"/>
+                </a:highlight>
+                <a:ea typeface="Calibri"/>
+                <a:cs typeface="Times New Roman"/>
+              </a:rPr>
+              <a:t>asortiman usluga:</a:t>
+            </a:r>
+          </a:p>
+          <a:p>
+            <a:pPr lvl="1">
+              <a:spcBef>
+                <a:spcPts val="600"/>
+              </a:spcBef>
+            </a:pPr>
             <a:r>
               <a:rPr lang="hr-HR" dirty="0" smtClean="0"/>
-              <a:t>dozvola za otvaranje </a:t>
+              <a:t>kava, kakao, bečki </a:t>
             </a:r>
             <a:r>
               <a:rPr lang="hr-HR" dirty="0" err="1" smtClean="0"/>
-              <a:t>ug</a:t>
+              <a:t>melanž</a:t>
             </a:r>
             <a:r>
               <a:rPr lang="hr-HR" dirty="0" smtClean="0"/>
-              <a:t>. objekta</a:t>
-            </a:r>
-          </a:p>
-          <a:p>
-            <a:pPr lvl="1"/>
+              <a:t>, razni čajevi, alkoholna i bezalkoholna pića, </a:t>
+            </a:r>
+          </a:p>
+          <a:p>
+            <a:pPr lvl="1">
+              <a:spcBef>
+                <a:spcPts val="600"/>
+              </a:spcBef>
+            </a:pPr>
             <a:r>
               <a:rPr lang="hr-HR" dirty="0" smtClean="0"/>
-              <a:t>sposobnost pripremanja usluge bez poteškoća</a:t>
-            </a:r>
-          </a:p>
-          <a:p>
-            <a:pPr lvl="1"/>
-            <a:r>
-              <a:rPr lang="hr-HR" dirty="0" smtClean="0"/>
-              <a:t>sposobnost posluživanja usluge gostima, u skladu sa zakonskim normama te pravilima  </a:t>
-            </a:r>
-            <a:r>
-              <a:rPr lang="hr-HR" smtClean="0"/>
-              <a:t>i običajima struke</a:t>
-            </a:r>
-            <a:endParaRPr lang="hr-HR" dirty="0" smtClean="0"/>
+              <a:t>jaja, kobasice, hrenovke, jednostavna kuhana jela, sendviči, tople i hladne slastice</a:t>
+            </a:r>
           </a:p>
         </p:txBody>
       </p:sp>
     </p:spTree>
     <p:extLst>
       <p:ext uri="{BB962C8B-B14F-4D97-AF65-F5344CB8AC3E}">
-        <p14:creationId xmlns:p14="http://schemas.microsoft.com/office/powerpoint/2010/main" val="1727599385"/>
+        <p14:creationId xmlns:p14="http://schemas.microsoft.com/office/powerpoint/2010/main" val="980323340"/>
       </p:ext>
     </p:extLst>
   </p:cSld>
   <p:clrMapOvr>
     <a:masterClrMapping/>
   </p:clrMapOvr>
-  <mc:AlternateContent xmlns:mc="http://schemas.openxmlformats.org/markup-compatibility/2006">
-    <mc:Choice xmlns:p14="http://schemas.microsoft.com/office/powerpoint/2010/main" Requires="p14">
+  <mc:AlternateContent xmlns:mc="http://schemas.openxmlformats.org/markup-compatibility/2006" xmlns:p14="http://schemas.microsoft.com/office/powerpoint/2010/main">
+    <mc:Choice Requires="p14">
       <p:transition>
         <p14:reveal/>
       </p:transition>
     </mc:Choice>
-    <mc:Fallback>
+    <mc:Fallback xmlns="">
       <p:transition>
         <p:fade/>
       </p:transition>
@@ -9531,15 +11300,24 @@
                                   </p:childTnLst>
                                 </p:cTn>
                               </p:par>
+                            </p:childTnLst>
+                          </p:cTn>
+                        </p:par>
+                        <p:par>
+                          <p:cTn id="8" fill="hold">
+                            <p:stCondLst>
+                              <p:cond delay="250"/>
+                            </p:stCondLst>
+                            <p:childTnLst>
                               <p:par>
-                                <p:cTn id="8" presetID="10" presetClass="entr" presetSubtype="0" fill="hold" grpId="0" nodeType="withEffect">
+                                <p:cTn id="9" presetID="10" presetClass="entr" presetSubtype="0" fill="hold" grpId="0" nodeType="afterEffect">
                                   <p:stCondLst>
                                     <p:cond delay="0"/>
                                   </p:stCondLst>
                                   <p:childTnLst>
                                     <p:set>
                                       <p:cBhvr>
-                                        <p:cTn id="9" dur="1" fill="hold">
+                                        <p:cTn id="10" dur="1" fill="hold">
                                           <p:stCondLst>
                                             <p:cond delay="0"/>
                                           </p:stCondLst>
@@ -9561,7 +11339,7 @@
                                     </p:set>
                                     <p:animEffect transition="in" filter="fade">
                                       <p:cBhvr>
-                                        <p:cTn id="10" dur="250"/>
+                                        <p:cTn id="11" dur="250"/>
                                         <p:tgtEl>
                                           <p:spTgt spid="3">
                                             <p:txEl>
@@ -9574,15 +11352,24 @@
                                   </p:childTnLst>
                                 </p:cTn>
                               </p:par>
+                            </p:childTnLst>
+                          </p:cTn>
+                        </p:par>
+                        <p:par>
+                          <p:cTn id="12" fill="hold">
+                            <p:stCondLst>
+                              <p:cond delay="500"/>
+                            </p:stCondLst>
+                            <p:childTnLst>
                               <p:par>
-                                <p:cTn id="11" presetID="10" presetClass="entr" presetSubtype="0" fill="hold" grpId="0" nodeType="withEffect">
+                                <p:cTn id="13" presetID="10" presetClass="entr" presetSubtype="0" fill="hold" grpId="0" nodeType="afterEffect">
                                   <p:stCondLst>
                                     <p:cond delay="0"/>
                                   </p:stCondLst>
                                   <p:childTnLst>
                                     <p:set>
                                       <p:cBhvr>
-                                        <p:cTn id="12" dur="1" fill="hold">
+                                        <p:cTn id="14" dur="1" fill="hold">
                                           <p:stCondLst>
                                             <p:cond delay="0"/>
                                           </p:stCondLst>
@@ -9604,7 +11391,7 @@
                                     </p:set>
                                     <p:animEffect transition="in" filter="fade">
                                       <p:cBhvr>
-                                        <p:cTn id="13" dur="250"/>
+                                        <p:cTn id="15" dur="250"/>
                                         <p:tgtEl>
                                           <p:spTgt spid="3">
                                             <p:txEl>
@@ -9617,15 +11404,33 @@
                                   </p:childTnLst>
                                 </p:cTn>
                               </p:par>
+                            </p:childTnLst>
+                          </p:cTn>
+                        </p:par>
+                      </p:childTnLst>
+                    </p:cTn>
+                  </p:par>
+                  <p:par>
+                    <p:cTn id="16" fill="hold">
+                      <p:stCondLst>
+                        <p:cond delay="indefinite"/>
+                      </p:stCondLst>
+                      <p:childTnLst>
+                        <p:par>
+                          <p:cTn id="17" fill="hold">
+                            <p:stCondLst>
+                              <p:cond delay="0"/>
+                            </p:stCondLst>
+                            <p:childTnLst>
                               <p:par>
-                                <p:cTn id="14" presetID="10" presetClass="entr" presetSubtype="0" fill="hold" grpId="0" nodeType="withEffect">
+                                <p:cTn id="18" presetID="10" presetClass="entr" presetSubtype="0" fill="hold" grpId="0" nodeType="clickEffect">
                                   <p:stCondLst>
                                     <p:cond delay="0"/>
                                   </p:stCondLst>
                                   <p:childTnLst>
                                     <p:set>
                                       <p:cBhvr>
-                                        <p:cTn id="15" dur="1" fill="hold">
+                                        <p:cTn id="19" dur="1" fill="hold">
                                           <p:stCondLst>
                                             <p:cond delay="0"/>
                                           </p:stCondLst>
@@ -9647,11 +11452,158 @@
                                     </p:set>
                                     <p:animEffect transition="in" filter="fade">
                                       <p:cBhvr>
-                                        <p:cTn id="16" dur="250"/>
+                                        <p:cTn id="20" dur="250"/>
                                         <p:tgtEl>
                                           <p:spTgt spid="3">
                                             <p:txEl>
                                               <p:pRg st="3" end="3"/>
+                                            </p:txEl>
+                                          </p:spTgt>
+                                        </p:tgtEl>
+                                      </p:cBhvr>
+                                    </p:animEffect>
+                                  </p:childTnLst>
+                                </p:cTn>
+                              </p:par>
+                            </p:childTnLst>
+                          </p:cTn>
+                        </p:par>
+                      </p:childTnLst>
+                    </p:cTn>
+                  </p:par>
+                  <p:par>
+                    <p:cTn id="21" fill="hold">
+                      <p:stCondLst>
+                        <p:cond delay="indefinite"/>
+                      </p:stCondLst>
+                      <p:childTnLst>
+                        <p:par>
+                          <p:cTn id="22" fill="hold">
+                            <p:stCondLst>
+                              <p:cond delay="0"/>
+                            </p:stCondLst>
+                            <p:childTnLst>
+                              <p:par>
+                                <p:cTn id="23" presetID="10" presetClass="entr" presetSubtype="0" fill="hold" grpId="0" nodeType="clickEffect">
+                                  <p:stCondLst>
+                                    <p:cond delay="0"/>
+                                  </p:stCondLst>
+                                  <p:childTnLst>
+                                    <p:set>
+                                      <p:cBhvr>
+                                        <p:cTn id="24" dur="1" fill="hold">
+                                          <p:stCondLst>
+                                            <p:cond delay="0"/>
+                                          </p:stCondLst>
+                                        </p:cTn>
+                                        <p:tgtEl>
+                                          <p:spTgt spid="3">
+                                            <p:txEl>
+                                              <p:pRg st="4" end="4"/>
+                                            </p:txEl>
+                                          </p:spTgt>
+                                        </p:tgtEl>
+                                        <p:attrNameLst>
+                                          <p:attrName>style.visibility</p:attrName>
+                                        </p:attrNameLst>
+                                      </p:cBhvr>
+                                      <p:to>
+                                        <p:strVal val="visible"/>
+                                      </p:to>
+                                    </p:set>
+                                    <p:animEffect transition="in" filter="fade">
+                                      <p:cBhvr>
+                                        <p:cTn id="25" dur="250"/>
+                                        <p:tgtEl>
+                                          <p:spTgt spid="3">
+                                            <p:txEl>
+                                              <p:pRg st="4" end="4"/>
+                                            </p:txEl>
+                                          </p:spTgt>
+                                        </p:tgtEl>
+                                      </p:cBhvr>
+                                    </p:animEffect>
+                                  </p:childTnLst>
+                                </p:cTn>
+                              </p:par>
+                              <p:par>
+                                <p:cTn id="26" presetID="10" presetClass="entr" presetSubtype="0" fill="hold" grpId="0" nodeType="withEffect">
+                                  <p:stCondLst>
+                                    <p:cond delay="0"/>
+                                  </p:stCondLst>
+                                  <p:childTnLst>
+                                    <p:set>
+                                      <p:cBhvr>
+                                        <p:cTn id="27" dur="1" fill="hold">
+                                          <p:stCondLst>
+                                            <p:cond delay="0"/>
+                                          </p:stCondLst>
+                                        </p:cTn>
+                                        <p:tgtEl>
+                                          <p:spTgt spid="3">
+                                            <p:txEl>
+                                              <p:pRg st="5" end="5"/>
+                                            </p:txEl>
+                                          </p:spTgt>
+                                        </p:tgtEl>
+                                        <p:attrNameLst>
+                                          <p:attrName>style.visibility</p:attrName>
+                                        </p:attrNameLst>
+                                      </p:cBhvr>
+                                      <p:to>
+                                        <p:strVal val="visible"/>
+                                      </p:to>
+                                    </p:set>
+                                    <p:animEffect transition="in" filter="fade">
+                                      <p:cBhvr>
+                                        <p:cTn id="28" dur="250"/>
+                                        <p:tgtEl>
+                                          <p:spTgt spid="3">
+                                            <p:txEl>
+                                              <p:pRg st="5" end="5"/>
+                                            </p:txEl>
+                                          </p:spTgt>
+                                        </p:tgtEl>
+                                      </p:cBhvr>
+                                    </p:animEffect>
+                                  </p:childTnLst>
+                                </p:cTn>
+                              </p:par>
+                              <p:par>
+                                <p:cTn id="29" presetID="10" presetClass="entr" presetSubtype="0" fill="hold" grpId="0" nodeType="withEffect">
+                                  <p:stCondLst>
+                                    <p:cond delay="0"/>
+                                  </p:stCondLst>
+                                  <p:childTnLst>
+                                    <p:set>
+                                      <p:cBhvr>
+                                        <p:cTn id="30" dur="1" fill="hold">
+                                          <p:stCondLst>
+                                            <p:cond delay="0"/>
+                                          </p:stCondLst>
+                                        </p:cTn>
+                                        <p:tgtEl>
+                                          <p:spTgt spid="3">
+                                            <p:txEl>
+                                              <p:pRg st="6" end="6"/>
+                                            </p:txEl>
+                                          </p:spTgt>
+                                        </p:tgtEl>
+                                        <p:attrNameLst>
+                                          <p:attrName>style.visibility</p:attrName>
+                                        </p:attrNameLst>
+                                      </p:cBhvr>
+                                      <p:to>
+                                        <p:strVal val="visible"/>
+                                      </p:to>
+                                    </p:set>
+                                    <p:animEffect transition="in" filter="fade">
+                                      <p:cBhvr>
+                                        <p:cTn id="31" dur="250"/>
+                                        <p:tgtEl>
+                                          <p:spTgt spid="3">
+                                            <p:txEl>
+                                              <p:pRg st="6" end="6"/>
                                             </p:txEl>
                                           </p:spTgt>
                                         </p:tgtEl>
@@ -9688,8 +11640,294 @@
       </p:par>
     </p:tnLst>
     <p:bldLst>
-      <p:bldP spid="3" grpId="0" build="p"/>
+      <p:bldP spid="3" grpId="0" uiExpand="1" build="p"/>
     </p:bldLst>
+  </p:timing>
+</p:sld>
+</file>
+
+<file path=ppt/slides/slide18.xml><?xml version="1.0" encoding="utf-8"?>
+<p:sld xmlns:a="http://schemas.openxmlformats.org/drawingml/2006/main" xmlns:r="http://schemas.openxmlformats.org/officeDocument/2006/relationships" xmlns:p="http://schemas.openxmlformats.org/presentationml/2006/main">
+  <p:cSld>
+    <p:spTree>
+      <p:nvGrpSpPr>
+        <p:cNvPr id="1" name=""/>
+        <p:cNvGrpSpPr/>
+        <p:nvPr/>
+      </p:nvGrpSpPr>
+      <p:grpSpPr>
+        <a:xfrm>
+          <a:off x="0" y="0"/>
+          <a:ext cx="0" cy="0"/>
+          <a:chOff x="0" y="0"/>
+          <a:chExt cx="0" cy="0"/>
+        </a:xfrm>
+      </p:grpSpPr>
+      <p:pic>
+        <p:nvPicPr>
+          <p:cNvPr id="1026" name="Picture 2" descr="http://images.derstandard.at/2016/03/16/central.jpg"/>
+          <p:cNvPicPr>
+            <a:picLocks noChangeAspect="1" noChangeArrowheads="1"/>
+          </p:cNvPicPr>
+          <p:nvPr/>
+        </p:nvPicPr>
+        <p:blipFill>
+          <a:blip r:embed="rId2">
+            <a:extLst>
+              <a:ext uri="{28A0092B-C50C-407E-A947-70E740481C1C}">
+                <a14:useLocalDpi xmlns:a14="http://schemas.microsoft.com/office/drawing/2010/main" val="0"/>
+              </a:ext>
+            </a:extLst>
+          </a:blip>
+          <a:srcRect/>
+          <a:stretch>
+            <a:fillRect/>
+          </a:stretch>
+        </p:blipFill>
+        <p:spPr bwMode="auto">
+          <a:xfrm>
+            <a:off x="22510" y="628304"/>
+            <a:ext cx="9121489" cy="5992219"/>
+          </a:xfrm>
+          <a:prstGeom prst="rect">
+            <a:avLst/>
+          </a:prstGeom>
+          <a:noFill/>
+          <a:extLst>
+            <a:ext uri="{909E8E84-426E-40DD-AFC4-6F175D3DCCD1}">
+              <a14:hiddenFill xmlns:a14="http://schemas.microsoft.com/office/drawing/2010/main">
+                <a:solidFill>
+                  <a:srgbClr val="FFFFFF"/>
+                </a:solidFill>
+              </a14:hiddenFill>
+            </a:ext>
+          </a:extLst>
+        </p:spPr>
+      </p:pic>
+      <p:pic>
+        <p:nvPicPr>
+          <p:cNvPr id="3" name="Picture 2"/>
+          <p:cNvPicPr>
+            <a:picLocks noChangeAspect="1"/>
+          </p:cNvPicPr>
+          <p:nvPr/>
+        </p:nvPicPr>
+        <p:blipFill>
+          <a:blip r:embed="rId3">
+            <a:extLst>
+              <a:ext uri="{28A0092B-C50C-407E-A947-70E740481C1C}">
+                <a14:useLocalDpi xmlns:a14="http://schemas.microsoft.com/office/drawing/2010/main" val="0"/>
+              </a:ext>
+            </a:extLst>
+          </a:blip>
+          <a:stretch>
+            <a:fillRect/>
+          </a:stretch>
+        </p:blipFill>
+        <p:spPr>
+          <a:xfrm>
+            <a:off x="-26801" y="654286"/>
+            <a:ext cx="9197603" cy="5943066"/>
+          </a:xfrm>
+          <a:prstGeom prst="rect">
+            <a:avLst/>
+          </a:prstGeom>
+        </p:spPr>
+      </p:pic>
+    </p:spTree>
+    <p:extLst>
+      <p:ext uri="{BB962C8B-B14F-4D97-AF65-F5344CB8AC3E}">
+        <p14:creationId xmlns:p14="http://schemas.microsoft.com/office/powerpoint/2010/main" val="1160432561"/>
+      </p:ext>
+    </p:extLst>
+  </p:cSld>
+  <p:clrMapOvr>
+    <a:masterClrMapping/>
+  </p:clrMapOvr>
+  <mc:AlternateContent xmlns:mc="http://schemas.openxmlformats.org/markup-compatibility/2006" xmlns:p14="http://schemas.microsoft.com/office/powerpoint/2010/main">
+    <mc:Choice Requires="p14">
+      <p:transition>
+        <p14:reveal/>
+      </p:transition>
+    </mc:Choice>
+    <mc:Fallback xmlns="">
+      <p:transition>
+        <p:fade/>
+      </p:transition>
+    </mc:Fallback>
+  </mc:AlternateContent>
+  <p:timing>
+    <p:tnLst>
+      <p:par>
+        <p:cTn id="1" dur="indefinite" restart="never" nodeType="tmRoot">
+          <p:childTnLst>
+            <p:seq concurrent="1" nextAc="seek">
+              <p:cTn id="2" dur="indefinite" nodeType="mainSeq">
+                <p:childTnLst>
+                  <p:par>
+                    <p:cTn id="3" fill="hold">
+                      <p:stCondLst>
+                        <p:cond delay="indefinite"/>
+                      </p:stCondLst>
+                      <p:childTnLst>
+                        <p:par>
+                          <p:cTn id="4" fill="hold">
+                            <p:stCondLst>
+                              <p:cond delay="0"/>
+                            </p:stCondLst>
+                            <p:childTnLst>
+                              <p:par>
+                                <p:cTn id="5" presetID="10" presetClass="entr" presetSubtype="0" fill="hold" nodeType="clickEffect">
+                                  <p:stCondLst>
+                                    <p:cond delay="0"/>
+                                  </p:stCondLst>
+                                  <p:childTnLst>
+                                    <p:set>
+                                      <p:cBhvr>
+                                        <p:cTn id="6" dur="1" fill="hold">
+                                          <p:stCondLst>
+                                            <p:cond delay="0"/>
+                                          </p:stCondLst>
+                                        </p:cTn>
+                                        <p:tgtEl>
+                                          <p:spTgt spid="3"/>
+                                        </p:tgtEl>
+                                        <p:attrNameLst>
+                                          <p:attrName>style.visibility</p:attrName>
+                                        </p:attrNameLst>
+                                      </p:cBhvr>
+                                      <p:to>
+                                        <p:strVal val="visible"/>
+                                      </p:to>
+                                    </p:set>
+                                    <p:animEffect transition="in" filter="fade">
+                                      <p:cBhvr>
+                                        <p:cTn id="7" dur="500"/>
+                                        <p:tgtEl>
+                                          <p:spTgt spid="3"/>
+                                        </p:tgtEl>
+                                      </p:cBhvr>
+                                    </p:animEffect>
+                                  </p:childTnLst>
+                                </p:cTn>
+                              </p:par>
+                            </p:childTnLst>
+                          </p:cTn>
+                        </p:par>
+                      </p:childTnLst>
+                    </p:cTn>
+                  </p:par>
+                </p:childTnLst>
+              </p:cTn>
+              <p:prevCondLst>
+                <p:cond evt="onPrev" delay="0">
+                  <p:tgtEl>
+                    <p:sldTgt/>
+                  </p:tgtEl>
+                </p:cond>
+              </p:prevCondLst>
+              <p:nextCondLst>
+                <p:cond evt="onNext" delay="0">
+                  <p:tgtEl>
+                    <p:sldTgt/>
+                  </p:tgtEl>
+                </p:cond>
+              </p:nextCondLst>
+            </p:seq>
+          </p:childTnLst>
+        </p:cTn>
+      </p:par>
+    </p:tnLst>
+  </p:timing>
+</p:sld>
+</file>
+
+<file path=ppt/slides/slide19.xml><?xml version="1.0" encoding="utf-8"?>
+<p:sld xmlns:a="http://schemas.openxmlformats.org/drawingml/2006/main" xmlns:r="http://schemas.openxmlformats.org/officeDocument/2006/relationships" xmlns:p="http://schemas.openxmlformats.org/presentationml/2006/main">
+  <p:cSld>
+    <p:spTree>
+      <p:nvGrpSpPr>
+        <p:cNvPr id="1" name=""/>
+        <p:cNvGrpSpPr/>
+        <p:nvPr/>
+      </p:nvGrpSpPr>
+      <p:grpSpPr>
+        <a:xfrm>
+          <a:off x="0" y="0"/>
+          <a:ext cx="0" cy="0"/>
+          <a:chOff x="0" y="0"/>
+          <a:chExt cx="0" cy="0"/>
+        </a:xfrm>
+      </p:grpSpPr>
+      <p:pic>
+        <p:nvPicPr>
+          <p:cNvPr id="2" name="Picture 4" descr="http://viennasalsacongress.com/wp-content/uploads/2014/02/central.jpg"/>
+          <p:cNvPicPr>
+            <a:picLocks noChangeAspect="1" noChangeArrowheads="1"/>
+          </p:cNvPicPr>
+          <p:nvPr/>
+        </p:nvPicPr>
+        <p:blipFill>
+          <a:blip r:embed="rId2">
+            <a:extLst>
+              <a:ext uri="{28A0092B-C50C-407E-A947-70E740481C1C}">
+                <a14:useLocalDpi xmlns:a14="http://schemas.microsoft.com/office/drawing/2010/main" val="0"/>
+              </a:ext>
+            </a:extLst>
+          </a:blip>
+          <a:srcRect/>
+          <a:stretch>
+            <a:fillRect/>
+          </a:stretch>
+        </p:blipFill>
+        <p:spPr bwMode="auto">
+          <a:xfrm>
+            <a:off x="74801" y="836712"/>
+            <a:ext cx="9016905" cy="5274175"/>
+          </a:xfrm>
+          <a:prstGeom prst="rect">
+            <a:avLst/>
+          </a:prstGeom>
+          <a:noFill/>
+          <a:extLst>
+            <a:ext uri="{909E8E84-426E-40DD-AFC4-6F175D3DCCD1}">
+              <a14:hiddenFill xmlns:a14="http://schemas.microsoft.com/office/drawing/2010/main">
+                <a:solidFill>
+                  <a:srgbClr val="FFFFFF"/>
+                </a:solidFill>
+              </a14:hiddenFill>
+            </a:ext>
+          </a:extLst>
+        </p:spPr>
+      </p:pic>
+    </p:spTree>
+    <p:extLst>
+      <p:ext uri="{BB962C8B-B14F-4D97-AF65-F5344CB8AC3E}">
+        <p14:creationId xmlns:p14="http://schemas.microsoft.com/office/powerpoint/2010/main" val="4280760508"/>
+      </p:ext>
+    </p:extLst>
+  </p:cSld>
+  <p:clrMapOvr>
+    <a:masterClrMapping/>
+  </p:clrMapOvr>
+  <mc:AlternateContent xmlns:mc="http://schemas.openxmlformats.org/markup-compatibility/2006" xmlns:p14="http://schemas.microsoft.com/office/powerpoint/2010/main">
+    <mc:Choice Requires="p14">
+      <p:transition>
+        <p14:reveal/>
+      </p:transition>
+    </mc:Choice>
+    <mc:Fallback xmlns="">
+      <p:transition>
+        <p:fade/>
+      </p:transition>
+    </mc:Fallback>
+  </mc:AlternateContent>
+  <p:timing>
+    <p:tnLst>
+      <p:par>
+        <p:cTn id="1" dur="indefinite" restart="never" nodeType="tmRoot"/>
+      </p:par>
+    </p:tnLst>
   </p:timing>
 </p:sld>
 </file>
@@ -10085,8 +12323,8 @@
         </p:nvSpPr>
         <p:spPr>
           <a:xfrm>
-            <a:off x="2618606" y="5016528"/>
-            <a:ext cx="392084" cy="1507210"/>
+            <a:off x="2657481" y="4920618"/>
+            <a:ext cx="356440" cy="1504162"/>
           </a:xfrm>
           <a:prstGeom prst="rightBrace">
             <a:avLst>
@@ -10133,8 +12371,8 @@
         </p:nvSpPr>
         <p:spPr>
           <a:xfrm>
-            <a:off x="3098746" y="5028912"/>
-            <a:ext cx="1703346" cy="1446550"/>
+            <a:off x="3098746" y="4797152"/>
+            <a:ext cx="1977310" cy="1785104"/>
           </a:xfrm>
           <a:prstGeom prst="rect">
             <a:avLst/>
@@ -10148,7 +12386,7 @@
           <a:p>
             <a:r>
               <a:rPr lang="hr-HR" sz="2200" dirty="0" smtClean="0"/>
-              <a:t>pružaju </a:t>
+              <a:t>iako nude i hranu, pružaju </a:t>
             </a:r>
             <a:r>
               <a:rPr lang="hr-HR" sz="2200" dirty="0"/>
@@ -11251,6 +13489,1627 @@
       <p:bldP spid="3" grpId="0" uiExpand="1" build="p"/>
       <p:bldP spid="4" grpId="0" animBg="1"/>
       <p:bldP spid="7" grpId="0"/>
+    </p:bldLst>
+  </p:timing>
+</p:sld>
+</file>
+
+<file path=ppt/slides/slide20.xml><?xml version="1.0" encoding="utf-8"?>
+<p:sld xmlns:a="http://schemas.openxmlformats.org/drawingml/2006/main" xmlns:r="http://schemas.openxmlformats.org/officeDocument/2006/relationships" xmlns:p="http://schemas.openxmlformats.org/presentationml/2006/main">
+  <p:cSld>
+    <p:spTree>
+      <p:nvGrpSpPr>
+        <p:cNvPr id="1" name=""/>
+        <p:cNvGrpSpPr/>
+        <p:nvPr/>
+      </p:nvGrpSpPr>
+      <p:grpSpPr>
+        <a:xfrm>
+          <a:off x="0" y="0"/>
+          <a:ext cx="0" cy="0"/>
+          <a:chOff x="0" y="0"/>
+          <a:chExt cx="0" cy="0"/>
+        </a:xfrm>
+      </p:grpSpPr>
+      <p:pic>
+        <p:nvPicPr>
+          <p:cNvPr id="2" name="Picture 1"/>
+          <p:cNvPicPr>
+            <a:picLocks noChangeAspect="1"/>
+          </p:cNvPicPr>
+          <p:nvPr/>
+        </p:nvPicPr>
+        <p:blipFill>
+          <a:blip r:embed="rId2">
+            <a:extLst>
+              <a:ext uri="{28A0092B-C50C-407E-A947-70E740481C1C}">
+                <a14:useLocalDpi xmlns:a14="http://schemas.microsoft.com/office/drawing/2010/main" val="0"/>
+              </a:ext>
+            </a:extLst>
+          </a:blip>
+          <a:stretch>
+            <a:fillRect/>
+          </a:stretch>
+        </p:blipFill>
+        <p:spPr>
+          <a:xfrm>
+            <a:off x="0" y="567609"/>
+            <a:ext cx="9144000" cy="6092190"/>
+          </a:xfrm>
+          <a:prstGeom prst="rect">
+            <a:avLst/>
+          </a:prstGeom>
+        </p:spPr>
+      </p:pic>
+    </p:spTree>
+    <p:extLst>
+      <p:ext uri="{BB962C8B-B14F-4D97-AF65-F5344CB8AC3E}">
+        <p14:creationId xmlns:p14="http://schemas.microsoft.com/office/powerpoint/2010/main" val="2480333653"/>
+      </p:ext>
+    </p:extLst>
+  </p:cSld>
+  <p:clrMapOvr>
+    <a:masterClrMapping/>
+  </p:clrMapOvr>
+  <mc:AlternateContent xmlns:mc="http://schemas.openxmlformats.org/markup-compatibility/2006" xmlns:p14="http://schemas.microsoft.com/office/powerpoint/2010/main">
+    <mc:Choice Requires="p14">
+      <p:transition>
+        <p14:reveal/>
+      </p:transition>
+    </mc:Choice>
+    <mc:Fallback xmlns="">
+      <p:transition>
+        <p:fade/>
+      </p:transition>
+    </mc:Fallback>
+  </mc:AlternateContent>
+  <p:timing>
+    <p:tnLst>
+      <p:par>
+        <p:cTn id="1" dur="indefinite" restart="never" nodeType="tmRoot"/>
+      </p:par>
+    </p:tnLst>
+  </p:timing>
+</p:sld>
+</file>
+
+<file path=ppt/slides/slide21.xml><?xml version="1.0" encoding="utf-8"?>
+<p:sld xmlns:a="http://schemas.openxmlformats.org/drawingml/2006/main" xmlns:r="http://schemas.openxmlformats.org/officeDocument/2006/relationships" xmlns:p="http://schemas.openxmlformats.org/presentationml/2006/main" show="0">
+  <p:cSld>
+    <p:spTree>
+      <p:nvGrpSpPr>
+        <p:cNvPr id="1" name=""/>
+        <p:cNvGrpSpPr/>
+        <p:nvPr/>
+      </p:nvGrpSpPr>
+      <p:grpSpPr>
+        <a:xfrm>
+          <a:off x="0" y="0"/>
+          <a:ext cx="0" cy="0"/>
+          <a:chOff x="0" y="0"/>
+          <a:chExt cx="0" cy="0"/>
+        </a:xfrm>
+      </p:grpSpPr>
+      <p:sp>
+        <p:nvSpPr>
+          <p:cNvPr id="2" name="Title 1"/>
+          <p:cNvSpPr>
+            <a:spLocks noGrp="1"/>
+          </p:cNvSpPr>
+          <p:nvPr>
+            <p:ph type="title"/>
+          </p:nvPr>
+        </p:nvSpPr>
+        <p:spPr>
+          <a:xfrm>
+            <a:off x="142844" y="-22254"/>
+            <a:ext cx="8858312" cy="642942"/>
+          </a:xfrm>
+        </p:spPr>
+        <p:txBody>
+          <a:bodyPr/>
+          <a:lstStyle/>
+          <a:p>
+            <a:r>
+              <a:rPr lang="hr-HR" sz="3200" dirty="0" smtClean="0"/>
+              <a:t>Zabavni centri</a:t>
+            </a:r>
+            <a:endParaRPr lang="hr-HR" sz="3400" b="1" i="1" dirty="0"/>
+          </a:p>
+        </p:txBody>
+      </p:sp>
+      <p:sp>
+        <p:nvSpPr>
+          <p:cNvPr id="3" name="Content Placeholder 2"/>
+          <p:cNvSpPr>
+            <a:spLocks noGrp="1"/>
+          </p:cNvSpPr>
+          <p:nvPr>
+            <p:ph idx="1"/>
+          </p:nvPr>
+        </p:nvSpPr>
+        <p:spPr>
+          <a:xfrm>
+            <a:off x="0" y="623564"/>
+            <a:ext cx="9144000" cy="2805436"/>
+          </a:xfrm>
+        </p:spPr>
+        <p:txBody>
+          <a:bodyPr>
+            <a:noAutofit/>
+          </a:bodyPr>
+          <a:lstStyle/>
+          <a:p>
+            <a:pPr>
+              <a:spcBef>
+                <a:spcPts val="600"/>
+              </a:spcBef>
+            </a:pPr>
+            <a:r>
+              <a:rPr lang="hr-HR" dirty="0" smtClean="0"/>
+              <a:t>sačinjava ga zgrada s odgovarajućim prostorijama i prostorima, terasama ispred zgrade</a:t>
+            </a:r>
+          </a:p>
+          <a:p>
+            <a:pPr>
+              <a:spcBef>
+                <a:spcPts val="600"/>
+              </a:spcBef>
+            </a:pPr>
+            <a:r>
+              <a:rPr lang="hr-HR" dirty="0" smtClean="0">
+                <a:highlight>
+                  <a:srgbClr val="FFFF00"/>
+                </a:highlight>
+                <a:ea typeface="Calibri"/>
+                <a:cs typeface="Times New Roman"/>
+              </a:rPr>
+              <a:t>najčešće se nalaze izvan grada</a:t>
+            </a:r>
+            <a:r>
+              <a:rPr lang="hr-HR" dirty="0"/>
+              <a:t> kako zvukovi iz centra ne bi smetali okolnom </a:t>
+            </a:r>
+            <a:r>
+              <a:rPr lang="hr-HR" dirty="0" smtClean="0"/>
+              <a:t>stanovništvu</a:t>
+            </a:r>
+          </a:p>
+          <a:p>
+            <a:pPr>
+              <a:spcBef>
+                <a:spcPts val="600"/>
+              </a:spcBef>
+            </a:pPr>
+            <a:r>
+              <a:rPr lang="hr-HR" dirty="0" smtClean="0"/>
+              <a:t>otvaraju u popodnevnim satima i ostaju otvoreni do jutra</a:t>
+            </a:r>
+          </a:p>
+          <a:p>
+            <a:pPr>
+              <a:spcBef>
+                <a:spcPts val="600"/>
+              </a:spcBef>
+            </a:pPr>
+            <a:r>
+              <a:rPr lang="hr-HR" dirty="0" smtClean="0"/>
+              <a:t>imaju bogatu ponudu hrane, pića, napitaka – </a:t>
+            </a:r>
+            <a:r>
+              <a:rPr lang="hr-HR" dirty="0" err="1" smtClean="0"/>
+              <a:t>pizzerije</a:t>
+            </a:r>
+            <a:r>
+              <a:rPr lang="hr-HR" dirty="0" smtClean="0"/>
+              <a:t>, barovi, restorani, pivnice, slastičarnice…</a:t>
+            </a:r>
+            <a:endParaRPr lang="hr-HR" dirty="0"/>
+          </a:p>
+        </p:txBody>
+      </p:sp>
+    </p:spTree>
+    <p:extLst>
+      <p:ext uri="{BB962C8B-B14F-4D97-AF65-F5344CB8AC3E}">
+        <p14:creationId xmlns:p14="http://schemas.microsoft.com/office/powerpoint/2010/main" val="3373034549"/>
+      </p:ext>
+    </p:extLst>
+  </p:cSld>
+  <p:clrMapOvr>
+    <a:masterClrMapping/>
+  </p:clrMapOvr>
+  <mc:AlternateContent xmlns:mc="http://schemas.openxmlformats.org/markup-compatibility/2006" xmlns:p14="http://schemas.microsoft.com/office/powerpoint/2010/main">
+    <mc:Choice Requires="p14">
+      <p:transition>
+        <p14:reveal/>
+      </p:transition>
+    </mc:Choice>
+    <mc:Fallback xmlns="">
+      <p:transition>
+        <p:fade/>
+      </p:transition>
+    </mc:Fallback>
+  </mc:AlternateContent>
+  <p:timing>
+    <p:tnLst>
+      <p:par>
+        <p:cTn id="1" dur="indefinite" restart="never" nodeType="tmRoot">
+          <p:childTnLst>
+            <p:seq concurrent="1" nextAc="seek">
+              <p:cTn id="2" dur="indefinite" nodeType="mainSeq">
+                <p:childTnLst>
+                  <p:par>
+                    <p:cTn id="3" fill="hold">
+                      <p:stCondLst>
+                        <p:cond delay="indefinite"/>
+                        <p:cond evt="onBegin" delay="0">
+                          <p:tn val="2"/>
+                        </p:cond>
+                      </p:stCondLst>
+                      <p:childTnLst>
+                        <p:par>
+                          <p:cTn id="4" fill="hold">
+                            <p:stCondLst>
+                              <p:cond delay="0"/>
+                            </p:stCondLst>
+                            <p:childTnLst>
+                              <p:par>
+                                <p:cTn id="5" presetID="10" presetClass="entr" presetSubtype="0" fill="hold" grpId="0" nodeType="afterEffect">
+                                  <p:stCondLst>
+                                    <p:cond delay="0"/>
+                                  </p:stCondLst>
+                                  <p:childTnLst>
+                                    <p:set>
+                                      <p:cBhvr>
+                                        <p:cTn id="6" dur="1" fill="hold">
+                                          <p:stCondLst>
+                                            <p:cond delay="0"/>
+                                          </p:stCondLst>
+                                        </p:cTn>
+                                        <p:tgtEl>
+                                          <p:spTgt spid="3">
+                                            <p:txEl>
+                                              <p:pRg st="0" end="0"/>
+                                            </p:txEl>
+                                          </p:spTgt>
+                                        </p:tgtEl>
+                                        <p:attrNameLst>
+                                          <p:attrName>style.visibility</p:attrName>
+                                        </p:attrNameLst>
+                                      </p:cBhvr>
+                                      <p:to>
+                                        <p:strVal val="visible"/>
+                                      </p:to>
+                                    </p:set>
+                                    <p:animEffect transition="in" filter="fade">
+                                      <p:cBhvr>
+                                        <p:cTn id="7" dur="250"/>
+                                        <p:tgtEl>
+                                          <p:spTgt spid="3">
+                                            <p:txEl>
+                                              <p:pRg st="0" end="0"/>
+                                            </p:txEl>
+                                          </p:spTgt>
+                                        </p:tgtEl>
+                                      </p:cBhvr>
+                                    </p:animEffect>
+                                  </p:childTnLst>
+                                </p:cTn>
+                              </p:par>
+                            </p:childTnLst>
+                          </p:cTn>
+                        </p:par>
+                      </p:childTnLst>
+                    </p:cTn>
+                  </p:par>
+                  <p:par>
+                    <p:cTn id="8" fill="hold">
+                      <p:stCondLst>
+                        <p:cond delay="indefinite"/>
+                      </p:stCondLst>
+                      <p:childTnLst>
+                        <p:par>
+                          <p:cTn id="9" fill="hold">
+                            <p:stCondLst>
+                              <p:cond delay="0"/>
+                            </p:stCondLst>
+                            <p:childTnLst>
+                              <p:par>
+                                <p:cTn id="10" presetID="10" presetClass="entr" presetSubtype="0" fill="hold" grpId="0" nodeType="clickEffect">
+                                  <p:stCondLst>
+                                    <p:cond delay="0"/>
+                                  </p:stCondLst>
+                                  <p:childTnLst>
+                                    <p:set>
+                                      <p:cBhvr>
+                                        <p:cTn id="11" dur="1" fill="hold">
+                                          <p:stCondLst>
+                                            <p:cond delay="0"/>
+                                          </p:stCondLst>
+                                        </p:cTn>
+                                        <p:tgtEl>
+                                          <p:spTgt spid="3">
+                                            <p:txEl>
+                                              <p:pRg st="1" end="1"/>
+                                            </p:txEl>
+                                          </p:spTgt>
+                                        </p:tgtEl>
+                                        <p:attrNameLst>
+                                          <p:attrName>style.visibility</p:attrName>
+                                        </p:attrNameLst>
+                                      </p:cBhvr>
+                                      <p:to>
+                                        <p:strVal val="visible"/>
+                                      </p:to>
+                                    </p:set>
+                                    <p:animEffect transition="in" filter="fade">
+                                      <p:cBhvr>
+                                        <p:cTn id="12" dur="250"/>
+                                        <p:tgtEl>
+                                          <p:spTgt spid="3">
+                                            <p:txEl>
+                                              <p:pRg st="1" end="1"/>
+                                            </p:txEl>
+                                          </p:spTgt>
+                                        </p:tgtEl>
+                                      </p:cBhvr>
+                                    </p:animEffect>
+                                  </p:childTnLst>
+                                </p:cTn>
+                              </p:par>
+                            </p:childTnLst>
+                          </p:cTn>
+                        </p:par>
+                      </p:childTnLst>
+                    </p:cTn>
+                  </p:par>
+                  <p:par>
+                    <p:cTn id="13" fill="hold">
+                      <p:stCondLst>
+                        <p:cond delay="indefinite"/>
+                      </p:stCondLst>
+                      <p:childTnLst>
+                        <p:par>
+                          <p:cTn id="14" fill="hold">
+                            <p:stCondLst>
+                              <p:cond delay="0"/>
+                            </p:stCondLst>
+                            <p:childTnLst>
+                              <p:par>
+                                <p:cTn id="15" presetID="10" presetClass="entr" presetSubtype="0" fill="hold" grpId="0" nodeType="clickEffect">
+                                  <p:stCondLst>
+                                    <p:cond delay="0"/>
+                                  </p:stCondLst>
+                                  <p:childTnLst>
+                                    <p:set>
+                                      <p:cBhvr>
+                                        <p:cTn id="16" dur="1" fill="hold">
+                                          <p:stCondLst>
+                                            <p:cond delay="0"/>
+                                          </p:stCondLst>
+                                        </p:cTn>
+                                        <p:tgtEl>
+                                          <p:spTgt spid="3">
+                                            <p:txEl>
+                                              <p:pRg st="2" end="2"/>
+                                            </p:txEl>
+                                          </p:spTgt>
+                                        </p:tgtEl>
+                                        <p:attrNameLst>
+                                          <p:attrName>style.visibility</p:attrName>
+                                        </p:attrNameLst>
+                                      </p:cBhvr>
+                                      <p:to>
+                                        <p:strVal val="visible"/>
+                                      </p:to>
+                                    </p:set>
+                                    <p:animEffect transition="in" filter="fade">
+                                      <p:cBhvr>
+                                        <p:cTn id="17" dur="250"/>
+                                        <p:tgtEl>
+                                          <p:spTgt spid="3">
+                                            <p:txEl>
+                                              <p:pRg st="2" end="2"/>
+                                            </p:txEl>
+                                          </p:spTgt>
+                                        </p:tgtEl>
+                                      </p:cBhvr>
+                                    </p:animEffect>
+                                  </p:childTnLst>
+                                </p:cTn>
+                              </p:par>
+                            </p:childTnLst>
+                          </p:cTn>
+                        </p:par>
+                      </p:childTnLst>
+                    </p:cTn>
+                  </p:par>
+                  <p:par>
+                    <p:cTn id="18" fill="hold">
+                      <p:stCondLst>
+                        <p:cond delay="indefinite"/>
+                      </p:stCondLst>
+                      <p:childTnLst>
+                        <p:par>
+                          <p:cTn id="19" fill="hold">
+                            <p:stCondLst>
+                              <p:cond delay="0"/>
+                            </p:stCondLst>
+                            <p:childTnLst>
+                              <p:par>
+                                <p:cTn id="20" presetID="10" presetClass="entr" presetSubtype="0" fill="hold" grpId="0" nodeType="clickEffect">
+                                  <p:stCondLst>
+                                    <p:cond delay="0"/>
+                                  </p:stCondLst>
+                                  <p:childTnLst>
+                                    <p:set>
+                                      <p:cBhvr>
+                                        <p:cTn id="21" dur="1" fill="hold">
+                                          <p:stCondLst>
+                                            <p:cond delay="0"/>
+                                          </p:stCondLst>
+                                        </p:cTn>
+                                        <p:tgtEl>
+                                          <p:spTgt spid="3">
+                                            <p:txEl>
+                                              <p:pRg st="3" end="3"/>
+                                            </p:txEl>
+                                          </p:spTgt>
+                                        </p:tgtEl>
+                                        <p:attrNameLst>
+                                          <p:attrName>style.visibility</p:attrName>
+                                        </p:attrNameLst>
+                                      </p:cBhvr>
+                                      <p:to>
+                                        <p:strVal val="visible"/>
+                                      </p:to>
+                                    </p:set>
+                                    <p:animEffect transition="in" filter="fade">
+                                      <p:cBhvr>
+                                        <p:cTn id="22" dur="250"/>
+                                        <p:tgtEl>
+                                          <p:spTgt spid="3">
+                                            <p:txEl>
+                                              <p:pRg st="3" end="3"/>
+                                            </p:txEl>
+                                          </p:spTgt>
+                                        </p:tgtEl>
+                                      </p:cBhvr>
+                                    </p:animEffect>
+                                  </p:childTnLst>
+                                </p:cTn>
+                              </p:par>
+                            </p:childTnLst>
+                          </p:cTn>
+                        </p:par>
+                      </p:childTnLst>
+                    </p:cTn>
+                  </p:par>
+                </p:childTnLst>
+              </p:cTn>
+              <p:prevCondLst>
+                <p:cond evt="onPrev" delay="0">
+                  <p:tgtEl>
+                    <p:sldTgt/>
+                  </p:tgtEl>
+                </p:cond>
+              </p:prevCondLst>
+              <p:nextCondLst>
+                <p:cond evt="onNext" delay="0">
+                  <p:tgtEl>
+                    <p:sldTgt/>
+                  </p:tgtEl>
+                </p:cond>
+              </p:nextCondLst>
+            </p:seq>
+          </p:childTnLst>
+        </p:cTn>
+      </p:par>
+    </p:tnLst>
+    <p:bldLst>
+      <p:bldP spid="3" grpId="0" build="p"/>
+    </p:bldLst>
+  </p:timing>
+</p:sld>
+</file>
+
+<file path=ppt/slides/slide22.xml><?xml version="1.0" encoding="utf-8"?>
+<p:sld xmlns:a="http://schemas.openxmlformats.org/drawingml/2006/main" xmlns:r="http://schemas.openxmlformats.org/officeDocument/2006/relationships" xmlns:p="http://schemas.openxmlformats.org/presentationml/2006/main" show="0">
+  <p:cSld>
+    <p:spTree>
+      <p:nvGrpSpPr>
+        <p:cNvPr id="1" name=""/>
+        <p:cNvGrpSpPr/>
+        <p:nvPr/>
+      </p:nvGrpSpPr>
+      <p:grpSpPr>
+        <a:xfrm>
+          <a:off x="0" y="0"/>
+          <a:ext cx="0" cy="0"/>
+          <a:chOff x="0" y="0"/>
+          <a:chExt cx="0" cy="0"/>
+        </a:xfrm>
+      </p:grpSpPr>
+      <p:sp>
+        <p:nvSpPr>
+          <p:cNvPr id="2" name="Title 1"/>
+          <p:cNvSpPr>
+            <a:spLocks noGrp="1"/>
+          </p:cNvSpPr>
+          <p:nvPr>
+            <p:ph type="title"/>
+          </p:nvPr>
+        </p:nvSpPr>
+        <p:spPr/>
+        <p:txBody>
+          <a:bodyPr/>
+          <a:lstStyle/>
+          <a:p>
+            <a:r>
+              <a:rPr lang="hr-HR" sz="3200" dirty="0" smtClean="0"/>
+              <a:t>Animacija gostiju</a:t>
+            </a:r>
+            <a:endParaRPr lang="hr-HR" sz="3400" b="1" i="1" dirty="0"/>
+          </a:p>
+        </p:txBody>
+      </p:sp>
+      <p:sp>
+        <p:nvSpPr>
+          <p:cNvPr id="3" name="Content Placeholder 2"/>
+          <p:cNvSpPr>
+            <a:spLocks noGrp="1"/>
+          </p:cNvSpPr>
+          <p:nvPr>
+            <p:ph idx="1"/>
+          </p:nvPr>
+        </p:nvSpPr>
+        <p:spPr>
+          <a:xfrm>
+            <a:off x="0" y="551556"/>
+            <a:ext cx="9144000" cy="6381328"/>
+          </a:xfrm>
+        </p:spPr>
+        <p:txBody>
+          <a:bodyPr>
+            <a:noAutofit/>
+          </a:bodyPr>
+          <a:lstStyle/>
+          <a:p>
+            <a:r>
+              <a:rPr lang="hr-HR" dirty="0" smtClean="0"/>
+              <a:t>ANIMIRATI – oraspoložiti, zabaviti  i </a:t>
+            </a:r>
+            <a:r>
+              <a:rPr lang="hr-HR" dirty="0" err="1" smtClean="0"/>
+              <a:t>sl</a:t>
+            </a:r>
+            <a:r>
+              <a:rPr lang="hr-HR" dirty="0" smtClean="0"/>
+              <a:t>.</a:t>
+            </a:r>
+          </a:p>
+          <a:p>
+            <a:r>
+              <a:rPr lang="hr-HR" b="1" dirty="0" smtClean="0">
+                <a:solidFill>
+                  <a:srgbClr val="FF0000"/>
+                </a:solidFill>
+              </a:rPr>
+              <a:t>ANIMACIJA</a:t>
+            </a:r>
+            <a:r>
+              <a:rPr lang="hr-HR" dirty="0" smtClean="0">
+                <a:solidFill>
+                  <a:srgbClr val="FF0000"/>
+                </a:solidFill>
+              </a:rPr>
+              <a:t> </a:t>
+            </a:r>
+            <a:r>
+              <a:rPr lang="hr-HR" dirty="0" smtClean="0"/>
+              <a:t>– organiziranje raznih kulturnih, zabavnih, sportskih i drugih aktivnosti </a:t>
+            </a:r>
+            <a:r>
+              <a:rPr lang="hr-HR" dirty="0">
+                <a:highlight>
+                  <a:srgbClr val="FFFF00"/>
+                </a:highlight>
+                <a:ea typeface="Calibri"/>
+                <a:cs typeface="Times New Roman"/>
+              </a:rPr>
+              <a:t>u kojima gosti aktivno sudjeluju po svojoj želji</a:t>
+            </a:r>
+          </a:p>
+          <a:p>
+            <a:pPr lvl="1"/>
+            <a:r>
+              <a:rPr lang="hr-HR" dirty="0" smtClean="0"/>
+              <a:t>animacija je briga o gostima, njihovim željama i potrebama za aktivnim ili pasivnim oblicima razonode</a:t>
+            </a:r>
+          </a:p>
+          <a:p>
+            <a:pPr lvl="1"/>
+            <a:r>
+              <a:rPr lang="hr-HR" dirty="0">
+                <a:highlight>
+                  <a:srgbClr val="FFFF00"/>
+                </a:highlight>
+                <a:ea typeface="Calibri"/>
+                <a:cs typeface="Times New Roman"/>
+              </a:rPr>
+              <a:t>animacija je dopunska djelatnost suvremenog hotelijerstva</a:t>
+            </a:r>
+          </a:p>
+          <a:p>
+            <a:r>
+              <a:rPr lang="hr-HR" b="1" dirty="0" smtClean="0">
+                <a:solidFill>
+                  <a:srgbClr val="FF0000"/>
+                </a:solidFill>
+              </a:rPr>
+              <a:t>ANIMATOR</a:t>
+            </a:r>
+            <a:r>
+              <a:rPr lang="hr-HR" dirty="0" smtClean="0"/>
+              <a:t> – osoba koja organizira i s gostima izvodi animacijske aktivnosti</a:t>
+            </a:r>
+          </a:p>
+          <a:p>
+            <a:pPr>
+              <a:spcBef>
+                <a:spcPts val="1800"/>
+              </a:spcBef>
+            </a:pPr>
+            <a:r>
+              <a:rPr lang="hr-HR" b="1" dirty="0" smtClean="0">
+                <a:solidFill>
+                  <a:srgbClr val="FF0000"/>
+                </a:solidFill>
+              </a:rPr>
+              <a:t>VRSTE ANIMACIJE:</a:t>
+            </a:r>
+          </a:p>
+          <a:p>
+            <a:pPr lvl="1"/>
+            <a:r>
+              <a:rPr lang="hr-HR" dirty="0" smtClean="0"/>
+              <a:t>kulturne aktivnosti</a:t>
+            </a:r>
+          </a:p>
+          <a:p>
+            <a:pPr lvl="1"/>
+            <a:r>
+              <a:rPr lang="hr-HR" dirty="0" smtClean="0"/>
+              <a:t>zabavne aktivnosti</a:t>
+            </a:r>
+          </a:p>
+          <a:p>
+            <a:pPr lvl="1"/>
+            <a:r>
+              <a:rPr lang="hr-HR" dirty="0" smtClean="0"/>
+              <a:t>sportske aktivnosti</a:t>
+            </a:r>
+          </a:p>
+          <a:p>
+            <a:pPr lvl="1"/>
+            <a:r>
+              <a:rPr lang="hr-HR" dirty="0" smtClean="0"/>
+              <a:t>izleti</a:t>
+            </a:r>
+          </a:p>
+        </p:txBody>
+      </p:sp>
+    </p:spTree>
+    <p:extLst>
+      <p:ext uri="{BB962C8B-B14F-4D97-AF65-F5344CB8AC3E}">
+        <p14:creationId xmlns:p14="http://schemas.microsoft.com/office/powerpoint/2010/main" val="1903337381"/>
+      </p:ext>
+    </p:extLst>
+  </p:cSld>
+  <p:clrMapOvr>
+    <a:masterClrMapping/>
+  </p:clrMapOvr>
+  <mc:AlternateContent xmlns:mc="http://schemas.openxmlformats.org/markup-compatibility/2006" xmlns:p14="http://schemas.microsoft.com/office/powerpoint/2010/main">
+    <mc:Choice Requires="p14">
+      <p:transition>
+        <p14:reveal/>
+      </p:transition>
+    </mc:Choice>
+    <mc:Fallback xmlns="">
+      <p:transition>
+        <p:fade/>
+      </p:transition>
+    </mc:Fallback>
+  </mc:AlternateContent>
+  <p:timing>
+    <p:tnLst>
+      <p:par>
+        <p:cTn id="1" dur="indefinite" restart="never" nodeType="tmRoot">
+          <p:childTnLst>
+            <p:seq concurrent="1" nextAc="seek">
+              <p:cTn id="2" dur="indefinite" nodeType="mainSeq">
+                <p:childTnLst>
+                  <p:par>
+                    <p:cTn id="3" fill="hold">
+                      <p:stCondLst>
+                        <p:cond delay="indefinite"/>
+                        <p:cond evt="onBegin" delay="0">
+                          <p:tn val="2"/>
+                        </p:cond>
+                      </p:stCondLst>
+                      <p:childTnLst>
+                        <p:par>
+                          <p:cTn id="4" fill="hold">
+                            <p:stCondLst>
+                              <p:cond delay="0"/>
+                            </p:stCondLst>
+                            <p:childTnLst>
+                              <p:par>
+                                <p:cTn id="5" presetID="10" presetClass="entr" presetSubtype="0" fill="hold" grpId="0" nodeType="afterEffect">
+                                  <p:stCondLst>
+                                    <p:cond delay="0"/>
+                                  </p:stCondLst>
+                                  <p:childTnLst>
+                                    <p:set>
+                                      <p:cBhvr>
+                                        <p:cTn id="6" dur="1" fill="hold">
+                                          <p:stCondLst>
+                                            <p:cond delay="0"/>
+                                          </p:stCondLst>
+                                        </p:cTn>
+                                        <p:tgtEl>
+                                          <p:spTgt spid="3">
+                                            <p:txEl>
+                                              <p:pRg st="0" end="0"/>
+                                            </p:txEl>
+                                          </p:spTgt>
+                                        </p:tgtEl>
+                                        <p:attrNameLst>
+                                          <p:attrName>style.visibility</p:attrName>
+                                        </p:attrNameLst>
+                                      </p:cBhvr>
+                                      <p:to>
+                                        <p:strVal val="visible"/>
+                                      </p:to>
+                                    </p:set>
+                                    <p:animEffect transition="in" filter="fade">
+                                      <p:cBhvr>
+                                        <p:cTn id="7" dur="250"/>
+                                        <p:tgtEl>
+                                          <p:spTgt spid="3">
+                                            <p:txEl>
+                                              <p:pRg st="0" end="0"/>
+                                            </p:txEl>
+                                          </p:spTgt>
+                                        </p:tgtEl>
+                                      </p:cBhvr>
+                                    </p:animEffect>
+                                  </p:childTnLst>
+                                </p:cTn>
+                              </p:par>
+                            </p:childTnLst>
+                          </p:cTn>
+                        </p:par>
+                        <p:par>
+                          <p:cTn id="8" fill="hold">
+                            <p:stCondLst>
+                              <p:cond delay="250"/>
+                            </p:stCondLst>
+                            <p:childTnLst>
+                              <p:par>
+                                <p:cTn id="9" presetID="10" presetClass="entr" presetSubtype="0" fill="hold" grpId="0" nodeType="afterEffect">
+                                  <p:stCondLst>
+                                    <p:cond delay="0"/>
+                                  </p:stCondLst>
+                                  <p:childTnLst>
+                                    <p:set>
+                                      <p:cBhvr>
+                                        <p:cTn id="10" dur="1" fill="hold">
+                                          <p:stCondLst>
+                                            <p:cond delay="0"/>
+                                          </p:stCondLst>
+                                        </p:cTn>
+                                        <p:tgtEl>
+                                          <p:spTgt spid="3">
+                                            <p:txEl>
+                                              <p:pRg st="1" end="1"/>
+                                            </p:txEl>
+                                          </p:spTgt>
+                                        </p:tgtEl>
+                                        <p:attrNameLst>
+                                          <p:attrName>style.visibility</p:attrName>
+                                        </p:attrNameLst>
+                                      </p:cBhvr>
+                                      <p:to>
+                                        <p:strVal val="visible"/>
+                                      </p:to>
+                                    </p:set>
+                                    <p:animEffect transition="in" filter="fade">
+                                      <p:cBhvr>
+                                        <p:cTn id="11" dur="250"/>
+                                        <p:tgtEl>
+                                          <p:spTgt spid="3">
+                                            <p:txEl>
+                                              <p:pRg st="1" end="1"/>
+                                            </p:txEl>
+                                          </p:spTgt>
+                                        </p:tgtEl>
+                                      </p:cBhvr>
+                                    </p:animEffect>
+                                  </p:childTnLst>
+                                </p:cTn>
+                              </p:par>
+                              <p:par>
+                                <p:cTn id="12" presetID="10" presetClass="entr" presetSubtype="0" fill="hold" grpId="0" nodeType="withEffect">
+                                  <p:stCondLst>
+                                    <p:cond delay="0"/>
+                                  </p:stCondLst>
+                                  <p:childTnLst>
+                                    <p:set>
+                                      <p:cBhvr>
+                                        <p:cTn id="13" dur="1" fill="hold">
+                                          <p:stCondLst>
+                                            <p:cond delay="0"/>
+                                          </p:stCondLst>
+                                        </p:cTn>
+                                        <p:tgtEl>
+                                          <p:spTgt spid="3">
+                                            <p:txEl>
+                                              <p:pRg st="2" end="2"/>
+                                            </p:txEl>
+                                          </p:spTgt>
+                                        </p:tgtEl>
+                                        <p:attrNameLst>
+                                          <p:attrName>style.visibility</p:attrName>
+                                        </p:attrNameLst>
+                                      </p:cBhvr>
+                                      <p:to>
+                                        <p:strVal val="visible"/>
+                                      </p:to>
+                                    </p:set>
+                                    <p:animEffect transition="in" filter="fade">
+                                      <p:cBhvr>
+                                        <p:cTn id="14" dur="250"/>
+                                        <p:tgtEl>
+                                          <p:spTgt spid="3">
+                                            <p:txEl>
+                                              <p:pRg st="2" end="2"/>
+                                            </p:txEl>
+                                          </p:spTgt>
+                                        </p:tgtEl>
+                                      </p:cBhvr>
+                                    </p:animEffect>
+                                  </p:childTnLst>
+                                </p:cTn>
+                              </p:par>
+                              <p:par>
+                                <p:cTn id="15" presetID="10" presetClass="entr" presetSubtype="0" fill="hold" grpId="0" nodeType="withEffect">
+                                  <p:stCondLst>
+                                    <p:cond delay="0"/>
+                                  </p:stCondLst>
+                                  <p:childTnLst>
+                                    <p:set>
+                                      <p:cBhvr>
+                                        <p:cTn id="16" dur="1" fill="hold">
+                                          <p:stCondLst>
+                                            <p:cond delay="0"/>
+                                          </p:stCondLst>
+                                        </p:cTn>
+                                        <p:tgtEl>
+                                          <p:spTgt spid="3">
+                                            <p:txEl>
+                                              <p:pRg st="3" end="3"/>
+                                            </p:txEl>
+                                          </p:spTgt>
+                                        </p:tgtEl>
+                                        <p:attrNameLst>
+                                          <p:attrName>style.visibility</p:attrName>
+                                        </p:attrNameLst>
+                                      </p:cBhvr>
+                                      <p:to>
+                                        <p:strVal val="visible"/>
+                                      </p:to>
+                                    </p:set>
+                                    <p:animEffect transition="in" filter="fade">
+                                      <p:cBhvr>
+                                        <p:cTn id="17" dur="250"/>
+                                        <p:tgtEl>
+                                          <p:spTgt spid="3">
+                                            <p:txEl>
+                                              <p:pRg st="3" end="3"/>
+                                            </p:txEl>
+                                          </p:spTgt>
+                                        </p:tgtEl>
+                                      </p:cBhvr>
+                                    </p:animEffect>
+                                  </p:childTnLst>
+                                </p:cTn>
+                              </p:par>
+                            </p:childTnLst>
+                          </p:cTn>
+                        </p:par>
+                      </p:childTnLst>
+                    </p:cTn>
+                  </p:par>
+                  <p:par>
+                    <p:cTn id="18" fill="hold">
+                      <p:stCondLst>
+                        <p:cond delay="indefinite"/>
+                      </p:stCondLst>
+                      <p:childTnLst>
+                        <p:par>
+                          <p:cTn id="19" fill="hold">
+                            <p:stCondLst>
+                              <p:cond delay="0"/>
+                            </p:stCondLst>
+                            <p:childTnLst>
+                              <p:par>
+                                <p:cTn id="20" presetID="10" presetClass="entr" presetSubtype="0" fill="hold" grpId="0" nodeType="clickEffect">
+                                  <p:stCondLst>
+                                    <p:cond delay="0"/>
+                                  </p:stCondLst>
+                                  <p:childTnLst>
+                                    <p:set>
+                                      <p:cBhvr>
+                                        <p:cTn id="21" dur="1" fill="hold">
+                                          <p:stCondLst>
+                                            <p:cond delay="0"/>
+                                          </p:stCondLst>
+                                        </p:cTn>
+                                        <p:tgtEl>
+                                          <p:spTgt spid="3">
+                                            <p:txEl>
+                                              <p:pRg st="4" end="4"/>
+                                            </p:txEl>
+                                          </p:spTgt>
+                                        </p:tgtEl>
+                                        <p:attrNameLst>
+                                          <p:attrName>style.visibility</p:attrName>
+                                        </p:attrNameLst>
+                                      </p:cBhvr>
+                                      <p:to>
+                                        <p:strVal val="visible"/>
+                                      </p:to>
+                                    </p:set>
+                                    <p:animEffect transition="in" filter="fade">
+                                      <p:cBhvr>
+                                        <p:cTn id="22" dur="250"/>
+                                        <p:tgtEl>
+                                          <p:spTgt spid="3">
+                                            <p:txEl>
+                                              <p:pRg st="4" end="4"/>
+                                            </p:txEl>
+                                          </p:spTgt>
+                                        </p:tgtEl>
+                                      </p:cBhvr>
+                                    </p:animEffect>
+                                  </p:childTnLst>
+                                </p:cTn>
+                              </p:par>
+                            </p:childTnLst>
+                          </p:cTn>
+                        </p:par>
+                      </p:childTnLst>
+                    </p:cTn>
+                  </p:par>
+                  <p:par>
+                    <p:cTn id="23" fill="hold">
+                      <p:stCondLst>
+                        <p:cond delay="indefinite"/>
+                      </p:stCondLst>
+                      <p:childTnLst>
+                        <p:par>
+                          <p:cTn id="24" fill="hold">
+                            <p:stCondLst>
+                              <p:cond delay="0"/>
+                            </p:stCondLst>
+                            <p:childTnLst>
+                              <p:par>
+                                <p:cTn id="25" presetID="10" presetClass="entr" presetSubtype="0" fill="hold" grpId="0" nodeType="clickEffect">
+                                  <p:stCondLst>
+                                    <p:cond delay="0"/>
+                                  </p:stCondLst>
+                                  <p:childTnLst>
+                                    <p:set>
+                                      <p:cBhvr>
+                                        <p:cTn id="26" dur="1" fill="hold">
+                                          <p:stCondLst>
+                                            <p:cond delay="0"/>
+                                          </p:stCondLst>
+                                        </p:cTn>
+                                        <p:tgtEl>
+                                          <p:spTgt spid="3">
+                                            <p:txEl>
+                                              <p:pRg st="5" end="5"/>
+                                            </p:txEl>
+                                          </p:spTgt>
+                                        </p:tgtEl>
+                                        <p:attrNameLst>
+                                          <p:attrName>style.visibility</p:attrName>
+                                        </p:attrNameLst>
+                                      </p:cBhvr>
+                                      <p:to>
+                                        <p:strVal val="visible"/>
+                                      </p:to>
+                                    </p:set>
+                                    <p:animEffect transition="in" filter="fade">
+                                      <p:cBhvr>
+                                        <p:cTn id="27" dur="250"/>
+                                        <p:tgtEl>
+                                          <p:spTgt spid="3">
+                                            <p:txEl>
+                                              <p:pRg st="5" end="5"/>
+                                            </p:txEl>
+                                          </p:spTgt>
+                                        </p:tgtEl>
+                                      </p:cBhvr>
+                                    </p:animEffect>
+                                  </p:childTnLst>
+                                </p:cTn>
+                              </p:par>
+                              <p:par>
+                                <p:cTn id="28" presetID="10" presetClass="entr" presetSubtype="0" fill="hold" grpId="0" nodeType="withEffect">
+                                  <p:stCondLst>
+                                    <p:cond delay="0"/>
+                                  </p:stCondLst>
+                                  <p:childTnLst>
+                                    <p:set>
+                                      <p:cBhvr>
+                                        <p:cTn id="29" dur="1" fill="hold">
+                                          <p:stCondLst>
+                                            <p:cond delay="0"/>
+                                          </p:stCondLst>
+                                        </p:cTn>
+                                        <p:tgtEl>
+                                          <p:spTgt spid="3">
+                                            <p:txEl>
+                                              <p:pRg st="6" end="6"/>
+                                            </p:txEl>
+                                          </p:spTgt>
+                                        </p:tgtEl>
+                                        <p:attrNameLst>
+                                          <p:attrName>style.visibility</p:attrName>
+                                        </p:attrNameLst>
+                                      </p:cBhvr>
+                                      <p:to>
+                                        <p:strVal val="visible"/>
+                                      </p:to>
+                                    </p:set>
+                                    <p:animEffect transition="in" filter="fade">
+                                      <p:cBhvr>
+                                        <p:cTn id="30" dur="250"/>
+                                        <p:tgtEl>
+                                          <p:spTgt spid="3">
+                                            <p:txEl>
+                                              <p:pRg st="6" end="6"/>
+                                            </p:txEl>
+                                          </p:spTgt>
+                                        </p:tgtEl>
+                                      </p:cBhvr>
+                                    </p:animEffect>
+                                  </p:childTnLst>
+                                </p:cTn>
+                              </p:par>
+                              <p:par>
+                                <p:cTn id="31" presetID="10" presetClass="entr" presetSubtype="0" fill="hold" grpId="0" nodeType="withEffect">
+                                  <p:stCondLst>
+                                    <p:cond delay="0"/>
+                                  </p:stCondLst>
+                                  <p:childTnLst>
+                                    <p:set>
+                                      <p:cBhvr>
+                                        <p:cTn id="32" dur="1" fill="hold">
+                                          <p:stCondLst>
+                                            <p:cond delay="0"/>
+                                          </p:stCondLst>
+                                        </p:cTn>
+                                        <p:tgtEl>
+                                          <p:spTgt spid="3">
+                                            <p:txEl>
+                                              <p:pRg st="7" end="7"/>
+                                            </p:txEl>
+                                          </p:spTgt>
+                                        </p:tgtEl>
+                                        <p:attrNameLst>
+                                          <p:attrName>style.visibility</p:attrName>
+                                        </p:attrNameLst>
+                                      </p:cBhvr>
+                                      <p:to>
+                                        <p:strVal val="visible"/>
+                                      </p:to>
+                                    </p:set>
+                                    <p:animEffect transition="in" filter="fade">
+                                      <p:cBhvr>
+                                        <p:cTn id="33" dur="250"/>
+                                        <p:tgtEl>
+                                          <p:spTgt spid="3">
+                                            <p:txEl>
+                                              <p:pRg st="7" end="7"/>
+                                            </p:txEl>
+                                          </p:spTgt>
+                                        </p:tgtEl>
+                                      </p:cBhvr>
+                                    </p:animEffect>
+                                  </p:childTnLst>
+                                </p:cTn>
+                              </p:par>
+                              <p:par>
+                                <p:cTn id="34" presetID="10" presetClass="entr" presetSubtype="0" fill="hold" grpId="0" nodeType="withEffect">
+                                  <p:stCondLst>
+                                    <p:cond delay="0"/>
+                                  </p:stCondLst>
+                                  <p:childTnLst>
+                                    <p:set>
+                                      <p:cBhvr>
+                                        <p:cTn id="35" dur="1" fill="hold">
+                                          <p:stCondLst>
+                                            <p:cond delay="0"/>
+                                          </p:stCondLst>
+                                        </p:cTn>
+                                        <p:tgtEl>
+                                          <p:spTgt spid="3">
+                                            <p:txEl>
+                                              <p:pRg st="8" end="8"/>
+                                            </p:txEl>
+                                          </p:spTgt>
+                                        </p:tgtEl>
+                                        <p:attrNameLst>
+                                          <p:attrName>style.visibility</p:attrName>
+                                        </p:attrNameLst>
+                                      </p:cBhvr>
+                                      <p:to>
+                                        <p:strVal val="visible"/>
+                                      </p:to>
+                                    </p:set>
+                                    <p:animEffect transition="in" filter="fade">
+                                      <p:cBhvr>
+                                        <p:cTn id="36" dur="250"/>
+                                        <p:tgtEl>
+                                          <p:spTgt spid="3">
+                                            <p:txEl>
+                                              <p:pRg st="8" end="8"/>
+                                            </p:txEl>
+                                          </p:spTgt>
+                                        </p:tgtEl>
+                                      </p:cBhvr>
+                                    </p:animEffect>
+                                  </p:childTnLst>
+                                </p:cTn>
+                              </p:par>
+                              <p:par>
+                                <p:cTn id="37" presetID="10" presetClass="entr" presetSubtype="0" fill="hold" grpId="0" nodeType="withEffect">
+                                  <p:stCondLst>
+                                    <p:cond delay="0"/>
+                                  </p:stCondLst>
+                                  <p:childTnLst>
+                                    <p:set>
+                                      <p:cBhvr>
+                                        <p:cTn id="38" dur="1" fill="hold">
+                                          <p:stCondLst>
+                                            <p:cond delay="0"/>
+                                          </p:stCondLst>
+                                        </p:cTn>
+                                        <p:tgtEl>
+                                          <p:spTgt spid="3">
+                                            <p:txEl>
+                                              <p:pRg st="9" end="9"/>
+                                            </p:txEl>
+                                          </p:spTgt>
+                                        </p:tgtEl>
+                                        <p:attrNameLst>
+                                          <p:attrName>style.visibility</p:attrName>
+                                        </p:attrNameLst>
+                                      </p:cBhvr>
+                                      <p:to>
+                                        <p:strVal val="visible"/>
+                                      </p:to>
+                                    </p:set>
+                                    <p:animEffect transition="in" filter="fade">
+                                      <p:cBhvr>
+                                        <p:cTn id="39" dur="250"/>
+                                        <p:tgtEl>
+                                          <p:spTgt spid="3">
+                                            <p:txEl>
+                                              <p:pRg st="9" end="9"/>
+                                            </p:txEl>
+                                          </p:spTgt>
+                                        </p:tgtEl>
+                                      </p:cBhvr>
+                                    </p:animEffect>
+                                  </p:childTnLst>
+                                </p:cTn>
+                              </p:par>
+                            </p:childTnLst>
+                          </p:cTn>
+                        </p:par>
+                      </p:childTnLst>
+                    </p:cTn>
+                  </p:par>
+                </p:childTnLst>
+              </p:cTn>
+              <p:prevCondLst>
+                <p:cond evt="onPrev" delay="0">
+                  <p:tgtEl>
+                    <p:sldTgt/>
+                  </p:tgtEl>
+                </p:cond>
+              </p:prevCondLst>
+              <p:nextCondLst>
+                <p:cond evt="onNext" delay="0">
+                  <p:tgtEl>
+                    <p:sldTgt/>
+                  </p:tgtEl>
+                </p:cond>
+              </p:nextCondLst>
+            </p:seq>
+          </p:childTnLst>
+        </p:cTn>
+      </p:par>
+    </p:tnLst>
+    <p:bldLst>
+      <p:bldP spid="3" grpId="0" build="p"/>
+    </p:bldLst>
+  </p:timing>
+</p:sld>
+</file>
+
+<file path=ppt/slides/slide23.xml><?xml version="1.0" encoding="utf-8"?>
+<p:sld xmlns:a="http://schemas.openxmlformats.org/drawingml/2006/main" xmlns:r="http://schemas.openxmlformats.org/officeDocument/2006/relationships" xmlns:p="http://schemas.openxmlformats.org/presentationml/2006/main" show="0">
+  <p:cSld>
+    <p:spTree>
+      <p:nvGrpSpPr>
+        <p:cNvPr id="1" name=""/>
+        <p:cNvGrpSpPr/>
+        <p:nvPr/>
+      </p:nvGrpSpPr>
+      <p:grpSpPr>
+        <a:xfrm>
+          <a:off x="0" y="0"/>
+          <a:ext cx="0" cy="0"/>
+          <a:chOff x="0" y="0"/>
+          <a:chExt cx="0" cy="0"/>
+        </a:xfrm>
+      </p:grpSpPr>
+      <p:sp>
+        <p:nvSpPr>
+          <p:cNvPr id="2" name="Title 1"/>
+          <p:cNvSpPr>
+            <a:spLocks noGrp="1"/>
+          </p:cNvSpPr>
+          <p:nvPr>
+            <p:ph type="title"/>
+          </p:nvPr>
+        </p:nvSpPr>
+        <p:spPr/>
+        <p:txBody>
+          <a:bodyPr/>
+          <a:lstStyle/>
+          <a:p>
+            <a:r>
+              <a:rPr lang="hr-HR" sz="3200" dirty="0" smtClean="0"/>
+              <a:t>Osnovni uvjeti za obavljanje ugostiteljske djelatnosti</a:t>
+            </a:r>
+            <a:endParaRPr lang="hr-HR" sz="3400" b="1" i="1" dirty="0"/>
+          </a:p>
+        </p:txBody>
+      </p:sp>
+      <p:sp>
+        <p:nvSpPr>
+          <p:cNvPr id="3" name="Content Placeholder 2"/>
+          <p:cNvSpPr>
+            <a:spLocks noGrp="1"/>
+          </p:cNvSpPr>
+          <p:nvPr>
+            <p:ph idx="1"/>
+          </p:nvPr>
+        </p:nvSpPr>
+        <p:spPr>
+          <a:xfrm>
+            <a:off x="0" y="551556"/>
+            <a:ext cx="9144000" cy="6381328"/>
+          </a:xfrm>
+        </p:spPr>
+        <p:txBody>
+          <a:bodyPr>
+            <a:noAutofit/>
+          </a:bodyPr>
+          <a:lstStyle/>
+          <a:p>
+            <a:r>
+              <a:rPr lang="hr-HR" dirty="0" smtClean="0"/>
+              <a:t>niz predradnji prije otvaranja </a:t>
+            </a:r>
+            <a:r>
+              <a:rPr lang="hr-HR" dirty="0" err="1" smtClean="0"/>
+              <a:t>ug</a:t>
+            </a:r>
+            <a:r>
+              <a:rPr lang="hr-HR" dirty="0" smtClean="0"/>
+              <a:t>. objekta:</a:t>
+            </a:r>
+          </a:p>
+          <a:p>
+            <a:pPr lvl="1"/>
+            <a:r>
+              <a:rPr lang="hr-HR" dirty="0" smtClean="0"/>
+              <a:t>dozvola za otvaranje </a:t>
+            </a:r>
+            <a:r>
+              <a:rPr lang="hr-HR" dirty="0" err="1" smtClean="0"/>
+              <a:t>ug</a:t>
+            </a:r>
+            <a:r>
+              <a:rPr lang="hr-HR" dirty="0" smtClean="0"/>
+              <a:t>. objekta</a:t>
+            </a:r>
+          </a:p>
+          <a:p>
+            <a:pPr lvl="1"/>
+            <a:r>
+              <a:rPr lang="hr-HR" dirty="0" smtClean="0"/>
+              <a:t>sposobnost pripremanja usluge bez poteškoća</a:t>
+            </a:r>
+          </a:p>
+          <a:p>
+            <a:pPr lvl="1"/>
+            <a:r>
+              <a:rPr lang="hr-HR" dirty="0" smtClean="0"/>
+              <a:t>sposobnost posluživanja usluge gostima, u skladu sa zakonskim normama te pravilima  </a:t>
+            </a:r>
+            <a:r>
+              <a:rPr lang="hr-HR" smtClean="0"/>
+              <a:t>i običajima struke</a:t>
+            </a:r>
+            <a:endParaRPr lang="hr-HR" dirty="0" smtClean="0"/>
+          </a:p>
+        </p:txBody>
+      </p:sp>
+    </p:spTree>
+    <p:extLst>
+      <p:ext uri="{BB962C8B-B14F-4D97-AF65-F5344CB8AC3E}">
+        <p14:creationId xmlns:p14="http://schemas.microsoft.com/office/powerpoint/2010/main" val="1727599385"/>
+      </p:ext>
+    </p:extLst>
+  </p:cSld>
+  <p:clrMapOvr>
+    <a:masterClrMapping/>
+  </p:clrMapOvr>
+  <mc:AlternateContent xmlns:mc="http://schemas.openxmlformats.org/markup-compatibility/2006" xmlns:p14="http://schemas.microsoft.com/office/powerpoint/2010/main">
+    <mc:Choice Requires="p14">
+      <p:transition>
+        <p14:reveal/>
+      </p:transition>
+    </mc:Choice>
+    <mc:Fallback xmlns="">
+      <p:transition>
+        <p:fade/>
+      </p:transition>
+    </mc:Fallback>
+  </mc:AlternateContent>
+  <p:timing>
+    <p:tnLst>
+      <p:par>
+        <p:cTn id="1" dur="indefinite" restart="never" nodeType="tmRoot">
+          <p:childTnLst>
+            <p:seq concurrent="1" nextAc="seek">
+              <p:cTn id="2" dur="indefinite" nodeType="mainSeq">
+                <p:childTnLst>
+                  <p:par>
+                    <p:cTn id="3" fill="hold">
+                      <p:stCondLst>
+                        <p:cond delay="indefinite"/>
+                        <p:cond evt="onBegin" delay="0">
+                          <p:tn val="2"/>
+                        </p:cond>
+                      </p:stCondLst>
+                      <p:childTnLst>
+                        <p:par>
+                          <p:cTn id="4" fill="hold">
+                            <p:stCondLst>
+                              <p:cond delay="0"/>
+                            </p:stCondLst>
+                            <p:childTnLst>
+                              <p:par>
+                                <p:cTn id="5" presetID="10" presetClass="entr" presetSubtype="0" fill="hold" grpId="0" nodeType="afterEffect">
+                                  <p:stCondLst>
+                                    <p:cond delay="0"/>
+                                  </p:stCondLst>
+                                  <p:childTnLst>
+                                    <p:set>
+                                      <p:cBhvr>
+                                        <p:cTn id="6" dur="1" fill="hold">
+                                          <p:stCondLst>
+                                            <p:cond delay="0"/>
+                                          </p:stCondLst>
+                                        </p:cTn>
+                                        <p:tgtEl>
+                                          <p:spTgt spid="3">
+                                            <p:txEl>
+                                              <p:pRg st="0" end="0"/>
+                                            </p:txEl>
+                                          </p:spTgt>
+                                        </p:tgtEl>
+                                        <p:attrNameLst>
+                                          <p:attrName>style.visibility</p:attrName>
+                                        </p:attrNameLst>
+                                      </p:cBhvr>
+                                      <p:to>
+                                        <p:strVal val="visible"/>
+                                      </p:to>
+                                    </p:set>
+                                    <p:animEffect transition="in" filter="fade">
+                                      <p:cBhvr>
+                                        <p:cTn id="7" dur="250"/>
+                                        <p:tgtEl>
+                                          <p:spTgt spid="3">
+                                            <p:txEl>
+                                              <p:pRg st="0" end="0"/>
+                                            </p:txEl>
+                                          </p:spTgt>
+                                        </p:tgtEl>
+                                      </p:cBhvr>
+                                    </p:animEffect>
+                                  </p:childTnLst>
+                                </p:cTn>
+                              </p:par>
+                              <p:par>
+                                <p:cTn id="8" presetID="10" presetClass="entr" presetSubtype="0" fill="hold" grpId="0" nodeType="withEffect">
+                                  <p:stCondLst>
+                                    <p:cond delay="0"/>
+                                  </p:stCondLst>
+                                  <p:childTnLst>
+                                    <p:set>
+                                      <p:cBhvr>
+                                        <p:cTn id="9" dur="1" fill="hold">
+                                          <p:stCondLst>
+                                            <p:cond delay="0"/>
+                                          </p:stCondLst>
+                                        </p:cTn>
+                                        <p:tgtEl>
+                                          <p:spTgt spid="3">
+                                            <p:txEl>
+                                              <p:pRg st="1" end="1"/>
+                                            </p:txEl>
+                                          </p:spTgt>
+                                        </p:tgtEl>
+                                        <p:attrNameLst>
+                                          <p:attrName>style.visibility</p:attrName>
+                                        </p:attrNameLst>
+                                      </p:cBhvr>
+                                      <p:to>
+                                        <p:strVal val="visible"/>
+                                      </p:to>
+                                    </p:set>
+                                    <p:animEffect transition="in" filter="fade">
+                                      <p:cBhvr>
+                                        <p:cTn id="10" dur="250"/>
+                                        <p:tgtEl>
+                                          <p:spTgt spid="3">
+                                            <p:txEl>
+                                              <p:pRg st="1" end="1"/>
+                                            </p:txEl>
+                                          </p:spTgt>
+                                        </p:tgtEl>
+                                      </p:cBhvr>
+                                    </p:animEffect>
+                                  </p:childTnLst>
+                                </p:cTn>
+                              </p:par>
+                              <p:par>
+                                <p:cTn id="11" presetID="10" presetClass="entr" presetSubtype="0" fill="hold" grpId="0" nodeType="withEffect">
+                                  <p:stCondLst>
+                                    <p:cond delay="0"/>
+                                  </p:stCondLst>
+                                  <p:childTnLst>
+                                    <p:set>
+                                      <p:cBhvr>
+                                        <p:cTn id="12" dur="1" fill="hold">
+                                          <p:stCondLst>
+                                            <p:cond delay="0"/>
+                                          </p:stCondLst>
+                                        </p:cTn>
+                                        <p:tgtEl>
+                                          <p:spTgt spid="3">
+                                            <p:txEl>
+                                              <p:pRg st="2" end="2"/>
+                                            </p:txEl>
+                                          </p:spTgt>
+                                        </p:tgtEl>
+                                        <p:attrNameLst>
+                                          <p:attrName>style.visibility</p:attrName>
+                                        </p:attrNameLst>
+                                      </p:cBhvr>
+                                      <p:to>
+                                        <p:strVal val="visible"/>
+                                      </p:to>
+                                    </p:set>
+                                    <p:animEffect transition="in" filter="fade">
+                                      <p:cBhvr>
+                                        <p:cTn id="13" dur="250"/>
+                                        <p:tgtEl>
+                                          <p:spTgt spid="3">
+                                            <p:txEl>
+                                              <p:pRg st="2" end="2"/>
+                                            </p:txEl>
+                                          </p:spTgt>
+                                        </p:tgtEl>
+                                      </p:cBhvr>
+                                    </p:animEffect>
+                                  </p:childTnLst>
+                                </p:cTn>
+                              </p:par>
+                              <p:par>
+                                <p:cTn id="14" presetID="10" presetClass="entr" presetSubtype="0" fill="hold" grpId="0" nodeType="withEffect">
+                                  <p:stCondLst>
+                                    <p:cond delay="0"/>
+                                  </p:stCondLst>
+                                  <p:childTnLst>
+                                    <p:set>
+                                      <p:cBhvr>
+                                        <p:cTn id="15" dur="1" fill="hold">
+                                          <p:stCondLst>
+                                            <p:cond delay="0"/>
+                                          </p:stCondLst>
+                                        </p:cTn>
+                                        <p:tgtEl>
+                                          <p:spTgt spid="3">
+                                            <p:txEl>
+                                              <p:pRg st="3" end="3"/>
+                                            </p:txEl>
+                                          </p:spTgt>
+                                        </p:tgtEl>
+                                        <p:attrNameLst>
+                                          <p:attrName>style.visibility</p:attrName>
+                                        </p:attrNameLst>
+                                      </p:cBhvr>
+                                      <p:to>
+                                        <p:strVal val="visible"/>
+                                      </p:to>
+                                    </p:set>
+                                    <p:animEffect transition="in" filter="fade">
+                                      <p:cBhvr>
+                                        <p:cTn id="16" dur="250"/>
+                                        <p:tgtEl>
+                                          <p:spTgt spid="3">
+                                            <p:txEl>
+                                              <p:pRg st="3" end="3"/>
+                                            </p:txEl>
+                                          </p:spTgt>
+                                        </p:tgtEl>
+                                      </p:cBhvr>
+                                    </p:animEffect>
+                                  </p:childTnLst>
+                                </p:cTn>
+                              </p:par>
+                            </p:childTnLst>
+                          </p:cTn>
+                        </p:par>
+                      </p:childTnLst>
+                    </p:cTn>
+                  </p:par>
+                </p:childTnLst>
+              </p:cTn>
+              <p:prevCondLst>
+                <p:cond evt="onPrev" delay="0">
+                  <p:tgtEl>
+                    <p:sldTgt/>
+                  </p:tgtEl>
+                </p:cond>
+              </p:prevCondLst>
+              <p:nextCondLst>
+                <p:cond evt="onNext" delay="0">
+                  <p:tgtEl>
+                    <p:sldTgt/>
+                  </p:tgtEl>
+                </p:cond>
+              </p:nextCondLst>
+            </p:seq>
+          </p:childTnLst>
+        </p:cTn>
+      </p:par>
+    </p:tnLst>
+    <p:bldLst>
+      <p:bldP spid="3" grpId="0" build="p"/>
     </p:bldLst>
   </p:timing>
 </p:sld>
